--- a/OtherStuff/Presentation/Alloy.pptx
+++ b/OtherStuff/Presentation/Alloy.pptx
@@ -17,6 +17,13 @@
     <p:sldId id="266" r:id="rId11"/>
     <p:sldId id="267" r:id="rId12"/>
     <p:sldId id="268" r:id="rId13"/>
+    <p:sldId id="269" r:id="rId14"/>
+    <p:sldId id="270" r:id="rId15"/>
+    <p:sldId id="271" r:id="rId16"/>
+    <p:sldId id="272" r:id="rId17"/>
+    <p:sldId id="273" r:id="rId18"/>
+    <p:sldId id="274" r:id="rId19"/>
+    <p:sldId id="275" r:id="rId20"/>
   </p:sldIdLst>
   <p:sldSz cx="9144000" cy="6858000" type="screen4x3"/>
   <p:notesSz cx="6858000" cy="9144000"/>
@@ -4281,7 +4288,19 @@
               <a:rPr lang="en-US" dirty="0" smtClean="0">
                 <a:latin typeface="Georgia" panose="02040502050405020303" pitchFamily="18" charset="0"/>
               </a:rPr>
-              <a:t>Annulled rides must not be linked to any (active) taxi.</a:t>
+              <a:t>Annulled rides must not be linked </a:t>
+            </a:r>
+            <a:r>
+              <a:rPr lang="en-US" smtClean="0">
+                <a:latin typeface="Georgia" panose="02040502050405020303" pitchFamily="18" charset="0"/>
+              </a:rPr>
+              <a:t>to any </a:t>
+            </a:r>
+            <a:r>
+              <a:rPr lang="en-US" dirty="0" smtClean="0">
+                <a:latin typeface="Georgia" panose="02040502050405020303" pitchFamily="18" charset="0"/>
+              </a:rPr>
+              <a:t>taxi.</a:t>
             </a:r>
             <a:endParaRPr lang="en-US" dirty="0">
               <a:latin typeface="Georgia" panose="02040502050405020303" pitchFamily="18" charset="0"/>
@@ -4740,9 +4759,358 @@
   <p:timing>
     <p:tnLst>
       <p:par>
-        <p:cTn id="1" dur="indefinite" restart="never" nodeType="tmRoot"/>
+        <p:cTn id="1" dur="indefinite" restart="never" nodeType="tmRoot">
+          <p:childTnLst>
+            <p:seq concurrent="1" nextAc="seek">
+              <p:cTn id="2" dur="indefinite" nodeType="mainSeq">
+                <p:childTnLst>
+                  <p:par>
+                    <p:cTn id="3" fill="hold">
+                      <p:stCondLst>
+                        <p:cond delay="indefinite"/>
+                      </p:stCondLst>
+                      <p:childTnLst>
+                        <p:par>
+                          <p:cTn id="4" fill="hold">
+                            <p:stCondLst>
+                              <p:cond delay="0"/>
+                            </p:stCondLst>
+                            <p:childTnLst>
+                              <p:par>
+                                <p:cTn id="5" presetID="10" presetClass="entr" presetSubtype="0" fill="hold" grpId="0" nodeType="clickEffect">
+                                  <p:stCondLst>
+                                    <p:cond delay="0"/>
+                                  </p:stCondLst>
+                                  <p:childTnLst>
+                                    <p:set>
+                                      <p:cBhvr>
+                                        <p:cTn id="6" dur="1" fill="hold">
+                                          <p:stCondLst>
+                                            <p:cond delay="0"/>
+                                          </p:stCondLst>
+                                        </p:cTn>
+                                        <p:tgtEl>
+                                          <p:spTgt spid="3"/>
+                                        </p:tgtEl>
+                                        <p:attrNameLst>
+                                          <p:attrName>style.visibility</p:attrName>
+                                        </p:attrNameLst>
+                                      </p:cBhvr>
+                                      <p:to>
+                                        <p:strVal val="visible"/>
+                                      </p:to>
+                                    </p:set>
+                                    <p:animEffect transition="in" filter="fade">
+                                      <p:cBhvr>
+                                        <p:cTn id="7" dur="500"/>
+                                        <p:tgtEl>
+                                          <p:spTgt spid="3"/>
+                                        </p:tgtEl>
+                                      </p:cBhvr>
+                                    </p:animEffect>
+                                  </p:childTnLst>
+                                </p:cTn>
+                              </p:par>
+                            </p:childTnLst>
+                          </p:cTn>
+                        </p:par>
+                      </p:childTnLst>
+                    </p:cTn>
+                  </p:par>
+                  <p:par>
+                    <p:cTn id="8" fill="hold">
+                      <p:stCondLst>
+                        <p:cond delay="indefinite"/>
+                      </p:stCondLst>
+                      <p:childTnLst>
+                        <p:par>
+                          <p:cTn id="9" fill="hold">
+                            <p:stCondLst>
+                              <p:cond delay="0"/>
+                            </p:stCondLst>
+                            <p:childTnLst>
+                              <p:par>
+                                <p:cTn id="10" presetID="10" presetClass="entr" presetSubtype="0" fill="hold" grpId="0" nodeType="clickEffect">
+                                  <p:stCondLst>
+                                    <p:cond delay="0"/>
+                                  </p:stCondLst>
+                                  <p:childTnLst>
+                                    <p:set>
+                                      <p:cBhvr>
+                                        <p:cTn id="11" dur="1" fill="hold">
+                                          <p:stCondLst>
+                                            <p:cond delay="0"/>
+                                          </p:stCondLst>
+                                        </p:cTn>
+                                        <p:tgtEl>
+                                          <p:spTgt spid="4"/>
+                                        </p:tgtEl>
+                                        <p:attrNameLst>
+                                          <p:attrName>style.visibility</p:attrName>
+                                        </p:attrNameLst>
+                                      </p:cBhvr>
+                                      <p:to>
+                                        <p:strVal val="visible"/>
+                                      </p:to>
+                                    </p:set>
+                                    <p:animEffect transition="in" filter="fade">
+                                      <p:cBhvr>
+                                        <p:cTn id="12" dur="500"/>
+                                        <p:tgtEl>
+                                          <p:spTgt spid="4"/>
+                                        </p:tgtEl>
+                                      </p:cBhvr>
+                                    </p:animEffect>
+                                  </p:childTnLst>
+                                </p:cTn>
+                              </p:par>
+                            </p:childTnLst>
+                          </p:cTn>
+                        </p:par>
+                      </p:childTnLst>
+                    </p:cTn>
+                  </p:par>
+                  <p:par>
+                    <p:cTn id="13" fill="hold">
+                      <p:stCondLst>
+                        <p:cond delay="indefinite"/>
+                      </p:stCondLst>
+                      <p:childTnLst>
+                        <p:par>
+                          <p:cTn id="14" fill="hold">
+                            <p:stCondLst>
+                              <p:cond delay="0"/>
+                            </p:stCondLst>
+                            <p:childTnLst>
+                              <p:par>
+                                <p:cTn id="15" presetID="10" presetClass="entr" presetSubtype="0" fill="hold" grpId="0" nodeType="clickEffect">
+                                  <p:stCondLst>
+                                    <p:cond delay="0"/>
+                                  </p:stCondLst>
+                                  <p:childTnLst>
+                                    <p:set>
+                                      <p:cBhvr>
+                                        <p:cTn id="16" dur="1" fill="hold">
+                                          <p:stCondLst>
+                                            <p:cond delay="0"/>
+                                          </p:stCondLst>
+                                        </p:cTn>
+                                        <p:tgtEl>
+                                          <p:spTgt spid="7"/>
+                                        </p:tgtEl>
+                                        <p:attrNameLst>
+                                          <p:attrName>style.visibility</p:attrName>
+                                        </p:attrNameLst>
+                                      </p:cBhvr>
+                                      <p:to>
+                                        <p:strVal val="visible"/>
+                                      </p:to>
+                                    </p:set>
+                                    <p:animEffect transition="in" filter="fade">
+                                      <p:cBhvr>
+                                        <p:cTn id="17" dur="500"/>
+                                        <p:tgtEl>
+                                          <p:spTgt spid="7"/>
+                                        </p:tgtEl>
+                                      </p:cBhvr>
+                                    </p:animEffect>
+                                  </p:childTnLst>
+                                </p:cTn>
+                              </p:par>
+                            </p:childTnLst>
+                          </p:cTn>
+                        </p:par>
+                      </p:childTnLst>
+                    </p:cTn>
+                  </p:par>
+                  <p:par>
+                    <p:cTn id="18" fill="hold">
+                      <p:stCondLst>
+                        <p:cond delay="indefinite"/>
+                      </p:stCondLst>
+                      <p:childTnLst>
+                        <p:par>
+                          <p:cTn id="19" fill="hold">
+                            <p:stCondLst>
+                              <p:cond delay="0"/>
+                            </p:stCondLst>
+                            <p:childTnLst>
+                              <p:par>
+                                <p:cTn id="20" presetID="10" presetClass="entr" presetSubtype="0" fill="hold" grpId="0" nodeType="clickEffect">
+                                  <p:stCondLst>
+                                    <p:cond delay="0"/>
+                                  </p:stCondLst>
+                                  <p:childTnLst>
+                                    <p:set>
+                                      <p:cBhvr>
+                                        <p:cTn id="21" dur="1" fill="hold">
+                                          <p:stCondLst>
+                                            <p:cond delay="0"/>
+                                          </p:stCondLst>
+                                        </p:cTn>
+                                        <p:tgtEl>
+                                          <p:spTgt spid="8"/>
+                                        </p:tgtEl>
+                                        <p:attrNameLst>
+                                          <p:attrName>style.visibility</p:attrName>
+                                        </p:attrNameLst>
+                                      </p:cBhvr>
+                                      <p:to>
+                                        <p:strVal val="visible"/>
+                                      </p:to>
+                                    </p:set>
+                                    <p:animEffect transition="in" filter="fade">
+                                      <p:cBhvr>
+                                        <p:cTn id="22" dur="500"/>
+                                        <p:tgtEl>
+                                          <p:spTgt spid="8"/>
+                                        </p:tgtEl>
+                                      </p:cBhvr>
+                                    </p:animEffect>
+                                  </p:childTnLst>
+                                </p:cTn>
+                              </p:par>
+                            </p:childTnLst>
+                          </p:cTn>
+                        </p:par>
+                      </p:childTnLst>
+                    </p:cTn>
+                  </p:par>
+                  <p:par>
+                    <p:cTn id="23" fill="hold">
+                      <p:stCondLst>
+                        <p:cond delay="indefinite"/>
+                      </p:stCondLst>
+                      <p:childTnLst>
+                        <p:par>
+                          <p:cTn id="24" fill="hold">
+                            <p:stCondLst>
+                              <p:cond delay="0"/>
+                            </p:stCondLst>
+                            <p:childTnLst>
+                              <p:par>
+                                <p:cTn id="25" presetID="10" presetClass="entr" presetSubtype="0" fill="hold" grpId="0" nodeType="clickEffect">
+                                  <p:stCondLst>
+                                    <p:cond delay="0"/>
+                                  </p:stCondLst>
+                                  <p:childTnLst>
+                                    <p:set>
+                                      <p:cBhvr>
+                                        <p:cTn id="26" dur="1" fill="hold">
+                                          <p:stCondLst>
+                                            <p:cond delay="0"/>
+                                          </p:stCondLst>
+                                        </p:cTn>
+                                        <p:tgtEl>
+                                          <p:spTgt spid="9"/>
+                                        </p:tgtEl>
+                                        <p:attrNameLst>
+                                          <p:attrName>style.visibility</p:attrName>
+                                        </p:attrNameLst>
+                                      </p:cBhvr>
+                                      <p:to>
+                                        <p:strVal val="visible"/>
+                                      </p:to>
+                                    </p:set>
+                                    <p:animEffect transition="in" filter="fade">
+                                      <p:cBhvr>
+                                        <p:cTn id="27" dur="500"/>
+                                        <p:tgtEl>
+                                          <p:spTgt spid="9"/>
+                                        </p:tgtEl>
+                                      </p:cBhvr>
+                                    </p:animEffect>
+                                  </p:childTnLst>
+                                </p:cTn>
+                              </p:par>
+                            </p:childTnLst>
+                          </p:cTn>
+                        </p:par>
+                      </p:childTnLst>
+                    </p:cTn>
+                  </p:par>
+                  <p:par>
+                    <p:cTn id="28" fill="hold">
+                      <p:stCondLst>
+                        <p:cond delay="indefinite"/>
+                      </p:stCondLst>
+                      <p:childTnLst>
+                        <p:par>
+                          <p:cTn id="29" fill="hold">
+                            <p:stCondLst>
+                              <p:cond delay="0"/>
+                            </p:stCondLst>
+                            <p:childTnLst>
+                              <p:par>
+                                <p:cTn id="30" presetID="10" presetClass="entr" presetSubtype="0" fill="hold" grpId="0" nodeType="clickEffect">
+                                  <p:stCondLst>
+                                    <p:cond delay="0"/>
+                                  </p:stCondLst>
+                                  <p:childTnLst>
+                                    <p:set>
+                                      <p:cBhvr>
+                                        <p:cTn id="31" dur="1" fill="hold">
+                                          <p:stCondLst>
+                                            <p:cond delay="0"/>
+                                          </p:stCondLst>
+                                        </p:cTn>
+                                        <p:tgtEl>
+                                          <p:spTgt spid="10"/>
+                                        </p:tgtEl>
+                                        <p:attrNameLst>
+                                          <p:attrName>style.visibility</p:attrName>
+                                        </p:attrNameLst>
+                                      </p:cBhvr>
+                                      <p:to>
+                                        <p:strVal val="visible"/>
+                                      </p:to>
+                                    </p:set>
+                                    <p:animEffect transition="in" filter="fade">
+                                      <p:cBhvr>
+                                        <p:cTn id="32" dur="500"/>
+                                        <p:tgtEl>
+                                          <p:spTgt spid="10"/>
+                                        </p:tgtEl>
+                                      </p:cBhvr>
+                                    </p:animEffect>
+                                  </p:childTnLst>
+                                </p:cTn>
+                              </p:par>
+                            </p:childTnLst>
+                          </p:cTn>
+                        </p:par>
+                      </p:childTnLst>
+                    </p:cTn>
+                  </p:par>
+                </p:childTnLst>
+              </p:cTn>
+              <p:prevCondLst>
+                <p:cond evt="onPrev" delay="0">
+                  <p:tgtEl>
+                    <p:sldTgt/>
+                  </p:tgtEl>
+                </p:cond>
+              </p:prevCondLst>
+              <p:nextCondLst>
+                <p:cond evt="onNext" delay="0">
+                  <p:tgtEl>
+                    <p:sldTgt/>
+                  </p:tgtEl>
+                </p:cond>
+              </p:nextCondLst>
+            </p:seq>
+          </p:childTnLst>
+        </p:cTn>
       </p:par>
     </p:tnLst>
+    <p:bldLst>
+      <p:bldP spid="3" grpId="0"/>
+      <p:bldP spid="4" grpId="0" animBg="1"/>
+      <p:bldP spid="7" grpId="0"/>
+      <p:bldP spid="8" grpId="0" animBg="1"/>
+      <p:bldP spid="9" grpId="0"/>
+      <p:bldP spid="10" grpId="0" animBg="1"/>
+    </p:bldLst>
   </p:timing>
 </p:sld>
 </file>
@@ -5358,9 +5726,250 @@
   <p:timing>
     <p:tnLst>
       <p:par>
-        <p:cTn id="1" dur="indefinite" restart="never" nodeType="tmRoot"/>
+        <p:cTn id="1" dur="indefinite" restart="never" nodeType="tmRoot">
+          <p:childTnLst>
+            <p:seq concurrent="1" nextAc="seek">
+              <p:cTn id="2" dur="indefinite" nodeType="mainSeq">
+                <p:childTnLst>
+                  <p:par>
+                    <p:cTn id="3" fill="hold">
+                      <p:stCondLst>
+                        <p:cond delay="indefinite"/>
+                      </p:stCondLst>
+                      <p:childTnLst>
+                        <p:par>
+                          <p:cTn id="4" fill="hold">
+                            <p:stCondLst>
+                              <p:cond delay="0"/>
+                            </p:stCondLst>
+                            <p:childTnLst>
+                              <p:par>
+                                <p:cTn id="5" presetID="10" presetClass="entr" presetSubtype="0" fill="hold" grpId="0" nodeType="clickEffect">
+                                  <p:stCondLst>
+                                    <p:cond delay="0"/>
+                                  </p:stCondLst>
+                                  <p:childTnLst>
+                                    <p:set>
+                                      <p:cBhvr>
+                                        <p:cTn id="6" dur="1" fill="hold">
+                                          <p:stCondLst>
+                                            <p:cond delay="0"/>
+                                          </p:stCondLst>
+                                        </p:cTn>
+                                        <p:tgtEl>
+                                          <p:spTgt spid="3"/>
+                                        </p:tgtEl>
+                                        <p:attrNameLst>
+                                          <p:attrName>style.visibility</p:attrName>
+                                        </p:attrNameLst>
+                                      </p:cBhvr>
+                                      <p:to>
+                                        <p:strVal val="visible"/>
+                                      </p:to>
+                                    </p:set>
+                                    <p:animEffect transition="in" filter="fade">
+                                      <p:cBhvr>
+                                        <p:cTn id="7" dur="500"/>
+                                        <p:tgtEl>
+                                          <p:spTgt spid="3"/>
+                                        </p:tgtEl>
+                                      </p:cBhvr>
+                                    </p:animEffect>
+                                  </p:childTnLst>
+                                </p:cTn>
+                              </p:par>
+                            </p:childTnLst>
+                          </p:cTn>
+                        </p:par>
+                      </p:childTnLst>
+                    </p:cTn>
+                  </p:par>
+                  <p:par>
+                    <p:cTn id="8" fill="hold">
+                      <p:stCondLst>
+                        <p:cond delay="indefinite"/>
+                      </p:stCondLst>
+                      <p:childTnLst>
+                        <p:par>
+                          <p:cTn id="9" fill="hold">
+                            <p:stCondLst>
+                              <p:cond delay="0"/>
+                            </p:stCondLst>
+                            <p:childTnLst>
+                              <p:par>
+                                <p:cTn id="10" presetID="10" presetClass="entr" presetSubtype="0" fill="hold" grpId="0" nodeType="clickEffect">
+                                  <p:stCondLst>
+                                    <p:cond delay="0"/>
+                                  </p:stCondLst>
+                                  <p:childTnLst>
+                                    <p:set>
+                                      <p:cBhvr>
+                                        <p:cTn id="11" dur="1" fill="hold">
+                                          <p:stCondLst>
+                                            <p:cond delay="0"/>
+                                          </p:stCondLst>
+                                        </p:cTn>
+                                        <p:tgtEl>
+                                          <p:spTgt spid="4"/>
+                                        </p:tgtEl>
+                                        <p:attrNameLst>
+                                          <p:attrName>style.visibility</p:attrName>
+                                        </p:attrNameLst>
+                                      </p:cBhvr>
+                                      <p:to>
+                                        <p:strVal val="visible"/>
+                                      </p:to>
+                                    </p:set>
+                                    <p:animEffect transition="in" filter="fade">
+                                      <p:cBhvr>
+                                        <p:cTn id="12" dur="500"/>
+                                        <p:tgtEl>
+                                          <p:spTgt spid="4"/>
+                                        </p:tgtEl>
+                                      </p:cBhvr>
+                                    </p:animEffect>
+                                  </p:childTnLst>
+                                </p:cTn>
+                              </p:par>
+                            </p:childTnLst>
+                          </p:cTn>
+                        </p:par>
+                      </p:childTnLst>
+                    </p:cTn>
+                  </p:par>
+                  <p:par>
+                    <p:cTn id="13" fill="hold">
+                      <p:stCondLst>
+                        <p:cond delay="indefinite"/>
+                      </p:stCondLst>
+                      <p:childTnLst>
+                        <p:par>
+                          <p:cTn id="14" fill="hold">
+                            <p:stCondLst>
+                              <p:cond delay="0"/>
+                            </p:stCondLst>
+                            <p:childTnLst>
+                              <p:par>
+                                <p:cTn id="15" presetID="10" presetClass="entr" presetSubtype="0" fill="hold" grpId="0" nodeType="clickEffect">
+                                  <p:stCondLst>
+                                    <p:cond delay="0"/>
+                                  </p:stCondLst>
+                                  <p:childTnLst>
+                                    <p:set>
+                                      <p:cBhvr>
+                                        <p:cTn id="16" dur="1" fill="hold">
+                                          <p:stCondLst>
+                                            <p:cond delay="0"/>
+                                          </p:stCondLst>
+                                        </p:cTn>
+                                        <p:tgtEl>
+                                          <p:spTgt spid="5"/>
+                                        </p:tgtEl>
+                                        <p:attrNameLst>
+                                          <p:attrName>style.visibility</p:attrName>
+                                        </p:attrNameLst>
+                                      </p:cBhvr>
+                                      <p:to>
+                                        <p:strVal val="visible"/>
+                                      </p:to>
+                                    </p:set>
+                                    <p:animEffect transition="in" filter="fade">
+                                      <p:cBhvr>
+                                        <p:cTn id="17" dur="500"/>
+                                        <p:tgtEl>
+                                          <p:spTgt spid="5"/>
+                                        </p:tgtEl>
+                                      </p:cBhvr>
+                                    </p:animEffect>
+                                  </p:childTnLst>
+                                </p:cTn>
+                              </p:par>
+                            </p:childTnLst>
+                          </p:cTn>
+                        </p:par>
+                      </p:childTnLst>
+                    </p:cTn>
+                  </p:par>
+                  <p:par>
+                    <p:cTn id="18" fill="hold">
+                      <p:stCondLst>
+                        <p:cond delay="indefinite"/>
+                      </p:stCondLst>
+                      <p:childTnLst>
+                        <p:par>
+                          <p:cTn id="19" fill="hold">
+                            <p:stCondLst>
+                              <p:cond delay="0"/>
+                            </p:stCondLst>
+                            <p:childTnLst>
+                              <p:par>
+                                <p:cTn id="20" presetID="10" presetClass="entr" presetSubtype="0" fill="hold" grpId="0" nodeType="clickEffect">
+                                  <p:stCondLst>
+                                    <p:cond delay="0"/>
+                                  </p:stCondLst>
+                                  <p:childTnLst>
+                                    <p:set>
+                                      <p:cBhvr>
+                                        <p:cTn id="21" dur="1" fill="hold">
+                                          <p:stCondLst>
+                                            <p:cond delay="0"/>
+                                          </p:stCondLst>
+                                        </p:cTn>
+                                        <p:tgtEl>
+                                          <p:spTgt spid="6"/>
+                                        </p:tgtEl>
+                                        <p:attrNameLst>
+                                          <p:attrName>style.visibility</p:attrName>
+                                        </p:attrNameLst>
+                                      </p:cBhvr>
+                                      <p:to>
+                                        <p:strVal val="visible"/>
+                                      </p:to>
+                                    </p:set>
+                                    <p:animEffect transition="in" filter="fade">
+                                      <p:cBhvr>
+                                        <p:cTn id="22" dur="500"/>
+                                        <p:tgtEl>
+                                          <p:spTgt spid="6"/>
+                                        </p:tgtEl>
+                                      </p:cBhvr>
+                                    </p:animEffect>
+                                  </p:childTnLst>
+                                </p:cTn>
+                              </p:par>
+                            </p:childTnLst>
+                          </p:cTn>
+                        </p:par>
+                      </p:childTnLst>
+                    </p:cTn>
+                  </p:par>
+                </p:childTnLst>
+              </p:cTn>
+              <p:prevCondLst>
+                <p:cond evt="onPrev" delay="0">
+                  <p:tgtEl>
+                    <p:sldTgt/>
+                  </p:tgtEl>
+                </p:cond>
+              </p:prevCondLst>
+              <p:nextCondLst>
+                <p:cond evt="onNext" delay="0">
+                  <p:tgtEl>
+                    <p:sldTgt/>
+                  </p:tgtEl>
+                </p:cond>
+              </p:nextCondLst>
+            </p:seq>
+          </p:childTnLst>
+        </p:cTn>
       </p:par>
     </p:tnLst>
+    <p:bldLst>
+      <p:bldP spid="3" grpId="0"/>
+      <p:bldP spid="4" grpId="0" animBg="1"/>
+      <p:bldP spid="5" grpId="0"/>
+      <p:bldP spid="6" grpId="0" animBg="1"/>
+    </p:bldLst>
   </p:timing>
 </p:sld>
 </file>
@@ -5770,13 +6379,7 @@
               <a:rPr lang="en-US" dirty="0" smtClean="0">
                 <a:latin typeface="Georgia" panose="02040502050405020303" pitchFamily="18" charset="0"/>
               </a:rPr>
-              <a:t>” taxi driver must not have any </a:t>
-            </a:r>
-            <a:r>
-              <a:rPr lang="en-US" smtClean="0">
-                <a:latin typeface="Georgia" panose="02040502050405020303" pitchFamily="18" charset="0"/>
-              </a:rPr>
-              <a:t>ride “Assigned”.</a:t>
+              <a:t>” taxi driver must not have any ride “Assigned”.</a:t>
             </a:r>
             <a:endParaRPr lang="en-US" dirty="0">
               <a:latin typeface="Georgia" panose="02040502050405020303" pitchFamily="18" charset="0"/>
@@ -6123,7 +6726,4782 @@
   <p:timing>
     <p:tnLst>
       <p:par>
-        <p:cTn id="1" dur="indefinite" restart="never" nodeType="tmRoot"/>
+        <p:cTn id="1" dur="indefinite" restart="never" nodeType="tmRoot">
+          <p:childTnLst>
+            <p:seq concurrent="1" nextAc="seek">
+              <p:cTn id="2" dur="indefinite" nodeType="mainSeq">
+                <p:childTnLst>
+                  <p:par>
+                    <p:cTn id="3" fill="hold">
+                      <p:stCondLst>
+                        <p:cond delay="indefinite"/>
+                      </p:stCondLst>
+                      <p:childTnLst>
+                        <p:par>
+                          <p:cTn id="4" fill="hold">
+                            <p:stCondLst>
+                              <p:cond delay="0"/>
+                            </p:stCondLst>
+                            <p:childTnLst>
+                              <p:par>
+                                <p:cTn id="5" presetID="10" presetClass="entr" presetSubtype="0" fill="hold" grpId="0" nodeType="clickEffect">
+                                  <p:stCondLst>
+                                    <p:cond delay="0"/>
+                                  </p:stCondLst>
+                                  <p:childTnLst>
+                                    <p:set>
+                                      <p:cBhvr>
+                                        <p:cTn id="6" dur="1" fill="hold">
+                                          <p:stCondLst>
+                                            <p:cond delay="0"/>
+                                          </p:stCondLst>
+                                        </p:cTn>
+                                        <p:tgtEl>
+                                          <p:spTgt spid="3"/>
+                                        </p:tgtEl>
+                                        <p:attrNameLst>
+                                          <p:attrName>style.visibility</p:attrName>
+                                        </p:attrNameLst>
+                                      </p:cBhvr>
+                                      <p:to>
+                                        <p:strVal val="visible"/>
+                                      </p:to>
+                                    </p:set>
+                                    <p:animEffect transition="in" filter="fade">
+                                      <p:cBhvr>
+                                        <p:cTn id="7" dur="500"/>
+                                        <p:tgtEl>
+                                          <p:spTgt spid="3"/>
+                                        </p:tgtEl>
+                                      </p:cBhvr>
+                                    </p:animEffect>
+                                  </p:childTnLst>
+                                </p:cTn>
+                              </p:par>
+                            </p:childTnLst>
+                          </p:cTn>
+                        </p:par>
+                      </p:childTnLst>
+                    </p:cTn>
+                  </p:par>
+                  <p:par>
+                    <p:cTn id="8" fill="hold">
+                      <p:stCondLst>
+                        <p:cond delay="indefinite"/>
+                      </p:stCondLst>
+                      <p:childTnLst>
+                        <p:par>
+                          <p:cTn id="9" fill="hold">
+                            <p:stCondLst>
+                              <p:cond delay="0"/>
+                            </p:stCondLst>
+                            <p:childTnLst>
+                              <p:par>
+                                <p:cTn id="10" presetID="10" presetClass="entr" presetSubtype="0" fill="hold" grpId="0" nodeType="clickEffect">
+                                  <p:stCondLst>
+                                    <p:cond delay="0"/>
+                                  </p:stCondLst>
+                                  <p:childTnLst>
+                                    <p:set>
+                                      <p:cBhvr>
+                                        <p:cTn id="11" dur="1" fill="hold">
+                                          <p:stCondLst>
+                                            <p:cond delay="0"/>
+                                          </p:stCondLst>
+                                        </p:cTn>
+                                        <p:tgtEl>
+                                          <p:spTgt spid="4"/>
+                                        </p:tgtEl>
+                                        <p:attrNameLst>
+                                          <p:attrName>style.visibility</p:attrName>
+                                        </p:attrNameLst>
+                                      </p:cBhvr>
+                                      <p:to>
+                                        <p:strVal val="visible"/>
+                                      </p:to>
+                                    </p:set>
+                                    <p:animEffect transition="in" filter="fade">
+                                      <p:cBhvr>
+                                        <p:cTn id="12" dur="500"/>
+                                        <p:tgtEl>
+                                          <p:spTgt spid="4"/>
+                                        </p:tgtEl>
+                                      </p:cBhvr>
+                                    </p:animEffect>
+                                  </p:childTnLst>
+                                </p:cTn>
+                              </p:par>
+                            </p:childTnLst>
+                          </p:cTn>
+                        </p:par>
+                      </p:childTnLst>
+                    </p:cTn>
+                  </p:par>
+                  <p:par>
+                    <p:cTn id="13" fill="hold">
+                      <p:stCondLst>
+                        <p:cond delay="indefinite"/>
+                      </p:stCondLst>
+                      <p:childTnLst>
+                        <p:par>
+                          <p:cTn id="14" fill="hold">
+                            <p:stCondLst>
+                              <p:cond delay="0"/>
+                            </p:stCondLst>
+                            <p:childTnLst>
+                              <p:par>
+                                <p:cTn id="15" presetID="10" presetClass="entr" presetSubtype="0" fill="hold" grpId="0" nodeType="clickEffect">
+                                  <p:stCondLst>
+                                    <p:cond delay="0"/>
+                                  </p:stCondLst>
+                                  <p:childTnLst>
+                                    <p:set>
+                                      <p:cBhvr>
+                                        <p:cTn id="16" dur="1" fill="hold">
+                                          <p:stCondLst>
+                                            <p:cond delay="0"/>
+                                          </p:stCondLst>
+                                        </p:cTn>
+                                        <p:tgtEl>
+                                          <p:spTgt spid="5"/>
+                                        </p:tgtEl>
+                                        <p:attrNameLst>
+                                          <p:attrName>style.visibility</p:attrName>
+                                        </p:attrNameLst>
+                                      </p:cBhvr>
+                                      <p:to>
+                                        <p:strVal val="visible"/>
+                                      </p:to>
+                                    </p:set>
+                                    <p:animEffect transition="in" filter="fade">
+                                      <p:cBhvr>
+                                        <p:cTn id="17" dur="500"/>
+                                        <p:tgtEl>
+                                          <p:spTgt spid="5"/>
+                                        </p:tgtEl>
+                                      </p:cBhvr>
+                                    </p:animEffect>
+                                  </p:childTnLst>
+                                </p:cTn>
+                              </p:par>
+                            </p:childTnLst>
+                          </p:cTn>
+                        </p:par>
+                      </p:childTnLst>
+                    </p:cTn>
+                  </p:par>
+                  <p:par>
+                    <p:cTn id="18" fill="hold">
+                      <p:stCondLst>
+                        <p:cond delay="indefinite"/>
+                      </p:stCondLst>
+                      <p:childTnLst>
+                        <p:par>
+                          <p:cTn id="19" fill="hold">
+                            <p:stCondLst>
+                              <p:cond delay="0"/>
+                            </p:stCondLst>
+                            <p:childTnLst>
+                              <p:par>
+                                <p:cTn id="20" presetID="10" presetClass="entr" presetSubtype="0" fill="hold" grpId="0" nodeType="clickEffect">
+                                  <p:stCondLst>
+                                    <p:cond delay="0"/>
+                                  </p:stCondLst>
+                                  <p:childTnLst>
+                                    <p:set>
+                                      <p:cBhvr>
+                                        <p:cTn id="21" dur="1" fill="hold">
+                                          <p:stCondLst>
+                                            <p:cond delay="0"/>
+                                          </p:stCondLst>
+                                        </p:cTn>
+                                        <p:tgtEl>
+                                          <p:spTgt spid="6"/>
+                                        </p:tgtEl>
+                                        <p:attrNameLst>
+                                          <p:attrName>style.visibility</p:attrName>
+                                        </p:attrNameLst>
+                                      </p:cBhvr>
+                                      <p:to>
+                                        <p:strVal val="visible"/>
+                                      </p:to>
+                                    </p:set>
+                                    <p:animEffect transition="in" filter="fade">
+                                      <p:cBhvr>
+                                        <p:cTn id="22" dur="500"/>
+                                        <p:tgtEl>
+                                          <p:spTgt spid="6"/>
+                                        </p:tgtEl>
+                                      </p:cBhvr>
+                                    </p:animEffect>
+                                  </p:childTnLst>
+                                </p:cTn>
+                              </p:par>
+                            </p:childTnLst>
+                          </p:cTn>
+                        </p:par>
+                      </p:childTnLst>
+                    </p:cTn>
+                  </p:par>
+                </p:childTnLst>
+              </p:cTn>
+              <p:prevCondLst>
+                <p:cond evt="onPrev" delay="0">
+                  <p:tgtEl>
+                    <p:sldTgt/>
+                  </p:tgtEl>
+                </p:cond>
+              </p:prevCondLst>
+              <p:nextCondLst>
+                <p:cond evt="onNext" delay="0">
+                  <p:tgtEl>
+                    <p:sldTgt/>
+                  </p:tgtEl>
+                </p:cond>
+              </p:nextCondLst>
+            </p:seq>
+          </p:childTnLst>
+        </p:cTn>
+      </p:par>
+    </p:tnLst>
+    <p:bldLst>
+      <p:bldP spid="3" grpId="0"/>
+      <p:bldP spid="4" grpId="0" animBg="1"/>
+      <p:bldP spid="5" grpId="0"/>
+      <p:bldP spid="6" grpId="0" animBg="1"/>
+    </p:bldLst>
+  </p:timing>
+</p:sld>
+</file>
+
+<file path=ppt/slides/slide13.xml><?xml version="1.0" encoding="utf-8"?>
+<p:sld xmlns:a="http://schemas.openxmlformats.org/drawingml/2006/main" xmlns:r="http://schemas.openxmlformats.org/officeDocument/2006/relationships" xmlns:p="http://schemas.openxmlformats.org/presentationml/2006/main">
+  <p:cSld>
+    <p:spTree>
+      <p:nvGrpSpPr>
+        <p:cNvPr id="1" name=""/>
+        <p:cNvGrpSpPr/>
+        <p:nvPr/>
+      </p:nvGrpSpPr>
+      <p:grpSpPr>
+        <a:xfrm>
+          <a:off x="0" y="0"/>
+          <a:ext cx="0" cy="0"/>
+          <a:chOff x="0" y="0"/>
+          <a:chExt cx="0" cy="0"/>
+        </a:xfrm>
+      </p:grpSpPr>
+      <p:sp>
+        <p:nvSpPr>
+          <p:cNvPr id="2" name="Titolo 1"/>
+          <p:cNvSpPr txBox="1">
+            <a:spLocks/>
+          </p:cNvSpPr>
+          <p:nvPr/>
+        </p:nvSpPr>
+        <p:spPr>
+          <a:xfrm>
+            <a:off x="759278" y="556499"/>
+            <a:ext cx="7886700" cy="1028461"/>
+          </a:xfrm>
+          <a:prstGeom prst="rect">
+            <a:avLst/>
+          </a:prstGeom>
+        </p:spPr>
+        <p:txBody>
+          <a:bodyPr>
+            <a:normAutofit/>
+          </a:bodyPr>
+          <a:lstStyle>
+            <a:lvl1pPr algn="l" defTabSz="914400" rtl="0" eaLnBrk="1" latinLnBrk="0" hangingPunct="1">
+              <a:lnSpc>
+                <a:spcPct val="90000"/>
+              </a:lnSpc>
+              <a:spcBef>
+                <a:spcPct val="0"/>
+              </a:spcBef>
+              <a:buNone/>
+              <a:defRPr sz="4400" kern="1200">
+                <a:solidFill>
+                  <a:schemeClr val="tx1"/>
+                </a:solidFill>
+                <a:latin typeface="+mj-lt"/>
+                <a:ea typeface="+mj-ea"/>
+                <a:cs typeface="+mj-cs"/>
+              </a:defRPr>
+            </a:lvl1pPr>
+          </a:lstStyle>
+          <a:p>
+            <a:pPr algn="ctr"/>
+            <a:r>
+              <a:rPr lang="en-US" sz="4000" b="1" spc="-113" dirty="0" smtClean="0">
+                <a:effectLst>
+                  <a:outerShdw blurRad="38100" dist="38100" dir="2700000" algn="tl">
+                    <a:srgbClr val="000000">
+                      <a:alpha val="43137"/>
+                    </a:srgbClr>
+                  </a:outerShdw>
+                </a:effectLst>
+                <a:latin typeface="Georgia" panose="02040502050405020303" pitchFamily="18" charset="0"/>
+              </a:rPr>
+              <a:t>Alloy - Predicates</a:t>
+            </a:r>
+            <a:endParaRPr lang="en-US" sz="4000" b="1" spc="-113" dirty="0">
+              <a:effectLst>
+                <a:outerShdw blurRad="38100" dist="38100" dir="2700000" algn="tl">
+                  <a:srgbClr val="000000">
+                    <a:alpha val="43137"/>
+                  </a:srgbClr>
+                </a:outerShdw>
+              </a:effectLst>
+              <a:latin typeface="Georgia" panose="02040502050405020303" pitchFamily="18" charset="0"/>
+            </a:endParaRPr>
+          </a:p>
+        </p:txBody>
+      </p:sp>
+      <p:sp>
+        <p:nvSpPr>
+          <p:cNvPr id="3" name="CasellaDiTesto 2"/>
+          <p:cNvSpPr txBox="1"/>
+          <p:nvPr/>
+        </p:nvSpPr>
+        <p:spPr>
+          <a:xfrm>
+            <a:off x="759278" y="1261794"/>
+            <a:ext cx="7886700" cy="646331"/>
+          </a:xfrm>
+          <a:prstGeom prst="rect">
+            <a:avLst/>
+          </a:prstGeom>
+          <a:noFill/>
+        </p:spPr>
+        <p:txBody>
+          <a:bodyPr wrap="square" rtlCol="0">
+            <a:spAutoFit/>
+          </a:bodyPr>
+          <a:lstStyle/>
+          <a:p>
+            <a:r>
+              <a:rPr lang="en-US" dirty="0" smtClean="0">
+                <a:latin typeface="Georgia" panose="02040502050405020303" pitchFamily="18" charset="0"/>
+              </a:rPr>
+              <a:t>These are some of the predicates that we </a:t>
+            </a:r>
+            <a:r>
+              <a:rPr lang="en-US" dirty="0">
+                <a:latin typeface="Georgia" panose="02040502050405020303" pitchFamily="18" charset="0"/>
+              </a:rPr>
+              <a:t>have </a:t>
+            </a:r>
+            <a:r>
+              <a:rPr lang="en-US" dirty="0" smtClean="0">
+                <a:latin typeface="Georgia" panose="02040502050405020303" pitchFamily="18" charset="0"/>
+              </a:rPr>
+              <a:t>used </a:t>
+            </a:r>
+            <a:r>
+              <a:rPr lang="en-US" dirty="0">
+                <a:latin typeface="Georgia" panose="02040502050405020303" pitchFamily="18" charset="0"/>
+              </a:rPr>
+              <a:t>with some assertions and in the </a:t>
+            </a:r>
+            <a:r>
+              <a:rPr lang="en-US" i="1" dirty="0">
+                <a:latin typeface="Georgia" panose="02040502050405020303" pitchFamily="18" charset="0"/>
+              </a:rPr>
+              <a:t>show()</a:t>
+            </a:r>
+            <a:r>
+              <a:rPr lang="en-US" dirty="0">
+                <a:latin typeface="Georgia" panose="02040502050405020303" pitchFamily="18" charset="0"/>
+              </a:rPr>
+              <a:t> predicate in order to generate some specific </a:t>
+            </a:r>
+            <a:r>
+              <a:rPr lang="en-US" dirty="0" smtClean="0">
+                <a:latin typeface="Georgia" panose="02040502050405020303" pitchFamily="18" charset="0"/>
+              </a:rPr>
+              <a:t>worlds:</a:t>
+            </a:r>
+            <a:endParaRPr lang="it-IT" dirty="0">
+              <a:latin typeface="Georgia" panose="02040502050405020303" pitchFamily="18" charset="0"/>
+            </a:endParaRPr>
+          </a:p>
+        </p:txBody>
+      </p:sp>
+      <p:sp>
+        <p:nvSpPr>
+          <p:cNvPr id="4" name="CasellaDiTesto 3"/>
+          <p:cNvSpPr txBox="1"/>
+          <p:nvPr/>
+        </p:nvSpPr>
+        <p:spPr>
+          <a:xfrm>
+            <a:off x="759278" y="2012083"/>
+            <a:ext cx="8146870" cy="4291175"/>
+          </a:xfrm>
+          <a:prstGeom prst="rect">
+            <a:avLst/>
+          </a:prstGeom>
+          <a:noFill/>
+        </p:spPr>
+        <p:txBody>
+          <a:bodyPr wrap="square" numCol="1" rtlCol="0">
+            <a:spAutoFit/>
+          </a:bodyPr>
+          <a:lstStyle/>
+          <a:p>
+            <a:pPr>
+              <a:lnSpc>
+                <a:spcPct val="107000"/>
+              </a:lnSpc>
+              <a:spcAft>
+                <a:spcPts val="0"/>
+              </a:spcAft>
+            </a:pPr>
+            <a:r>
+              <a:rPr lang="en-US" sz="1500" dirty="0">
+                <a:solidFill>
+                  <a:srgbClr val="006600"/>
+                </a:solidFill>
+                <a:latin typeface="Lucida Console" panose="020B0609040504020204" pitchFamily="49" charset="0"/>
+                <a:ea typeface="Calibri" panose="020F0502020204030204" pitchFamily="34" charset="0"/>
+                <a:cs typeface="Times New Roman" panose="02020603050405020304" pitchFamily="18" charset="0"/>
+              </a:rPr>
+              <a:t>//Add an assigned ride</a:t>
+            </a:r>
+          </a:p>
+          <a:p>
+            <a:pPr>
+              <a:lnSpc>
+                <a:spcPct val="107000"/>
+              </a:lnSpc>
+              <a:spcAft>
+                <a:spcPts val="0"/>
+              </a:spcAft>
+            </a:pPr>
+            <a:r>
+              <a:rPr lang="en-US" sz="1500" b="1" dirty="0" err="1" smtClean="0">
+                <a:solidFill>
+                  <a:srgbClr val="1F00DA"/>
+                </a:solidFill>
+                <a:effectLst/>
+                <a:latin typeface="Lucida Console" panose="020B0609040504020204" pitchFamily="49" charset="0"/>
+                <a:ea typeface="Calibri" panose="020F0502020204030204" pitchFamily="34" charset="0"/>
+                <a:cs typeface="Times New Roman" panose="02020603050405020304" pitchFamily="18" charset="0"/>
+              </a:rPr>
+              <a:t>pred</a:t>
+            </a:r>
+            <a:r>
+              <a:rPr lang="en-US" sz="1500" dirty="0" smtClean="0">
+                <a:effectLst/>
+                <a:latin typeface="Lucida Console" panose="020B0609040504020204" pitchFamily="49" charset="0"/>
+                <a:ea typeface="Calibri" panose="020F0502020204030204" pitchFamily="34" charset="0"/>
+                <a:cs typeface="Times New Roman" panose="02020603050405020304" pitchFamily="18" charset="0"/>
+              </a:rPr>
+              <a:t> </a:t>
+            </a:r>
+            <a:r>
+              <a:rPr lang="en-US" sz="1500" dirty="0" err="1" smtClean="0">
+                <a:effectLst/>
+                <a:latin typeface="Lucida Console" panose="020B0609040504020204" pitchFamily="49" charset="0"/>
+                <a:ea typeface="Calibri" panose="020F0502020204030204" pitchFamily="34" charset="0"/>
+                <a:cs typeface="Times New Roman" panose="02020603050405020304" pitchFamily="18" charset="0"/>
+              </a:rPr>
+              <a:t>addAssignedRide</a:t>
+            </a:r>
+            <a:r>
+              <a:rPr lang="en-US" sz="1500" dirty="0" smtClean="0">
+                <a:effectLst/>
+                <a:latin typeface="Lucida Console" panose="020B0609040504020204" pitchFamily="49" charset="0"/>
+                <a:ea typeface="Calibri" panose="020F0502020204030204" pitchFamily="34" charset="0"/>
+                <a:cs typeface="Times New Roman" panose="02020603050405020304" pitchFamily="18" charset="0"/>
+              </a:rPr>
+              <a:t>(s1,s2:System){</a:t>
+            </a:r>
+            <a:endParaRPr lang="it-IT" sz="1500" dirty="0" smtClean="0">
+              <a:effectLst/>
+              <a:latin typeface="Lucida Console" panose="020B0609040504020204" pitchFamily="49" charset="0"/>
+              <a:ea typeface="Calibri" panose="020F0502020204030204" pitchFamily="34" charset="0"/>
+              <a:cs typeface="Times New Roman" panose="02020603050405020304" pitchFamily="18" charset="0"/>
+            </a:endParaRPr>
+          </a:p>
+          <a:p>
+            <a:pPr>
+              <a:lnSpc>
+                <a:spcPct val="107000"/>
+              </a:lnSpc>
+              <a:spcAft>
+                <a:spcPts val="0"/>
+              </a:spcAft>
+            </a:pPr>
+            <a:r>
+              <a:rPr lang="en-US" sz="1500" dirty="0" smtClean="0">
+                <a:effectLst/>
+                <a:latin typeface="Lucida Console" panose="020B0609040504020204" pitchFamily="49" charset="0"/>
+                <a:ea typeface="Calibri" panose="020F0502020204030204" pitchFamily="34" charset="0"/>
+                <a:cs typeface="Times New Roman" panose="02020603050405020304" pitchFamily="18" charset="0"/>
+              </a:rPr>
+              <a:t>  </a:t>
+            </a:r>
+            <a:r>
+              <a:rPr lang="en-US" sz="1500" b="1" dirty="0" smtClean="0">
+                <a:solidFill>
+                  <a:srgbClr val="1F00DA"/>
+                </a:solidFill>
+                <a:effectLst/>
+                <a:latin typeface="Lucida Console" panose="020B0609040504020204" pitchFamily="49" charset="0"/>
+                <a:ea typeface="Calibri" panose="020F0502020204030204" pitchFamily="34" charset="0"/>
+                <a:cs typeface="Times New Roman" panose="02020603050405020304" pitchFamily="18" charset="0"/>
+              </a:rPr>
+              <a:t>one</a:t>
+            </a:r>
+            <a:r>
+              <a:rPr lang="en-US" sz="1500" dirty="0" smtClean="0">
+                <a:effectLst/>
+                <a:latin typeface="Lucida Console" panose="020B0609040504020204" pitchFamily="49" charset="0"/>
+                <a:ea typeface="Calibri" panose="020F0502020204030204" pitchFamily="34" charset="0"/>
+                <a:cs typeface="Times New Roman" panose="02020603050405020304" pitchFamily="18" charset="0"/>
+              </a:rPr>
+              <a:t> r1:TaxiRide | r1.rideStatus = Assigned  </a:t>
+            </a:r>
+            <a:r>
+              <a:rPr lang="en-US" sz="1500" b="1" dirty="0" smtClean="0">
+                <a:solidFill>
+                  <a:srgbClr val="1F00DA"/>
+                </a:solidFill>
+                <a:effectLst/>
+                <a:latin typeface="Lucida Console" panose="020B0609040504020204" pitchFamily="49" charset="0"/>
+                <a:ea typeface="Calibri" panose="020F0502020204030204" pitchFamily="34" charset="0"/>
+                <a:cs typeface="Times New Roman" panose="02020603050405020304" pitchFamily="18" charset="0"/>
+              </a:rPr>
+              <a:t>and</a:t>
+            </a:r>
+            <a:r>
+              <a:rPr lang="en-US" sz="1500" dirty="0" smtClean="0">
+                <a:effectLst/>
+                <a:latin typeface="Lucida Console" panose="020B0609040504020204" pitchFamily="49" charset="0"/>
+                <a:ea typeface="Calibri" panose="020F0502020204030204" pitchFamily="34" charset="0"/>
+                <a:cs typeface="Times New Roman" panose="02020603050405020304" pitchFamily="18" charset="0"/>
+              </a:rPr>
+              <a:t> 							s2.taxiRide=s1.taxiRide + r1</a:t>
+            </a:r>
+            <a:endParaRPr lang="it-IT" sz="1500" dirty="0" smtClean="0">
+              <a:effectLst/>
+              <a:latin typeface="Lucida Console" panose="020B0609040504020204" pitchFamily="49" charset="0"/>
+              <a:ea typeface="Calibri" panose="020F0502020204030204" pitchFamily="34" charset="0"/>
+              <a:cs typeface="Times New Roman" panose="02020603050405020304" pitchFamily="18" charset="0"/>
+            </a:endParaRPr>
+          </a:p>
+          <a:p>
+            <a:pPr>
+              <a:lnSpc>
+                <a:spcPct val="107000"/>
+              </a:lnSpc>
+              <a:spcAft>
+                <a:spcPts val="0"/>
+              </a:spcAft>
+            </a:pPr>
+            <a:r>
+              <a:rPr lang="en-US" sz="1500" dirty="0" smtClean="0">
+                <a:effectLst/>
+                <a:latin typeface="Lucida Console" panose="020B0609040504020204" pitchFamily="49" charset="0"/>
+                <a:ea typeface="Calibri" panose="020F0502020204030204" pitchFamily="34" charset="0"/>
+                <a:cs typeface="Times New Roman" panose="02020603050405020304" pitchFamily="18" charset="0"/>
+              </a:rPr>
+              <a:t>}</a:t>
+            </a:r>
+            <a:endParaRPr lang="it-IT" sz="1500" dirty="0" smtClean="0">
+              <a:effectLst/>
+              <a:latin typeface="Lucida Console" panose="020B0609040504020204" pitchFamily="49" charset="0"/>
+              <a:ea typeface="Calibri" panose="020F0502020204030204" pitchFamily="34" charset="0"/>
+              <a:cs typeface="Times New Roman" panose="02020603050405020304" pitchFamily="18" charset="0"/>
+            </a:endParaRPr>
+          </a:p>
+          <a:p>
+            <a:pPr>
+              <a:lnSpc>
+                <a:spcPct val="107000"/>
+              </a:lnSpc>
+              <a:spcAft>
+                <a:spcPts val="0"/>
+              </a:spcAft>
+            </a:pPr>
+            <a:r>
+              <a:rPr lang="en-US" sz="1500" dirty="0" smtClean="0">
+                <a:effectLst/>
+                <a:latin typeface="Lucida Console" panose="020B0609040504020204" pitchFamily="49" charset="0"/>
+                <a:ea typeface="Calibri" panose="020F0502020204030204" pitchFamily="34" charset="0"/>
+                <a:cs typeface="Times New Roman" panose="02020603050405020304" pitchFamily="18" charset="0"/>
+              </a:rPr>
+              <a:t> </a:t>
+            </a:r>
+            <a:endParaRPr lang="it-IT" sz="1500" dirty="0" smtClean="0">
+              <a:effectLst/>
+              <a:latin typeface="Lucida Console" panose="020B0609040504020204" pitchFamily="49" charset="0"/>
+              <a:ea typeface="Calibri" panose="020F0502020204030204" pitchFamily="34" charset="0"/>
+              <a:cs typeface="Times New Roman" panose="02020603050405020304" pitchFamily="18" charset="0"/>
+            </a:endParaRPr>
+          </a:p>
+          <a:p>
+            <a:pPr>
+              <a:lnSpc>
+                <a:spcPct val="107000"/>
+              </a:lnSpc>
+              <a:spcAft>
+                <a:spcPts val="0"/>
+              </a:spcAft>
+            </a:pPr>
+            <a:r>
+              <a:rPr lang="en-US" sz="1500" dirty="0">
+                <a:solidFill>
+                  <a:srgbClr val="006600"/>
+                </a:solidFill>
+                <a:latin typeface="Lucida Console" panose="020B0609040504020204" pitchFamily="49" charset="0"/>
+                <a:ea typeface="Calibri" panose="020F0502020204030204" pitchFamily="34" charset="0"/>
+                <a:cs typeface="Times New Roman" panose="02020603050405020304" pitchFamily="18" charset="0"/>
+              </a:rPr>
+              <a:t>//Add an annulled ride</a:t>
+            </a:r>
+            <a:endParaRPr lang="it-IT" sz="1500" dirty="0">
+              <a:solidFill>
+                <a:srgbClr val="006600"/>
+              </a:solidFill>
+              <a:latin typeface="Lucida Console" panose="020B0609040504020204" pitchFamily="49" charset="0"/>
+              <a:ea typeface="Calibri" panose="020F0502020204030204" pitchFamily="34" charset="0"/>
+              <a:cs typeface="Times New Roman" panose="02020603050405020304" pitchFamily="18" charset="0"/>
+            </a:endParaRPr>
+          </a:p>
+          <a:p>
+            <a:pPr>
+              <a:lnSpc>
+                <a:spcPct val="107000"/>
+              </a:lnSpc>
+              <a:spcAft>
+                <a:spcPts val="0"/>
+              </a:spcAft>
+            </a:pPr>
+            <a:r>
+              <a:rPr lang="en-US" sz="1500" b="1" dirty="0" err="1" smtClean="0">
+                <a:solidFill>
+                  <a:srgbClr val="1F00DA"/>
+                </a:solidFill>
+                <a:effectLst/>
+                <a:latin typeface="Lucida Console" panose="020B0609040504020204" pitchFamily="49" charset="0"/>
+                <a:ea typeface="Calibri" panose="020F0502020204030204" pitchFamily="34" charset="0"/>
+                <a:cs typeface="Times New Roman" panose="02020603050405020304" pitchFamily="18" charset="0"/>
+              </a:rPr>
+              <a:t>pred</a:t>
+            </a:r>
+            <a:r>
+              <a:rPr lang="en-US" sz="1500" dirty="0" smtClean="0">
+                <a:effectLst/>
+                <a:latin typeface="Lucida Console" panose="020B0609040504020204" pitchFamily="49" charset="0"/>
+                <a:ea typeface="Calibri" panose="020F0502020204030204" pitchFamily="34" charset="0"/>
+                <a:cs typeface="Times New Roman" panose="02020603050405020304" pitchFamily="18" charset="0"/>
+              </a:rPr>
+              <a:t> </a:t>
+            </a:r>
+            <a:r>
+              <a:rPr lang="en-US" sz="1500" dirty="0" err="1" smtClean="0">
+                <a:effectLst/>
+                <a:latin typeface="Lucida Console" panose="020B0609040504020204" pitchFamily="49" charset="0"/>
+                <a:ea typeface="Calibri" panose="020F0502020204030204" pitchFamily="34" charset="0"/>
+                <a:cs typeface="Times New Roman" panose="02020603050405020304" pitchFamily="18" charset="0"/>
+              </a:rPr>
+              <a:t>addAnnulledRide</a:t>
+            </a:r>
+            <a:r>
+              <a:rPr lang="en-US" sz="1500" dirty="0" smtClean="0">
+                <a:effectLst/>
+                <a:latin typeface="Lucida Console" panose="020B0609040504020204" pitchFamily="49" charset="0"/>
+                <a:ea typeface="Calibri" panose="020F0502020204030204" pitchFamily="34" charset="0"/>
+                <a:cs typeface="Times New Roman" panose="02020603050405020304" pitchFamily="18" charset="0"/>
+              </a:rPr>
+              <a:t>(s1,s2:System){</a:t>
+            </a:r>
+            <a:endParaRPr lang="it-IT" sz="1500" dirty="0" smtClean="0">
+              <a:effectLst/>
+              <a:latin typeface="Lucida Console" panose="020B0609040504020204" pitchFamily="49" charset="0"/>
+              <a:ea typeface="Calibri" panose="020F0502020204030204" pitchFamily="34" charset="0"/>
+              <a:cs typeface="Times New Roman" panose="02020603050405020304" pitchFamily="18" charset="0"/>
+            </a:endParaRPr>
+          </a:p>
+          <a:p>
+            <a:pPr>
+              <a:lnSpc>
+                <a:spcPct val="107000"/>
+              </a:lnSpc>
+              <a:spcAft>
+                <a:spcPts val="0"/>
+              </a:spcAft>
+            </a:pPr>
+            <a:r>
+              <a:rPr lang="en-US" sz="1500" dirty="0" smtClean="0">
+                <a:effectLst/>
+                <a:latin typeface="Lucida Console" panose="020B0609040504020204" pitchFamily="49" charset="0"/>
+                <a:ea typeface="Calibri" panose="020F0502020204030204" pitchFamily="34" charset="0"/>
+                <a:cs typeface="Times New Roman" panose="02020603050405020304" pitchFamily="18" charset="0"/>
+              </a:rPr>
+              <a:t>  </a:t>
+            </a:r>
+            <a:r>
+              <a:rPr lang="en-US" sz="1500" b="1" dirty="0" smtClean="0">
+                <a:solidFill>
+                  <a:srgbClr val="1F00DA"/>
+                </a:solidFill>
+                <a:effectLst/>
+                <a:latin typeface="Lucida Console" panose="020B0609040504020204" pitchFamily="49" charset="0"/>
+                <a:ea typeface="Calibri" panose="020F0502020204030204" pitchFamily="34" charset="0"/>
+                <a:cs typeface="Times New Roman" panose="02020603050405020304" pitchFamily="18" charset="0"/>
+              </a:rPr>
+              <a:t>one</a:t>
+            </a:r>
+            <a:r>
+              <a:rPr lang="en-US" sz="1500" dirty="0" smtClean="0">
+                <a:effectLst/>
+                <a:latin typeface="Lucida Console" panose="020B0609040504020204" pitchFamily="49" charset="0"/>
+                <a:ea typeface="Calibri" panose="020F0502020204030204" pitchFamily="34" charset="0"/>
+                <a:cs typeface="Times New Roman" panose="02020603050405020304" pitchFamily="18" charset="0"/>
+              </a:rPr>
+              <a:t> r1:TaxiRide | r1.rideStatus = Annulled  </a:t>
+            </a:r>
+            <a:r>
+              <a:rPr lang="en-US" sz="1500" b="1" dirty="0" smtClean="0">
+                <a:solidFill>
+                  <a:srgbClr val="1F00DA"/>
+                </a:solidFill>
+                <a:effectLst/>
+                <a:latin typeface="Lucida Console" panose="020B0609040504020204" pitchFamily="49" charset="0"/>
+                <a:ea typeface="Calibri" panose="020F0502020204030204" pitchFamily="34" charset="0"/>
+                <a:cs typeface="Times New Roman" panose="02020603050405020304" pitchFamily="18" charset="0"/>
+              </a:rPr>
+              <a:t>and</a:t>
+            </a:r>
+            <a:r>
+              <a:rPr lang="en-US" sz="1500" dirty="0" smtClean="0">
+                <a:effectLst/>
+                <a:latin typeface="Lucida Console" panose="020B0609040504020204" pitchFamily="49" charset="0"/>
+                <a:ea typeface="Calibri" panose="020F0502020204030204" pitchFamily="34" charset="0"/>
+                <a:cs typeface="Times New Roman" panose="02020603050405020304" pitchFamily="18" charset="0"/>
+              </a:rPr>
+              <a:t> 							s2.taxiRide=s1.taxiRide + r1</a:t>
+            </a:r>
+            <a:endParaRPr lang="it-IT" sz="1500" dirty="0" smtClean="0">
+              <a:effectLst/>
+              <a:latin typeface="Lucida Console" panose="020B0609040504020204" pitchFamily="49" charset="0"/>
+              <a:ea typeface="Calibri" panose="020F0502020204030204" pitchFamily="34" charset="0"/>
+              <a:cs typeface="Times New Roman" panose="02020603050405020304" pitchFamily="18" charset="0"/>
+            </a:endParaRPr>
+          </a:p>
+          <a:p>
+            <a:pPr>
+              <a:lnSpc>
+                <a:spcPct val="107000"/>
+              </a:lnSpc>
+              <a:spcAft>
+                <a:spcPts val="0"/>
+              </a:spcAft>
+            </a:pPr>
+            <a:r>
+              <a:rPr lang="en-US" sz="1500" dirty="0" smtClean="0">
+                <a:effectLst/>
+                <a:latin typeface="Lucida Console" panose="020B0609040504020204" pitchFamily="49" charset="0"/>
+                <a:ea typeface="Calibri" panose="020F0502020204030204" pitchFamily="34" charset="0"/>
+                <a:cs typeface="Times New Roman" panose="02020603050405020304" pitchFamily="18" charset="0"/>
+              </a:rPr>
+              <a:t>}</a:t>
+            </a:r>
+            <a:endParaRPr lang="it-IT" sz="1500" dirty="0" smtClean="0">
+              <a:effectLst/>
+              <a:latin typeface="Lucida Console" panose="020B0609040504020204" pitchFamily="49" charset="0"/>
+              <a:ea typeface="Calibri" panose="020F0502020204030204" pitchFamily="34" charset="0"/>
+              <a:cs typeface="Times New Roman" panose="02020603050405020304" pitchFamily="18" charset="0"/>
+            </a:endParaRPr>
+          </a:p>
+          <a:p>
+            <a:pPr>
+              <a:lnSpc>
+                <a:spcPct val="107000"/>
+              </a:lnSpc>
+              <a:spcAft>
+                <a:spcPts val="0"/>
+              </a:spcAft>
+            </a:pPr>
+            <a:r>
+              <a:rPr lang="en-US" sz="1500" dirty="0" smtClean="0">
+                <a:effectLst/>
+                <a:latin typeface="Lucida Console" panose="020B0609040504020204" pitchFamily="49" charset="0"/>
+                <a:ea typeface="Calibri" panose="020F0502020204030204" pitchFamily="34" charset="0"/>
+                <a:cs typeface="Times New Roman" panose="02020603050405020304" pitchFamily="18" charset="0"/>
+              </a:rPr>
+              <a:t> </a:t>
+            </a:r>
+            <a:endParaRPr lang="it-IT" sz="1500" dirty="0" smtClean="0">
+              <a:effectLst/>
+              <a:latin typeface="Lucida Console" panose="020B0609040504020204" pitchFamily="49" charset="0"/>
+              <a:ea typeface="Calibri" panose="020F0502020204030204" pitchFamily="34" charset="0"/>
+              <a:cs typeface="Times New Roman" panose="02020603050405020304" pitchFamily="18" charset="0"/>
+            </a:endParaRPr>
+          </a:p>
+          <a:p>
+            <a:pPr>
+              <a:lnSpc>
+                <a:spcPct val="107000"/>
+              </a:lnSpc>
+              <a:spcAft>
+                <a:spcPts val="0"/>
+              </a:spcAft>
+            </a:pPr>
+            <a:r>
+              <a:rPr lang="en-US" sz="1500" dirty="0">
+                <a:solidFill>
+                  <a:srgbClr val="006600"/>
+                </a:solidFill>
+                <a:latin typeface="Lucida Console" panose="020B0609040504020204" pitchFamily="49" charset="0"/>
+                <a:ea typeface="Calibri" panose="020F0502020204030204" pitchFamily="34" charset="0"/>
+                <a:cs typeface="Times New Roman" panose="02020603050405020304" pitchFamily="18" charset="0"/>
+              </a:rPr>
+              <a:t>//Add a completed ride</a:t>
+            </a:r>
+            <a:endParaRPr lang="it-IT" sz="1500" dirty="0">
+              <a:solidFill>
+                <a:srgbClr val="006600"/>
+              </a:solidFill>
+              <a:latin typeface="Lucida Console" panose="020B0609040504020204" pitchFamily="49" charset="0"/>
+              <a:ea typeface="Calibri" panose="020F0502020204030204" pitchFamily="34" charset="0"/>
+              <a:cs typeface="Times New Roman" panose="02020603050405020304" pitchFamily="18" charset="0"/>
+            </a:endParaRPr>
+          </a:p>
+          <a:p>
+            <a:pPr>
+              <a:lnSpc>
+                <a:spcPct val="107000"/>
+              </a:lnSpc>
+              <a:spcAft>
+                <a:spcPts val="0"/>
+              </a:spcAft>
+            </a:pPr>
+            <a:r>
+              <a:rPr lang="en-US" sz="1500" b="1" dirty="0" err="1" smtClean="0">
+                <a:solidFill>
+                  <a:srgbClr val="1F00DA"/>
+                </a:solidFill>
+                <a:effectLst/>
+                <a:latin typeface="Lucida Console" panose="020B0609040504020204" pitchFamily="49" charset="0"/>
+                <a:ea typeface="Calibri" panose="020F0502020204030204" pitchFamily="34" charset="0"/>
+                <a:cs typeface="Times New Roman" panose="02020603050405020304" pitchFamily="18" charset="0"/>
+              </a:rPr>
+              <a:t>pred</a:t>
+            </a:r>
+            <a:r>
+              <a:rPr lang="en-US" sz="1500" dirty="0" smtClean="0">
+                <a:effectLst/>
+                <a:latin typeface="Lucida Console" panose="020B0609040504020204" pitchFamily="49" charset="0"/>
+                <a:ea typeface="Calibri" panose="020F0502020204030204" pitchFamily="34" charset="0"/>
+                <a:cs typeface="Times New Roman" panose="02020603050405020304" pitchFamily="18" charset="0"/>
+              </a:rPr>
+              <a:t> </a:t>
+            </a:r>
+            <a:r>
+              <a:rPr lang="en-US" sz="1500" dirty="0" err="1" smtClean="0">
+                <a:effectLst/>
+                <a:latin typeface="Lucida Console" panose="020B0609040504020204" pitchFamily="49" charset="0"/>
+                <a:ea typeface="Calibri" panose="020F0502020204030204" pitchFamily="34" charset="0"/>
+                <a:cs typeface="Times New Roman" panose="02020603050405020304" pitchFamily="18" charset="0"/>
+              </a:rPr>
+              <a:t>addCompletedRide</a:t>
+            </a:r>
+            <a:r>
+              <a:rPr lang="en-US" sz="1500" dirty="0" smtClean="0">
+                <a:effectLst/>
+                <a:latin typeface="Lucida Console" panose="020B0609040504020204" pitchFamily="49" charset="0"/>
+                <a:ea typeface="Calibri" panose="020F0502020204030204" pitchFamily="34" charset="0"/>
+                <a:cs typeface="Times New Roman" panose="02020603050405020304" pitchFamily="18" charset="0"/>
+              </a:rPr>
+              <a:t>(s1,s2:System){</a:t>
+            </a:r>
+            <a:endParaRPr lang="it-IT" sz="1500" dirty="0" smtClean="0">
+              <a:effectLst/>
+              <a:latin typeface="Lucida Console" panose="020B0609040504020204" pitchFamily="49" charset="0"/>
+              <a:ea typeface="Calibri" panose="020F0502020204030204" pitchFamily="34" charset="0"/>
+              <a:cs typeface="Times New Roman" panose="02020603050405020304" pitchFamily="18" charset="0"/>
+            </a:endParaRPr>
+          </a:p>
+          <a:p>
+            <a:pPr>
+              <a:lnSpc>
+                <a:spcPct val="107000"/>
+              </a:lnSpc>
+              <a:spcAft>
+                <a:spcPts val="0"/>
+              </a:spcAft>
+            </a:pPr>
+            <a:r>
+              <a:rPr lang="en-US" sz="1500" dirty="0" smtClean="0">
+                <a:effectLst/>
+                <a:latin typeface="Lucida Console" panose="020B0609040504020204" pitchFamily="49" charset="0"/>
+                <a:ea typeface="Calibri" panose="020F0502020204030204" pitchFamily="34" charset="0"/>
+                <a:cs typeface="Times New Roman" panose="02020603050405020304" pitchFamily="18" charset="0"/>
+              </a:rPr>
+              <a:t>   </a:t>
+            </a:r>
+            <a:r>
+              <a:rPr lang="en-US" sz="1500" b="1" dirty="0" smtClean="0">
+                <a:solidFill>
+                  <a:srgbClr val="1F00DA"/>
+                </a:solidFill>
+                <a:effectLst/>
+                <a:latin typeface="Lucida Console" panose="020B0609040504020204" pitchFamily="49" charset="0"/>
+                <a:ea typeface="Calibri" panose="020F0502020204030204" pitchFamily="34" charset="0"/>
+                <a:cs typeface="Times New Roman" panose="02020603050405020304" pitchFamily="18" charset="0"/>
+              </a:rPr>
+              <a:t>one</a:t>
+            </a:r>
+            <a:r>
+              <a:rPr lang="en-US" sz="1500" dirty="0" smtClean="0">
+                <a:effectLst/>
+                <a:latin typeface="Lucida Console" panose="020B0609040504020204" pitchFamily="49" charset="0"/>
+                <a:ea typeface="Calibri" panose="020F0502020204030204" pitchFamily="34" charset="0"/>
+                <a:cs typeface="Times New Roman" panose="02020603050405020304" pitchFamily="18" charset="0"/>
+              </a:rPr>
+              <a:t> r1:TaxiRide | r1.rideStatus = Completed  </a:t>
+            </a:r>
+            <a:r>
+              <a:rPr lang="en-US" sz="1500" b="1" dirty="0" smtClean="0">
+                <a:solidFill>
+                  <a:srgbClr val="1F00DA"/>
+                </a:solidFill>
+                <a:effectLst/>
+                <a:latin typeface="Lucida Console" panose="020B0609040504020204" pitchFamily="49" charset="0"/>
+                <a:ea typeface="Calibri" panose="020F0502020204030204" pitchFamily="34" charset="0"/>
+                <a:cs typeface="Times New Roman" panose="02020603050405020304" pitchFamily="18" charset="0"/>
+              </a:rPr>
+              <a:t>and</a:t>
+            </a:r>
+            <a:r>
+              <a:rPr lang="en-US" sz="1500" dirty="0" smtClean="0">
+                <a:effectLst/>
+                <a:latin typeface="Lucida Console" panose="020B0609040504020204" pitchFamily="49" charset="0"/>
+                <a:ea typeface="Calibri" panose="020F0502020204030204" pitchFamily="34" charset="0"/>
+                <a:cs typeface="Times New Roman" panose="02020603050405020304" pitchFamily="18" charset="0"/>
+              </a:rPr>
+              <a:t> 							s2.taxiRide=s1.taxiRide + r1</a:t>
+            </a:r>
+            <a:endParaRPr lang="it-IT" sz="1500" dirty="0" smtClean="0">
+              <a:effectLst/>
+              <a:latin typeface="Lucida Console" panose="020B0609040504020204" pitchFamily="49" charset="0"/>
+              <a:ea typeface="Calibri" panose="020F0502020204030204" pitchFamily="34" charset="0"/>
+              <a:cs typeface="Times New Roman" panose="02020603050405020304" pitchFamily="18" charset="0"/>
+            </a:endParaRPr>
+          </a:p>
+          <a:p>
+            <a:pPr>
+              <a:lnSpc>
+                <a:spcPct val="107000"/>
+              </a:lnSpc>
+              <a:spcAft>
+                <a:spcPts val="0"/>
+              </a:spcAft>
+            </a:pPr>
+            <a:r>
+              <a:rPr lang="en-US" sz="1500" dirty="0" smtClean="0">
+                <a:effectLst/>
+                <a:latin typeface="Lucida Console" panose="020B0609040504020204" pitchFamily="49" charset="0"/>
+                <a:ea typeface="Calibri" panose="020F0502020204030204" pitchFamily="34" charset="0"/>
+                <a:cs typeface="Times New Roman" panose="02020603050405020304" pitchFamily="18" charset="0"/>
+              </a:rPr>
+              <a:t>}</a:t>
+            </a:r>
+            <a:endParaRPr lang="it-IT" sz="1500" dirty="0" smtClean="0">
+              <a:effectLst/>
+              <a:latin typeface="Lucida Console" panose="020B0609040504020204" pitchFamily="49" charset="0"/>
+              <a:ea typeface="Calibri" panose="020F0502020204030204" pitchFamily="34" charset="0"/>
+              <a:cs typeface="Times New Roman" panose="02020603050405020304" pitchFamily="18" charset="0"/>
+            </a:endParaRPr>
+          </a:p>
+        </p:txBody>
+      </p:sp>
+    </p:spTree>
+    <p:extLst>
+      <p:ext uri="{BB962C8B-B14F-4D97-AF65-F5344CB8AC3E}">
+        <p14:creationId xmlns:p14="http://schemas.microsoft.com/office/powerpoint/2010/main" val="1259473330"/>
+      </p:ext>
+    </p:extLst>
+  </p:cSld>
+  <p:clrMapOvr>
+    <a:masterClrMapping/>
+  </p:clrMapOvr>
+  <p:timing>
+    <p:tnLst>
+      <p:par>
+        <p:cTn id="1" dur="indefinite" restart="never" nodeType="tmRoot">
+          <p:childTnLst>
+            <p:seq concurrent="1" nextAc="seek">
+              <p:cTn id="2" dur="indefinite" nodeType="mainSeq">
+                <p:childTnLst>
+                  <p:par>
+                    <p:cTn id="3" fill="hold">
+                      <p:stCondLst>
+                        <p:cond delay="indefinite"/>
+                      </p:stCondLst>
+                      <p:childTnLst>
+                        <p:par>
+                          <p:cTn id="4" fill="hold">
+                            <p:stCondLst>
+                              <p:cond delay="0"/>
+                            </p:stCondLst>
+                            <p:childTnLst>
+                              <p:par>
+                                <p:cTn id="5" presetID="10" presetClass="entr" presetSubtype="0" fill="hold" grpId="0" nodeType="clickEffect">
+                                  <p:stCondLst>
+                                    <p:cond delay="0"/>
+                                  </p:stCondLst>
+                                  <p:childTnLst>
+                                    <p:set>
+                                      <p:cBhvr>
+                                        <p:cTn id="6" dur="1" fill="hold">
+                                          <p:stCondLst>
+                                            <p:cond delay="0"/>
+                                          </p:stCondLst>
+                                        </p:cTn>
+                                        <p:tgtEl>
+                                          <p:spTgt spid="3"/>
+                                        </p:tgtEl>
+                                        <p:attrNameLst>
+                                          <p:attrName>style.visibility</p:attrName>
+                                        </p:attrNameLst>
+                                      </p:cBhvr>
+                                      <p:to>
+                                        <p:strVal val="visible"/>
+                                      </p:to>
+                                    </p:set>
+                                    <p:animEffect transition="in" filter="fade">
+                                      <p:cBhvr>
+                                        <p:cTn id="7" dur="500"/>
+                                        <p:tgtEl>
+                                          <p:spTgt spid="3"/>
+                                        </p:tgtEl>
+                                      </p:cBhvr>
+                                    </p:animEffect>
+                                  </p:childTnLst>
+                                </p:cTn>
+                              </p:par>
+                            </p:childTnLst>
+                          </p:cTn>
+                        </p:par>
+                      </p:childTnLst>
+                    </p:cTn>
+                  </p:par>
+                  <p:par>
+                    <p:cTn id="8" fill="hold">
+                      <p:stCondLst>
+                        <p:cond delay="indefinite"/>
+                      </p:stCondLst>
+                      <p:childTnLst>
+                        <p:par>
+                          <p:cTn id="9" fill="hold">
+                            <p:stCondLst>
+                              <p:cond delay="0"/>
+                            </p:stCondLst>
+                            <p:childTnLst>
+                              <p:par>
+                                <p:cTn id="10" presetID="10" presetClass="entr" presetSubtype="0" fill="hold" grpId="0" nodeType="clickEffect">
+                                  <p:stCondLst>
+                                    <p:cond delay="0"/>
+                                  </p:stCondLst>
+                                  <p:childTnLst>
+                                    <p:set>
+                                      <p:cBhvr>
+                                        <p:cTn id="11" dur="1" fill="hold">
+                                          <p:stCondLst>
+                                            <p:cond delay="0"/>
+                                          </p:stCondLst>
+                                        </p:cTn>
+                                        <p:tgtEl>
+                                          <p:spTgt spid="4"/>
+                                        </p:tgtEl>
+                                        <p:attrNameLst>
+                                          <p:attrName>style.visibility</p:attrName>
+                                        </p:attrNameLst>
+                                      </p:cBhvr>
+                                      <p:to>
+                                        <p:strVal val="visible"/>
+                                      </p:to>
+                                    </p:set>
+                                    <p:animEffect transition="in" filter="fade">
+                                      <p:cBhvr>
+                                        <p:cTn id="12" dur="500"/>
+                                        <p:tgtEl>
+                                          <p:spTgt spid="4"/>
+                                        </p:tgtEl>
+                                      </p:cBhvr>
+                                    </p:animEffect>
+                                  </p:childTnLst>
+                                </p:cTn>
+                              </p:par>
+                            </p:childTnLst>
+                          </p:cTn>
+                        </p:par>
+                      </p:childTnLst>
+                    </p:cTn>
+                  </p:par>
+                </p:childTnLst>
+              </p:cTn>
+              <p:prevCondLst>
+                <p:cond evt="onPrev" delay="0">
+                  <p:tgtEl>
+                    <p:sldTgt/>
+                  </p:tgtEl>
+                </p:cond>
+              </p:prevCondLst>
+              <p:nextCondLst>
+                <p:cond evt="onNext" delay="0">
+                  <p:tgtEl>
+                    <p:sldTgt/>
+                  </p:tgtEl>
+                </p:cond>
+              </p:nextCondLst>
+            </p:seq>
+          </p:childTnLst>
+        </p:cTn>
+      </p:par>
+    </p:tnLst>
+    <p:bldLst>
+      <p:bldP spid="3" grpId="0"/>
+      <p:bldP spid="4" grpId="0"/>
+    </p:bldLst>
+  </p:timing>
+</p:sld>
+</file>
+
+<file path=ppt/slides/slide14.xml><?xml version="1.0" encoding="utf-8"?>
+<p:sld xmlns:a="http://schemas.openxmlformats.org/drawingml/2006/main" xmlns:r="http://schemas.openxmlformats.org/officeDocument/2006/relationships" xmlns:p="http://schemas.openxmlformats.org/presentationml/2006/main">
+  <p:cSld>
+    <p:spTree>
+      <p:nvGrpSpPr>
+        <p:cNvPr id="1" name=""/>
+        <p:cNvGrpSpPr/>
+        <p:nvPr/>
+      </p:nvGrpSpPr>
+      <p:grpSpPr>
+        <a:xfrm>
+          <a:off x="0" y="0"/>
+          <a:ext cx="0" cy="0"/>
+          <a:chOff x="0" y="0"/>
+          <a:chExt cx="0" cy="0"/>
+        </a:xfrm>
+      </p:grpSpPr>
+      <p:sp>
+        <p:nvSpPr>
+          <p:cNvPr id="2" name="Titolo 1"/>
+          <p:cNvSpPr txBox="1">
+            <a:spLocks/>
+          </p:cNvSpPr>
+          <p:nvPr/>
+        </p:nvSpPr>
+        <p:spPr>
+          <a:xfrm>
+            <a:off x="759278" y="556499"/>
+            <a:ext cx="7886700" cy="1028461"/>
+          </a:xfrm>
+          <a:prstGeom prst="rect">
+            <a:avLst/>
+          </a:prstGeom>
+        </p:spPr>
+        <p:txBody>
+          <a:bodyPr>
+            <a:normAutofit/>
+          </a:bodyPr>
+          <a:lstStyle>
+            <a:lvl1pPr algn="l" defTabSz="914400" rtl="0" eaLnBrk="1" latinLnBrk="0" hangingPunct="1">
+              <a:lnSpc>
+                <a:spcPct val="90000"/>
+              </a:lnSpc>
+              <a:spcBef>
+                <a:spcPct val="0"/>
+              </a:spcBef>
+              <a:buNone/>
+              <a:defRPr sz="4400" kern="1200">
+                <a:solidFill>
+                  <a:schemeClr val="tx1"/>
+                </a:solidFill>
+                <a:latin typeface="+mj-lt"/>
+                <a:ea typeface="+mj-ea"/>
+                <a:cs typeface="+mj-cs"/>
+              </a:defRPr>
+            </a:lvl1pPr>
+          </a:lstStyle>
+          <a:p>
+            <a:pPr algn="ctr"/>
+            <a:r>
+              <a:rPr lang="en-US" sz="4000" b="1" spc="-113" dirty="0" smtClean="0">
+                <a:effectLst>
+                  <a:outerShdw blurRad="38100" dist="38100" dir="2700000" algn="tl">
+                    <a:srgbClr val="000000">
+                      <a:alpha val="43137"/>
+                    </a:srgbClr>
+                  </a:outerShdw>
+                </a:effectLst>
+                <a:latin typeface="Georgia" panose="02040502050405020303" pitchFamily="18" charset="0"/>
+              </a:rPr>
+              <a:t>Alloy - Predicates</a:t>
+            </a:r>
+            <a:endParaRPr lang="en-US" sz="4000" b="1" spc="-113" dirty="0">
+              <a:effectLst>
+                <a:outerShdw blurRad="38100" dist="38100" dir="2700000" algn="tl">
+                  <a:srgbClr val="000000">
+                    <a:alpha val="43137"/>
+                  </a:srgbClr>
+                </a:outerShdw>
+              </a:effectLst>
+              <a:latin typeface="Georgia" panose="02040502050405020303" pitchFamily="18" charset="0"/>
+            </a:endParaRPr>
+          </a:p>
+        </p:txBody>
+      </p:sp>
+      <p:sp>
+        <p:nvSpPr>
+          <p:cNvPr id="3" name="CasellaDiTesto 2"/>
+          <p:cNvSpPr txBox="1"/>
+          <p:nvPr/>
+        </p:nvSpPr>
+        <p:spPr>
+          <a:xfrm>
+            <a:off x="759278" y="1322163"/>
+            <a:ext cx="7641772" cy="5279137"/>
+          </a:xfrm>
+          <a:prstGeom prst="rect">
+            <a:avLst/>
+          </a:prstGeom>
+          <a:noFill/>
+        </p:spPr>
+        <p:txBody>
+          <a:bodyPr wrap="square" numCol="1" rtlCol="0">
+            <a:spAutoFit/>
+          </a:bodyPr>
+          <a:lstStyle/>
+          <a:p>
+            <a:pPr>
+              <a:lnSpc>
+                <a:spcPct val="107000"/>
+              </a:lnSpc>
+              <a:spcAft>
+                <a:spcPts val="0"/>
+              </a:spcAft>
+            </a:pPr>
+            <a:r>
+              <a:rPr lang="en-US" sz="1500" dirty="0">
+                <a:solidFill>
+                  <a:srgbClr val="006600"/>
+                </a:solidFill>
+                <a:latin typeface="Lucida Console" panose="020B0609040504020204" pitchFamily="49" charset="0"/>
+                <a:ea typeface="Calibri" panose="020F0502020204030204" pitchFamily="34" charset="0"/>
+                <a:cs typeface="Times New Roman" panose="02020603050405020304" pitchFamily="18" charset="0"/>
+              </a:rPr>
+              <a:t>//Add 2 customers</a:t>
+            </a:r>
+            <a:endParaRPr lang="it-IT" sz="1500" dirty="0">
+              <a:solidFill>
+                <a:srgbClr val="006600"/>
+              </a:solidFill>
+              <a:latin typeface="Lucida Console" panose="020B0609040504020204" pitchFamily="49" charset="0"/>
+              <a:ea typeface="Calibri" panose="020F0502020204030204" pitchFamily="34" charset="0"/>
+              <a:cs typeface="Times New Roman" panose="02020603050405020304" pitchFamily="18" charset="0"/>
+            </a:endParaRPr>
+          </a:p>
+          <a:p>
+            <a:pPr>
+              <a:lnSpc>
+                <a:spcPct val="107000"/>
+              </a:lnSpc>
+              <a:spcAft>
+                <a:spcPts val="0"/>
+              </a:spcAft>
+            </a:pPr>
+            <a:r>
+              <a:rPr lang="en-US" sz="1500" b="1" dirty="0" err="1" smtClean="0">
+                <a:solidFill>
+                  <a:srgbClr val="1F00DA"/>
+                </a:solidFill>
+                <a:effectLst/>
+                <a:latin typeface="Lucida Console" panose="020B0609040504020204" pitchFamily="49" charset="0"/>
+                <a:ea typeface="Calibri" panose="020F0502020204030204" pitchFamily="34" charset="0"/>
+                <a:cs typeface="Times New Roman" panose="02020603050405020304" pitchFamily="18" charset="0"/>
+              </a:rPr>
+              <a:t>pred</a:t>
+            </a:r>
+            <a:r>
+              <a:rPr lang="en-US" sz="1500" dirty="0" smtClean="0">
+                <a:effectLst/>
+                <a:latin typeface="Lucida Console" panose="020B0609040504020204" pitchFamily="49" charset="0"/>
+                <a:ea typeface="Calibri" panose="020F0502020204030204" pitchFamily="34" charset="0"/>
+                <a:cs typeface="Times New Roman" panose="02020603050405020304" pitchFamily="18" charset="0"/>
+              </a:rPr>
+              <a:t> add2Customer(s1,s2:System,c1,c2:Customer){</a:t>
+            </a:r>
+            <a:endParaRPr lang="it-IT" sz="1500" dirty="0" smtClean="0">
+              <a:effectLst/>
+              <a:latin typeface="Lucida Console" panose="020B0609040504020204" pitchFamily="49" charset="0"/>
+              <a:ea typeface="Calibri" panose="020F0502020204030204" pitchFamily="34" charset="0"/>
+              <a:cs typeface="Times New Roman" panose="02020603050405020304" pitchFamily="18" charset="0"/>
+            </a:endParaRPr>
+          </a:p>
+          <a:p>
+            <a:pPr>
+              <a:lnSpc>
+                <a:spcPct val="107000"/>
+              </a:lnSpc>
+              <a:spcAft>
+                <a:spcPts val="0"/>
+              </a:spcAft>
+            </a:pPr>
+            <a:r>
+              <a:rPr lang="en-US" sz="1500" dirty="0" smtClean="0">
+                <a:effectLst/>
+                <a:latin typeface="Lucida Console" panose="020B0609040504020204" pitchFamily="49" charset="0"/>
+                <a:ea typeface="Calibri" panose="020F0502020204030204" pitchFamily="34" charset="0"/>
+                <a:cs typeface="Times New Roman" panose="02020603050405020304" pitchFamily="18" charset="0"/>
+              </a:rPr>
+              <a:t>  s2.users=s1.users + c1+c2</a:t>
+            </a:r>
+            <a:endParaRPr lang="it-IT" sz="1500" dirty="0" smtClean="0">
+              <a:effectLst/>
+              <a:latin typeface="Lucida Console" panose="020B0609040504020204" pitchFamily="49" charset="0"/>
+              <a:ea typeface="Calibri" panose="020F0502020204030204" pitchFamily="34" charset="0"/>
+              <a:cs typeface="Times New Roman" panose="02020603050405020304" pitchFamily="18" charset="0"/>
+            </a:endParaRPr>
+          </a:p>
+          <a:p>
+            <a:pPr>
+              <a:lnSpc>
+                <a:spcPct val="107000"/>
+              </a:lnSpc>
+              <a:spcAft>
+                <a:spcPts val="0"/>
+              </a:spcAft>
+            </a:pPr>
+            <a:r>
+              <a:rPr lang="en-US" sz="1500" dirty="0" smtClean="0">
+                <a:effectLst/>
+                <a:latin typeface="Lucida Console" panose="020B0609040504020204" pitchFamily="49" charset="0"/>
+                <a:ea typeface="Calibri" panose="020F0502020204030204" pitchFamily="34" charset="0"/>
+                <a:cs typeface="Times New Roman" panose="02020603050405020304" pitchFamily="18" charset="0"/>
+              </a:rPr>
+              <a:t>}</a:t>
+            </a:r>
+          </a:p>
+          <a:p>
+            <a:pPr>
+              <a:lnSpc>
+                <a:spcPct val="107000"/>
+              </a:lnSpc>
+              <a:spcAft>
+                <a:spcPts val="0"/>
+              </a:spcAft>
+            </a:pPr>
+            <a:endParaRPr lang="it-IT" sz="1500" dirty="0" smtClean="0">
+              <a:effectLst/>
+              <a:latin typeface="Lucida Console" panose="020B0609040504020204" pitchFamily="49" charset="0"/>
+              <a:ea typeface="Calibri" panose="020F0502020204030204" pitchFamily="34" charset="0"/>
+              <a:cs typeface="Times New Roman" panose="02020603050405020304" pitchFamily="18" charset="0"/>
+            </a:endParaRPr>
+          </a:p>
+          <a:p>
+            <a:pPr>
+              <a:lnSpc>
+                <a:spcPct val="107000"/>
+              </a:lnSpc>
+              <a:spcAft>
+                <a:spcPts val="0"/>
+              </a:spcAft>
+            </a:pPr>
+            <a:r>
+              <a:rPr lang="en-US" sz="1500" dirty="0">
+                <a:solidFill>
+                  <a:srgbClr val="006600"/>
+                </a:solidFill>
+                <a:latin typeface="Lucida Console" panose="020B0609040504020204" pitchFamily="49" charset="0"/>
+                <a:ea typeface="Calibri" panose="020F0502020204030204" pitchFamily="34" charset="0"/>
+                <a:cs typeface="Times New Roman" panose="02020603050405020304" pitchFamily="18" charset="0"/>
+              </a:rPr>
+              <a:t>//Add 2 reservations</a:t>
+            </a:r>
+            <a:endParaRPr lang="it-IT" sz="1500" dirty="0">
+              <a:solidFill>
+                <a:srgbClr val="006600"/>
+              </a:solidFill>
+              <a:latin typeface="Lucida Console" panose="020B0609040504020204" pitchFamily="49" charset="0"/>
+              <a:ea typeface="Calibri" panose="020F0502020204030204" pitchFamily="34" charset="0"/>
+              <a:cs typeface="Times New Roman" panose="02020603050405020304" pitchFamily="18" charset="0"/>
+            </a:endParaRPr>
+          </a:p>
+          <a:p>
+            <a:pPr>
+              <a:lnSpc>
+                <a:spcPct val="107000"/>
+              </a:lnSpc>
+              <a:spcAft>
+                <a:spcPts val="0"/>
+              </a:spcAft>
+            </a:pPr>
+            <a:r>
+              <a:rPr lang="en-US" sz="1500" b="1" dirty="0" err="1" smtClean="0">
+                <a:solidFill>
+                  <a:srgbClr val="1F00DA"/>
+                </a:solidFill>
+                <a:effectLst/>
+                <a:latin typeface="Lucida Console" panose="020B0609040504020204" pitchFamily="49" charset="0"/>
+                <a:ea typeface="Calibri" panose="020F0502020204030204" pitchFamily="34" charset="0"/>
+                <a:cs typeface="Times New Roman" panose="02020603050405020304" pitchFamily="18" charset="0"/>
+              </a:rPr>
+              <a:t>pred</a:t>
+            </a:r>
+            <a:r>
+              <a:rPr lang="en-US" sz="1500" dirty="0" smtClean="0">
+                <a:effectLst/>
+                <a:latin typeface="Lucida Console" panose="020B0609040504020204" pitchFamily="49" charset="0"/>
+                <a:ea typeface="Calibri" panose="020F0502020204030204" pitchFamily="34" charset="0"/>
+                <a:cs typeface="Times New Roman" panose="02020603050405020304" pitchFamily="18" charset="0"/>
+              </a:rPr>
+              <a:t> add2Reservation(s1,s2:System, 							res1,res2:Reservation){</a:t>
+            </a:r>
+            <a:endParaRPr lang="it-IT" sz="1500" dirty="0" smtClean="0">
+              <a:effectLst/>
+              <a:latin typeface="Lucida Console" panose="020B0609040504020204" pitchFamily="49" charset="0"/>
+              <a:ea typeface="Calibri" panose="020F0502020204030204" pitchFamily="34" charset="0"/>
+              <a:cs typeface="Times New Roman" panose="02020603050405020304" pitchFamily="18" charset="0"/>
+            </a:endParaRPr>
+          </a:p>
+          <a:p>
+            <a:pPr>
+              <a:lnSpc>
+                <a:spcPct val="107000"/>
+              </a:lnSpc>
+              <a:spcAft>
+                <a:spcPts val="0"/>
+              </a:spcAft>
+            </a:pPr>
+            <a:r>
+              <a:rPr lang="en-US" sz="1500" dirty="0" smtClean="0">
+                <a:effectLst/>
+                <a:latin typeface="Lucida Console" panose="020B0609040504020204" pitchFamily="49" charset="0"/>
+                <a:ea typeface="Calibri" panose="020F0502020204030204" pitchFamily="34" charset="0"/>
+                <a:cs typeface="Times New Roman" panose="02020603050405020304" pitchFamily="18" charset="0"/>
+              </a:rPr>
+              <a:t>  s2.taxiRide=s1.taxiRide + res1 + res2 </a:t>
+            </a:r>
+            <a:endParaRPr lang="it-IT" sz="1500" dirty="0" smtClean="0">
+              <a:effectLst/>
+              <a:latin typeface="Lucida Console" panose="020B0609040504020204" pitchFamily="49" charset="0"/>
+              <a:ea typeface="Calibri" panose="020F0502020204030204" pitchFamily="34" charset="0"/>
+              <a:cs typeface="Times New Roman" panose="02020603050405020304" pitchFamily="18" charset="0"/>
+            </a:endParaRPr>
+          </a:p>
+          <a:p>
+            <a:pPr>
+              <a:lnSpc>
+                <a:spcPct val="107000"/>
+              </a:lnSpc>
+              <a:spcAft>
+                <a:spcPts val="0"/>
+              </a:spcAft>
+            </a:pPr>
+            <a:r>
+              <a:rPr lang="en-US" sz="1500" dirty="0" smtClean="0">
+                <a:effectLst/>
+                <a:latin typeface="Lucida Console" panose="020B0609040504020204" pitchFamily="49" charset="0"/>
+                <a:ea typeface="Calibri" panose="020F0502020204030204" pitchFamily="34" charset="0"/>
+                <a:cs typeface="Times New Roman" panose="02020603050405020304" pitchFamily="18" charset="0"/>
+              </a:rPr>
+              <a:t>}</a:t>
+            </a:r>
+            <a:endParaRPr lang="it-IT" sz="1500" dirty="0" smtClean="0">
+              <a:effectLst/>
+              <a:latin typeface="Lucida Console" panose="020B0609040504020204" pitchFamily="49" charset="0"/>
+              <a:ea typeface="Calibri" panose="020F0502020204030204" pitchFamily="34" charset="0"/>
+              <a:cs typeface="Times New Roman" panose="02020603050405020304" pitchFamily="18" charset="0"/>
+            </a:endParaRPr>
+          </a:p>
+          <a:p>
+            <a:pPr>
+              <a:lnSpc>
+                <a:spcPct val="107000"/>
+              </a:lnSpc>
+              <a:spcAft>
+                <a:spcPts val="0"/>
+              </a:spcAft>
+            </a:pPr>
+            <a:r>
+              <a:rPr lang="en-US" sz="1500" dirty="0" smtClean="0">
+                <a:effectLst/>
+                <a:latin typeface="Lucida Console" panose="020B0609040504020204" pitchFamily="49" charset="0"/>
+                <a:ea typeface="Calibri" panose="020F0502020204030204" pitchFamily="34" charset="0"/>
+                <a:cs typeface="Times New Roman" panose="02020603050405020304" pitchFamily="18" charset="0"/>
+              </a:rPr>
+              <a:t> </a:t>
+            </a:r>
+            <a:endParaRPr lang="it-IT" sz="1500" dirty="0" smtClean="0">
+              <a:effectLst/>
+              <a:latin typeface="Lucida Console" panose="020B0609040504020204" pitchFamily="49" charset="0"/>
+              <a:ea typeface="Calibri" panose="020F0502020204030204" pitchFamily="34" charset="0"/>
+              <a:cs typeface="Times New Roman" panose="02020603050405020304" pitchFamily="18" charset="0"/>
+            </a:endParaRPr>
+          </a:p>
+          <a:p>
+            <a:pPr>
+              <a:lnSpc>
+                <a:spcPct val="107000"/>
+              </a:lnSpc>
+              <a:spcAft>
+                <a:spcPts val="0"/>
+              </a:spcAft>
+            </a:pPr>
+            <a:r>
+              <a:rPr lang="en-US" sz="1500" dirty="0">
+                <a:solidFill>
+                  <a:srgbClr val="006600"/>
+                </a:solidFill>
+                <a:latin typeface="Lucida Console" panose="020B0609040504020204" pitchFamily="49" charset="0"/>
+                <a:ea typeface="Calibri" panose="020F0502020204030204" pitchFamily="34" charset="0"/>
+                <a:cs typeface="Times New Roman" panose="02020603050405020304" pitchFamily="18" charset="0"/>
+              </a:rPr>
+              <a:t>//Add 2 requests</a:t>
+            </a:r>
+            <a:endParaRPr lang="it-IT" sz="1500" dirty="0">
+              <a:solidFill>
+                <a:srgbClr val="006600"/>
+              </a:solidFill>
+              <a:latin typeface="Lucida Console" panose="020B0609040504020204" pitchFamily="49" charset="0"/>
+              <a:ea typeface="Calibri" panose="020F0502020204030204" pitchFamily="34" charset="0"/>
+              <a:cs typeface="Times New Roman" panose="02020603050405020304" pitchFamily="18" charset="0"/>
+            </a:endParaRPr>
+          </a:p>
+          <a:p>
+            <a:pPr>
+              <a:lnSpc>
+                <a:spcPct val="107000"/>
+              </a:lnSpc>
+              <a:spcAft>
+                <a:spcPts val="0"/>
+              </a:spcAft>
+            </a:pPr>
+            <a:r>
+              <a:rPr lang="en-US" sz="1500" b="1" dirty="0" err="1" smtClean="0">
+                <a:solidFill>
+                  <a:srgbClr val="1F00DA"/>
+                </a:solidFill>
+                <a:effectLst/>
+                <a:latin typeface="Lucida Console" panose="020B0609040504020204" pitchFamily="49" charset="0"/>
+                <a:ea typeface="Calibri" panose="020F0502020204030204" pitchFamily="34" charset="0"/>
+                <a:cs typeface="Times New Roman" panose="02020603050405020304" pitchFamily="18" charset="0"/>
+              </a:rPr>
+              <a:t>pred</a:t>
+            </a:r>
+            <a:r>
+              <a:rPr lang="en-US" sz="1500" dirty="0" smtClean="0">
+                <a:effectLst/>
+                <a:latin typeface="Lucida Console" panose="020B0609040504020204" pitchFamily="49" charset="0"/>
+                <a:ea typeface="Calibri" panose="020F0502020204030204" pitchFamily="34" charset="0"/>
+                <a:cs typeface="Times New Roman" panose="02020603050405020304" pitchFamily="18" charset="0"/>
+              </a:rPr>
+              <a:t> add2Request(s1,s2:System, req1,req2:Request){</a:t>
+            </a:r>
+            <a:endParaRPr lang="it-IT" sz="1500" dirty="0" smtClean="0">
+              <a:effectLst/>
+              <a:latin typeface="Lucida Console" panose="020B0609040504020204" pitchFamily="49" charset="0"/>
+              <a:ea typeface="Calibri" panose="020F0502020204030204" pitchFamily="34" charset="0"/>
+              <a:cs typeface="Times New Roman" panose="02020603050405020304" pitchFamily="18" charset="0"/>
+            </a:endParaRPr>
+          </a:p>
+          <a:p>
+            <a:pPr>
+              <a:lnSpc>
+                <a:spcPct val="107000"/>
+              </a:lnSpc>
+              <a:spcAft>
+                <a:spcPts val="0"/>
+              </a:spcAft>
+            </a:pPr>
+            <a:r>
+              <a:rPr lang="en-US" sz="1500" dirty="0" smtClean="0">
+                <a:effectLst/>
+                <a:latin typeface="Lucida Console" panose="020B0609040504020204" pitchFamily="49" charset="0"/>
+                <a:ea typeface="Calibri" panose="020F0502020204030204" pitchFamily="34" charset="0"/>
+                <a:cs typeface="Times New Roman" panose="02020603050405020304" pitchFamily="18" charset="0"/>
+              </a:rPr>
+              <a:t>  s2.taxiRide=s1.taxiRide + req1 + req2 </a:t>
+            </a:r>
+            <a:endParaRPr lang="it-IT" sz="1500" dirty="0" smtClean="0">
+              <a:effectLst/>
+              <a:latin typeface="Lucida Console" panose="020B0609040504020204" pitchFamily="49" charset="0"/>
+              <a:ea typeface="Calibri" panose="020F0502020204030204" pitchFamily="34" charset="0"/>
+              <a:cs typeface="Times New Roman" panose="02020603050405020304" pitchFamily="18" charset="0"/>
+            </a:endParaRPr>
+          </a:p>
+          <a:p>
+            <a:pPr>
+              <a:lnSpc>
+                <a:spcPct val="107000"/>
+              </a:lnSpc>
+              <a:spcAft>
+                <a:spcPts val="0"/>
+              </a:spcAft>
+            </a:pPr>
+            <a:r>
+              <a:rPr lang="en-US" sz="1500" dirty="0" smtClean="0">
+                <a:effectLst/>
+                <a:latin typeface="Lucida Console" panose="020B0609040504020204" pitchFamily="49" charset="0"/>
+                <a:ea typeface="Calibri" panose="020F0502020204030204" pitchFamily="34" charset="0"/>
+                <a:cs typeface="Times New Roman" panose="02020603050405020304" pitchFamily="18" charset="0"/>
+              </a:rPr>
+              <a:t>}</a:t>
+            </a:r>
+            <a:endParaRPr lang="it-IT" sz="1500" dirty="0" smtClean="0">
+              <a:effectLst/>
+              <a:latin typeface="Lucida Console" panose="020B0609040504020204" pitchFamily="49" charset="0"/>
+              <a:ea typeface="Calibri" panose="020F0502020204030204" pitchFamily="34" charset="0"/>
+              <a:cs typeface="Times New Roman" panose="02020603050405020304" pitchFamily="18" charset="0"/>
+            </a:endParaRPr>
+          </a:p>
+          <a:p>
+            <a:pPr>
+              <a:lnSpc>
+                <a:spcPct val="107000"/>
+              </a:lnSpc>
+              <a:spcAft>
+                <a:spcPts val="0"/>
+              </a:spcAft>
+            </a:pPr>
+            <a:r>
+              <a:rPr lang="en-US" sz="1500" dirty="0" smtClean="0">
+                <a:effectLst/>
+                <a:latin typeface="Lucida Console" panose="020B0609040504020204" pitchFamily="49" charset="0"/>
+                <a:ea typeface="Calibri" panose="020F0502020204030204" pitchFamily="34" charset="0"/>
+                <a:cs typeface="Times New Roman" panose="02020603050405020304" pitchFamily="18" charset="0"/>
+              </a:rPr>
+              <a:t> </a:t>
+            </a:r>
+            <a:endParaRPr lang="it-IT" sz="1500" dirty="0">
+              <a:solidFill>
+                <a:srgbClr val="006600"/>
+              </a:solidFill>
+              <a:latin typeface="Lucida Console" panose="020B0609040504020204" pitchFamily="49" charset="0"/>
+              <a:ea typeface="Calibri" panose="020F0502020204030204" pitchFamily="34" charset="0"/>
+              <a:cs typeface="Times New Roman" panose="02020603050405020304" pitchFamily="18" charset="0"/>
+            </a:endParaRPr>
+          </a:p>
+          <a:p>
+            <a:pPr>
+              <a:lnSpc>
+                <a:spcPct val="107000"/>
+              </a:lnSpc>
+              <a:spcAft>
+                <a:spcPts val="0"/>
+              </a:spcAft>
+            </a:pPr>
+            <a:r>
+              <a:rPr lang="en-US" sz="1500" dirty="0">
+                <a:solidFill>
+                  <a:srgbClr val="006600"/>
+                </a:solidFill>
+                <a:latin typeface="Lucida Console" panose="020B0609040504020204" pitchFamily="49" charset="0"/>
+                <a:ea typeface="Calibri" panose="020F0502020204030204" pitchFamily="34" charset="0"/>
+                <a:cs typeface="Times New Roman" panose="02020603050405020304" pitchFamily="18" charset="0"/>
+              </a:rPr>
+              <a:t>//Add 1 busy and 1 available taxi driver</a:t>
+            </a:r>
+            <a:endParaRPr lang="it-IT" sz="1500" dirty="0">
+              <a:solidFill>
+                <a:srgbClr val="006600"/>
+              </a:solidFill>
+              <a:latin typeface="Lucida Console" panose="020B0609040504020204" pitchFamily="49" charset="0"/>
+              <a:ea typeface="Calibri" panose="020F0502020204030204" pitchFamily="34" charset="0"/>
+              <a:cs typeface="Times New Roman" panose="02020603050405020304" pitchFamily="18" charset="0"/>
+            </a:endParaRPr>
+          </a:p>
+          <a:p>
+            <a:pPr>
+              <a:lnSpc>
+                <a:spcPct val="107000"/>
+              </a:lnSpc>
+              <a:spcAft>
+                <a:spcPts val="0"/>
+              </a:spcAft>
+            </a:pPr>
+            <a:r>
+              <a:rPr lang="en-US" sz="1500" b="1" dirty="0" err="1" smtClean="0">
+                <a:solidFill>
+                  <a:srgbClr val="1F00DA"/>
+                </a:solidFill>
+                <a:effectLst/>
+                <a:latin typeface="Lucida Console" panose="020B0609040504020204" pitchFamily="49" charset="0"/>
+                <a:ea typeface="Calibri" panose="020F0502020204030204" pitchFamily="34" charset="0"/>
+                <a:cs typeface="Times New Roman" panose="02020603050405020304" pitchFamily="18" charset="0"/>
+              </a:rPr>
+              <a:t>pred</a:t>
+            </a:r>
+            <a:r>
+              <a:rPr lang="en-US" sz="1500" dirty="0" smtClean="0">
+                <a:effectLst/>
+                <a:latin typeface="Lucida Console" panose="020B0609040504020204" pitchFamily="49" charset="0"/>
+                <a:ea typeface="Calibri" panose="020F0502020204030204" pitchFamily="34" charset="0"/>
+                <a:cs typeface="Times New Roman" panose="02020603050405020304" pitchFamily="18" charset="0"/>
+              </a:rPr>
+              <a:t> atleast1busy1available{</a:t>
+            </a:r>
+            <a:endParaRPr lang="it-IT" sz="1500" dirty="0" smtClean="0">
+              <a:effectLst/>
+              <a:latin typeface="Lucida Console" panose="020B0609040504020204" pitchFamily="49" charset="0"/>
+              <a:ea typeface="Calibri" panose="020F0502020204030204" pitchFamily="34" charset="0"/>
+              <a:cs typeface="Times New Roman" panose="02020603050405020304" pitchFamily="18" charset="0"/>
+            </a:endParaRPr>
+          </a:p>
+          <a:p>
+            <a:pPr>
+              <a:lnSpc>
+                <a:spcPct val="107000"/>
+              </a:lnSpc>
+              <a:spcAft>
+                <a:spcPts val="0"/>
+              </a:spcAft>
+            </a:pPr>
+            <a:r>
+              <a:rPr lang="en-US" sz="1500" dirty="0" smtClean="0">
+                <a:effectLst/>
+                <a:latin typeface="Lucida Console" panose="020B0609040504020204" pitchFamily="49" charset="0"/>
+                <a:ea typeface="Calibri" panose="020F0502020204030204" pitchFamily="34" charset="0"/>
+                <a:cs typeface="Times New Roman" panose="02020603050405020304" pitchFamily="18" charset="0"/>
+              </a:rPr>
+              <a:t>    some d:TaxiDriver | </a:t>
+            </a:r>
+            <a:r>
+              <a:rPr lang="en-US" sz="1500" dirty="0" err="1" smtClean="0">
+                <a:effectLst/>
+                <a:latin typeface="Lucida Console" panose="020B0609040504020204" pitchFamily="49" charset="0"/>
+                <a:ea typeface="Calibri" panose="020F0502020204030204" pitchFamily="34" charset="0"/>
+                <a:cs typeface="Times New Roman" panose="02020603050405020304" pitchFamily="18" charset="0"/>
+              </a:rPr>
+              <a:t>d.status</a:t>
+            </a:r>
+            <a:r>
+              <a:rPr lang="en-US" sz="1500" dirty="0" smtClean="0">
+                <a:effectLst/>
+                <a:latin typeface="Lucida Console" panose="020B0609040504020204" pitchFamily="49" charset="0"/>
+                <a:ea typeface="Calibri" panose="020F0502020204030204" pitchFamily="34" charset="0"/>
+                <a:cs typeface="Times New Roman" panose="02020603050405020304" pitchFamily="18" charset="0"/>
+              </a:rPr>
+              <a:t> = Busy</a:t>
+            </a:r>
+            <a:endParaRPr lang="it-IT" sz="1500" dirty="0" smtClean="0">
+              <a:effectLst/>
+              <a:latin typeface="Lucida Console" panose="020B0609040504020204" pitchFamily="49" charset="0"/>
+              <a:ea typeface="Calibri" panose="020F0502020204030204" pitchFamily="34" charset="0"/>
+              <a:cs typeface="Times New Roman" panose="02020603050405020304" pitchFamily="18" charset="0"/>
+            </a:endParaRPr>
+          </a:p>
+          <a:p>
+            <a:pPr>
+              <a:lnSpc>
+                <a:spcPct val="107000"/>
+              </a:lnSpc>
+              <a:spcAft>
+                <a:spcPts val="0"/>
+              </a:spcAft>
+            </a:pPr>
+            <a:r>
+              <a:rPr lang="en-US" sz="1500" dirty="0" smtClean="0">
+                <a:effectLst/>
+                <a:latin typeface="Lucida Console" panose="020B0609040504020204" pitchFamily="49" charset="0"/>
+                <a:ea typeface="Calibri" panose="020F0502020204030204" pitchFamily="34" charset="0"/>
+                <a:cs typeface="Times New Roman" panose="02020603050405020304" pitchFamily="18" charset="0"/>
+              </a:rPr>
+              <a:t>    some d:TaxiDriver | </a:t>
+            </a:r>
+            <a:r>
+              <a:rPr lang="en-US" sz="1500" dirty="0" err="1" smtClean="0">
+                <a:effectLst/>
+                <a:latin typeface="Lucida Console" panose="020B0609040504020204" pitchFamily="49" charset="0"/>
+                <a:ea typeface="Calibri" panose="020F0502020204030204" pitchFamily="34" charset="0"/>
+                <a:cs typeface="Times New Roman" panose="02020603050405020304" pitchFamily="18" charset="0"/>
+              </a:rPr>
+              <a:t>d.status</a:t>
+            </a:r>
+            <a:r>
+              <a:rPr lang="en-US" sz="1500" dirty="0" smtClean="0">
+                <a:effectLst/>
+                <a:latin typeface="Lucida Console" panose="020B0609040504020204" pitchFamily="49" charset="0"/>
+                <a:ea typeface="Calibri" panose="020F0502020204030204" pitchFamily="34" charset="0"/>
+                <a:cs typeface="Times New Roman" panose="02020603050405020304" pitchFamily="18" charset="0"/>
+              </a:rPr>
+              <a:t> = Available</a:t>
+            </a:r>
+            <a:endParaRPr lang="it-IT" sz="1500" dirty="0" smtClean="0">
+              <a:effectLst/>
+              <a:latin typeface="Lucida Console" panose="020B0609040504020204" pitchFamily="49" charset="0"/>
+              <a:ea typeface="Calibri" panose="020F0502020204030204" pitchFamily="34" charset="0"/>
+              <a:cs typeface="Times New Roman" panose="02020603050405020304" pitchFamily="18" charset="0"/>
+            </a:endParaRPr>
+          </a:p>
+          <a:p>
+            <a:pPr>
+              <a:lnSpc>
+                <a:spcPct val="107000"/>
+              </a:lnSpc>
+              <a:spcAft>
+                <a:spcPts val="0"/>
+              </a:spcAft>
+            </a:pPr>
+            <a:r>
+              <a:rPr lang="en-US" sz="1500" dirty="0" smtClean="0">
+                <a:effectLst/>
+                <a:latin typeface="Lucida Console" panose="020B0609040504020204" pitchFamily="49" charset="0"/>
+                <a:ea typeface="Calibri" panose="020F0502020204030204" pitchFamily="34" charset="0"/>
+                <a:cs typeface="Times New Roman" panose="02020603050405020304" pitchFamily="18" charset="0"/>
+              </a:rPr>
+              <a:t>}</a:t>
+            </a:r>
+            <a:endParaRPr lang="it-IT" sz="1500" dirty="0" smtClean="0">
+              <a:effectLst/>
+              <a:latin typeface="Lucida Console" panose="020B0609040504020204" pitchFamily="49" charset="0"/>
+              <a:ea typeface="Calibri" panose="020F0502020204030204" pitchFamily="34" charset="0"/>
+              <a:cs typeface="Times New Roman" panose="02020603050405020304" pitchFamily="18" charset="0"/>
+            </a:endParaRPr>
+          </a:p>
+        </p:txBody>
+      </p:sp>
+    </p:spTree>
+    <p:extLst>
+      <p:ext uri="{BB962C8B-B14F-4D97-AF65-F5344CB8AC3E}">
+        <p14:creationId xmlns:p14="http://schemas.microsoft.com/office/powerpoint/2010/main" val="60006002"/>
+      </p:ext>
+    </p:extLst>
+  </p:cSld>
+  <p:clrMapOvr>
+    <a:masterClrMapping/>
+  </p:clrMapOvr>
+  <p:timing>
+    <p:tnLst>
+      <p:par>
+        <p:cTn id="1" dur="indefinite" restart="never" nodeType="tmRoot">
+          <p:childTnLst>
+            <p:seq concurrent="1" nextAc="seek">
+              <p:cTn id="2" dur="indefinite" nodeType="mainSeq">
+                <p:childTnLst>
+                  <p:par>
+                    <p:cTn id="3" fill="hold">
+                      <p:stCondLst>
+                        <p:cond delay="indefinite"/>
+                      </p:stCondLst>
+                      <p:childTnLst>
+                        <p:par>
+                          <p:cTn id="4" fill="hold">
+                            <p:stCondLst>
+                              <p:cond delay="0"/>
+                            </p:stCondLst>
+                            <p:childTnLst>
+                              <p:par>
+                                <p:cTn id="5" presetID="10" presetClass="entr" presetSubtype="0" fill="hold" grpId="0" nodeType="clickEffect">
+                                  <p:stCondLst>
+                                    <p:cond delay="0"/>
+                                  </p:stCondLst>
+                                  <p:childTnLst>
+                                    <p:set>
+                                      <p:cBhvr>
+                                        <p:cTn id="6" dur="1" fill="hold">
+                                          <p:stCondLst>
+                                            <p:cond delay="0"/>
+                                          </p:stCondLst>
+                                        </p:cTn>
+                                        <p:tgtEl>
+                                          <p:spTgt spid="3"/>
+                                        </p:tgtEl>
+                                        <p:attrNameLst>
+                                          <p:attrName>style.visibility</p:attrName>
+                                        </p:attrNameLst>
+                                      </p:cBhvr>
+                                      <p:to>
+                                        <p:strVal val="visible"/>
+                                      </p:to>
+                                    </p:set>
+                                    <p:animEffect transition="in" filter="fade">
+                                      <p:cBhvr>
+                                        <p:cTn id="7" dur="500"/>
+                                        <p:tgtEl>
+                                          <p:spTgt spid="3"/>
+                                        </p:tgtEl>
+                                      </p:cBhvr>
+                                    </p:animEffect>
+                                  </p:childTnLst>
+                                </p:cTn>
+                              </p:par>
+                            </p:childTnLst>
+                          </p:cTn>
+                        </p:par>
+                      </p:childTnLst>
+                    </p:cTn>
+                  </p:par>
+                </p:childTnLst>
+              </p:cTn>
+              <p:prevCondLst>
+                <p:cond evt="onPrev" delay="0">
+                  <p:tgtEl>
+                    <p:sldTgt/>
+                  </p:tgtEl>
+                </p:cond>
+              </p:prevCondLst>
+              <p:nextCondLst>
+                <p:cond evt="onNext" delay="0">
+                  <p:tgtEl>
+                    <p:sldTgt/>
+                  </p:tgtEl>
+                </p:cond>
+              </p:nextCondLst>
+            </p:seq>
+          </p:childTnLst>
+        </p:cTn>
+      </p:par>
+    </p:tnLst>
+    <p:bldLst>
+      <p:bldP spid="3" grpId="0"/>
+    </p:bldLst>
+  </p:timing>
+</p:sld>
+</file>
+
+<file path=ppt/slides/slide15.xml><?xml version="1.0" encoding="utf-8"?>
+<p:sld xmlns:a="http://schemas.openxmlformats.org/drawingml/2006/main" xmlns:r="http://schemas.openxmlformats.org/officeDocument/2006/relationships" xmlns:p="http://schemas.openxmlformats.org/presentationml/2006/main">
+  <p:cSld>
+    <p:spTree>
+      <p:nvGrpSpPr>
+        <p:cNvPr id="1" name=""/>
+        <p:cNvGrpSpPr/>
+        <p:nvPr/>
+      </p:nvGrpSpPr>
+      <p:grpSpPr>
+        <a:xfrm>
+          <a:off x="0" y="0"/>
+          <a:ext cx="0" cy="0"/>
+          <a:chOff x="0" y="0"/>
+          <a:chExt cx="0" cy="0"/>
+        </a:xfrm>
+      </p:grpSpPr>
+      <p:sp>
+        <p:nvSpPr>
+          <p:cNvPr id="2" name="Titolo 1"/>
+          <p:cNvSpPr txBox="1">
+            <a:spLocks/>
+          </p:cNvSpPr>
+          <p:nvPr/>
+        </p:nvSpPr>
+        <p:spPr>
+          <a:xfrm>
+            <a:off x="759278" y="556499"/>
+            <a:ext cx="7886700" cy="1028461"/>
+          </a:xfrm>
+          <a:prstGeom prst="rect">
+            <a:avLst/>
+          </a:prstGeom>
+        </p:spPr>
+        <p:txBody>
+          <a:bodyPr>
+            <a:normAutofit/>
+          </a:bodyPr>
+          <a:lstStyle>
+            <a:lvl1pPr algn="l" defTabSz="914400" rtl="0" eaLnBrk="1" latinLnBrk="0" hangingPunct="1">
+              <a:lnSpc>
+                <a:spcPct val="90000"/>
+              </a:lnSpc>
+              <a:spcBef>
+                <a:spcPct val="0"/>
+              </a:spcBef>
+              <a:buNone/>
+              <a:defRPr sz="4400" kern="1200">
+                <a:solidFill>
+                  <a:schemeClr val="tx1"/>
+                </a:solidFill>
+                <a:latin typeface="+mj-lt"/>
+                <a:ea typeface="+mj-ea"/>
+                <a:cs typeface="+mj-cs"/>
+              </a:defRPr>
+            </a:lvl1pPr>
+          </a:lstStyle>
+          <a:p>
+            <a:pPr algn="ctr"/>
+            <a:r>
+              <a:rPr lang="en-US" sz="4000" b="1" spc="-113" dirty="0" smtClean="0">
+                <a:effectLst>
+                  <a:outerShdw blurRad="38100" dist="38100" dir="2700000" algn="tl">
+                    <a:srgbClr val="000000">
+                      <a:alpha val="43137"/>
+                    </a:srgbClr>
+                  </a:outerShdw>
+                </a:effectLst>
+                <a:latin typeface="Georgia" panose="02040502050405020303" pitchFamily="18" charset="0"/>
+              </a:rPr>
+              <a:t>Alloy - Assertions</a:t>
+            </a:r>
+            <a:endParaRPr lang="en-US" sz="4000" b="1" spc="-113" dirty="0">
+              <a:effectLst>
+                <a:outerShdw blurRad="38100" dist="38100" dir="2700000" algn="tl">
+                  <a:srgbClr val="000000">
+                    <a:alpha val="43137"/>
+                  </a:srgbClr>
+                </a:outerShdw>
+              </a:effectLst>
+              <a:latin typeface="Georgia" panose="02040502050405020303" pitchFamily="18" charset="0"/>
+            </a:endParaRPr>
+          </a:p>
+        </p:txBody>
+      </p:sp>
+      <p:sp>
+        <p:nvSpPr>
+          <p:cNvPr id="3" name="CasellaDiTesto 2"/>
+          <p:cNvSpPr txBox="1"/>
+          <p:nvPr/>
+        </p:nvSpPr>
+        <p:spPr>
+          <a:xfrm>
+            <a:off x="759278" y="1261794"/>
+            <a:ext cx="7886700" cy="646331"/>
+          </a:xfrm>
+          <a:prstGeom prst="rect">
+            <a:avLst/>
+          </a:prstGeom>
+          <a:noFill/>
+        </p:spPr>
+        <p:txBody>
+          <a:bodyPr wrap="square" rtlCol="0">
+            <a:spAutoFit/>
+          </a:bodyPr>
+          <a:lstStyle/>
+          <a:p>
+            <a:r>
+              <a:rPr lang="en-US" dirty="0" smtClean="0">
+                <a:latin typeface="Georgia" panose="02040502050405020303" pitchFamily="18" charset="0"/>
+              </a:rPr>
+              <a:t>These are some of the assertions that we have used to verify the consistency of our model:</a:t>
+            </a:r>
+            <a:endParaRPr lang="it-IT" dirty="0">
+              <a:latin typeface="Georgia" panose="02040502050405020303" pitchFamily="18" charset="0"/>
+            </a:endParaRPr>
+          </a:p>
+        </p:txBody>
+      </p:sp>
+      <p:sp>
+        <p:nvSpPr>
+          <p:cNvPr id="4" name="CasellaDiTesto 3"/>
+          <p:cNvSpPr txBox="1"/>
+          <p:nvPr/>
+        </p:nvSpPr>
+        <p:spPr>
+          <a:xfrm>
+            <a:off x="759278" y="1908125"/>
+            <a:ext cx="7641772" cy="4574907"/>
+          </a:xfrm>
+          <a:prstGeom prst="rect">
+            <a:avLst/>
+          </a:prstGeom>
+          <a:noFill/>
+        </p:spPr>
+        <p:txBody>
+          <a:bodyPr wrap="square" numCol="1" rtlCol="0">
+            <a:spAutoFit/>
+          </a:bodyPr>
+          <a:lstStyle/>
+          <a:p>
+            <a:pPr>
+              <a:lnSpc>
+                <a:spcPct val="107000"/>
+              </a:lnSpc>
+            </a:pPr>
+            <a:r>
+              <a:rPr lang="en-US" sz="1500" dirty="0" smtClean="0">
+                <a:solidFill>
+                  <a:srgbClr val="006600"/>
+                </a:solidFill>
+                <a:effectLst/>
+                <a:latin typeface="Lucida Console" panose="020B0609040504020204" pitchFamily="49" charset="0"/>
+                <a:ea typeface="Calibri" panose="020F0502020204030204" pitchFamily="34" charset="0"/>
+                <a:cs typeface="Times New Roman" panose="02020603050405020304" pitchFamily="18" charset="0"/>
+              </a:rPr>
+              <a:t>// All these cardinality equivalences must be satisfied </a:t>
+            </a:r>
+            <a:endParaRPr lang="it-IT" sz="1100" dirty="0" smtClean="0">
+              <a:solidFill>
+                <a:srgbClr val="006600"/>
+              </a:solidFill>
+              <a:effectLst/>
+              <a:latin typeface="Lucida Console" panose="020B0609040504020204" pitchFamily="49" charset="0"/>
+              <a:ea typeface="Calibri" panose="020F0502020204030204" pitchFamily="34" charset="0"/>
+              <a:cs typeface="Times New Roman" panose="02020603050405020304" pitchFamily="18" charset="0"/>
+            </a:endParaRPr>
+          </a:p>
+          <a:p>
+            <a:pPr>
+              <a:lnSpc>
+                <a:spcPct val="107000"/>
+              </a:lnSpc>
+            </a:pPr>
+            <a:r>
+              <a:rPr lang="en-US" sz="1500" b="1" dirty="0" smtClean="0">
+                <a:solidFill>
+                  <a:srgbClr val="1F00DA"/>
+                </a:solidFill>
+                <a:effectLst/>
+                <a:latin typeface="Lucida Console" panose="020B0609040504020204" pitchFamily="49" charset="0"/>
+                <a:ea typeface="Calibri" panose="020F0502020204030204" pitchFamily="34" charset="0"/>
+                <a:cs typeface="Times New Roman" panose="02020603050405020304" pitchFamily="18" charset="0"/>
+              </a:rPr>
+              <a:t>assert</a:t>
+            </a:r>
+            <a:r>
+              <a:rPr lang="en-US" sz="1500" dirty="0" smtClean="0">
+                <a:effectLst/>
+                <a:latin typeface="Lucida Console" panose="020B0609040504020204" pitchFamily="49" charset="0"/>
+                <a:ea typeface="Calibri" panose="020F0502020204030204" pitchFamily="34" charset="0"/>
+                <a:cs typeface="Times New Roman" panose="02020603050405020304" pitchFamily="18" charset="0"/>
+              </a:rPr>
+              <a:t> </a:t>
+            </a:r>
+            <a:r>
+              <a:rPr lang="en-US" sz="1500" dirty="0" err="1" smtClean="0">
+                <a:effectLst/>
+                <a:latin typeface="Lucida Console" panose="020B0609040504020204" pitchFamily="49" charset="0"/>
+                <a:ea typeface="Calibri" panose="020F0502020204030204" pitchFamily="34" charset="0"/>
+                <a:cs typeface="Times New Roman" panose="02020603050405020304" pitchFamily="18" charset="0"/>
+              </a:rPr>
+              <a:t>numbersEquivalence</a:t>
+            </a:r>
+            <a:r>
+              <a:rPr lang="en-US" sz="1500" dirty="0" smtClean="0">
+                <a:effectLst/>
+                <a:latin typeface="Lucida Console" panose="020B0609040504020204" pitchFamily="49" charset="0"/>
+                <a:ea typeface="Calibri" panose="020F0502020204030204" pitchFamily="34" charset="0"/>
+                <a:cs typeface="Times New Roman" panose="02020603050405020304" pitchFamily="18" charset="0"/>
+              </a:rPr>
+              <a:t>{</a:t>
+            </a:r>
+            <a:endParaRPr lang="it-IT" sz="1100" dirty="0" smtClean="0">
+              <a:effectLst/>
+              <a:latin typeface="Lucida Console" panose="020B0609040504020204" pitchFamily="49" charset="0"/>
+              <a:ea typeface="Calibri" panose="020F0502020204030204" pitchFamily="34" charset="0"/>
+              <a:cs typeface="Times New Roman" panose="02020603050405020304" pitchFamily="18" charset="0"/>
+            </a:endParaRPr>
+          </a:p>
+          <a:p>
+            <a:pPr>
+              <a:lnSpc>
+                <a:spcPct val="107000"/>
+              </a:lnSpc>
+            </a:pPr>
+            <a:r>
+              <a:rPr lang="en-US" sz="1500" dirty="0" smtClean="0">
+                <a:effectLst/>
+                <a:latin typeface="Lucida Console" panose="020B0609040504020204" pitchFamily="49" charset="0"/>
+                <a:ea typeface="Calibri" panose="020F0502020204030204" pitchFamily="34" charset="0"/>
+                <a:cs typeface="Times New Roman" panose="02020603050405020304" pitchFamily="18" charset="0"/>
+              </a:rPr>
+              <a:t>  #Taxi = #TaxiDriver</a:t>
+            </a:r>
+            <a:endParaRPr lang="it-IT" sz="1100" dirty="0" smtClean="0">
+              <a:effectLst/>
+              <a:latin typeface="Lucida Console" panose="020B0609040504020204" pitchFamily="49" charset="0"/>
+              <a:ea typeface="Calibri" panose="020F0502020204030204" pitchFamily="34" charset="0"/>
+              <a:cs typeface="Times New Roman" panose="02020603050405020304" pitchFamily="18" charset="0"/>
+            </a:endParaRPr>
+          </a:p>
+          <a:p>
+            <a:pPr>
+              <a:lnSpc>
+                <a:spcPct val="107000"/>
+              </a:lnSpc>
+            </a:pPr>
+            <a:r>
+              <a:rPr lang="en-US" sz="1500" dirty="0" smtClean="0">
+                <a:effectLst/>
+                <a:latin typeface="Lucida Console" panose="020B0609040504020204" pitchFamily="49" charset="0"/>
+                <a:ea typeface="Calibri" panose="020F0502020204030204" pitchFamily="34" charset="0"/>
+                <a:cs typeface="Times New Roman" panose="02020603050405020304" pitchFamily="18" charset="0"/>
+              </a:rPr>
+              <a:t>  #TaxiZone = #TaxiQueue</a:t>
+            </a:r>
+            <a:endParaRPr lang="it-IT" sz="1100" dirty="0" smtClean="0">
+              <a:effectLst/>
+              <a:latin typeface="Lucida Console" panose="020B0609040504020204" pitchFamily="49" charset="0"/>
+              <a:ea typeface="Calibri" panose="020F0502020204030204" pitchFamily="34" charset="0"/>
+              <a:cs typeface="Times New Roman" panose="02020603050405020304" pitchFamily="18" charset="0"/>
+            </a:endParaRPr>
+          </a:p>
+          <a:p>
+            <a:pPr>
+              <a:lnSpc>
+                <a:spcPct val="107000"/>
+              </a:lnSpc>
+            </a:pPr>
+            <a:r>
+              <a:rPr lang="en-US" sz="1500" dirty="0" smtClean="0">
+                <a:effectLst/>
+                <a:latin typeface="Lucida Console" panose="020B0609040504020204" pitchFamily="49" charset="0"/>
+                <a:ea typeface="Calibri" panose="020F0502020204030204" pitchFamily="34" charset="0"/>
+                <a:cs typeface="Times New Roman" panose="02020603050405020304" pitchFamily="18" charset="0"/>
+              </a:rPr>
+              <a:t>  #</a:t>
+            </a:r>
+            <a:r>
+              <a:rPr lang="en-US" sz="1500" dirty="0" err="1" smtClean="0">
+                <a:effectLst/>
+                <a:latin typeface="Lucida Console" panose="020B0609040504020204" pitchFamily="49" charset="0"/>
+                <a:ea typeface="Calibri" panose="020F0502020204030204" pitchFamily="34" charset="0"/>
+                <a:cs typeface="Times New Roman" panose="02020603050405020304" pitchFamily="18" charset="0"/>
+              </a:rPr>
+              <a:t>System.users</a:t>
+            </a:r>
+            <a:r>
+              <a:rPr lang="en-US" sz="1500" dirty="0" smtClean="0">
+                <a:effectLst/>
+                <a:latin typeface="Lucida Console" panose="020B0609040504020204" pitchFamily="49" charset="0"/>
+                <a:ea typeface="Calibri" panose="020F0502020204030204" pitchFamily="34" charset="0"/>
+                <a:cs typeface="Times New Roman" panose="02020603050405020304" pitchFamily="18" charset="0"/>
+              </a:rPr>
+              <a:t> = # User</a:t>
+            </a:r>
+            <a:endParaRPr lang="it-IT" sz="1100" dirty="0" smtClean="0">
+              <a:effectLst/>
+              <a:latin typeface="Lucida Console" panose="020B0609040504020204" pitchFamily="49" charset="0"/>
+              <a:ea typeface="Calibri" panose="020F0502020204030204" pitchFamily="34" charset="0"/>
+              <a:cs typeface="Times New Roman" panose="02020603050405020304" pitchFamily="18" charset="0"/>
+            </a:endParaRPr>
+          </a:p>
+          <a:p>
+            <a:pPr>
+              <a:lnSpc>
+                <a:spcPct val="107000"/>
+              </a:lnSpc>
+            </a:pPr>
+            <a:r>
+              <a:rPr lang="en-US" sz="1500" dirty="0" smtClean="0">
+                <a:effectLst/>
+                <a:latin typeface="Lucida Console" panose="020B0609040504020204" pitchFamily="49" charset="0"/>
+                <a:ea typeface="Calibri" panose="020F0502020204030204" pitchFamily="34" charset="0"/>
+                <a:cs typeface="Times New Roman" panose="02020603050405020304" pitchFamily="18" charset="0"/>
+              </a:rPr>
+              <a:t>  #</a:t>
+            </a:r>
+            <a:r>
+              <a:rPr lang="en-US" sz="1500" dirty="0" err="1" smtClean="0">
+                <a:effectLst/>
+                <a:latin typeface="Lucida Console" panose="020B0609040504020204" pitchFamily="49" charset="0"/>
+                <a:ea typeface="Calibri" panose="020F0502020204030204" pitchFamily="34" charset="0"/>
+                <a:cs typeface="Times New Roman" panose="02020603050405020304" pitchFamily="18" charset="0"/>
+              </a:rPr>
+              <a:t>System.taxiRide</a:t>
+            </a:r>
+            <a:r>
+              <a:rPr lang="en-US" sz="1500" dirty="0" smtClean="0">
+                <a:effectLst/>
+                <a:latin typeface="Lucida Console" panose="020B0609040504020204" pitchFamily="49" charset="0"/>
+                <a:ea typeface="Calibri" panose="020F0502020204030204" pitchFamily="34" charset="0"/>
+                <a:cs typeface="Times New Roman" panose="02020603050405020304" pitchFamily="18" charset="0"/>
+              </a:rPr>
+              <a:t> = #TaxiRide</a:t>
+            </a:r>
+            <a:endParaRPr lang="it-IT" sz="1100" dirty="0" smtClean="0">
+              <a:effectLst/>
+              <a:latin typeface="Lucida Console" panose="020B0609040504020204" pitchFamily="49" charset="0"/>
+              <a:ea typeface="Calibri" panose="020F0502020204030204" pitchFamily="34" charset="0"/>
+              <a:cs typeface="Times New Roman" panose="02020603050405020304" pitchFamily="18" charset="0"/>
+            </a:endParaRPr>
+          </a:p>
+          <a:p>
+            <a:pPr>
+              <a:lnSpc>
+                <a:spcPct val="107000"/>
+              </a:lnSpc>
+            </a:pPr>
+            <a:r>
+              <a:rPr lang="en-US" sz="1500" dirty="0" smtClean="0">
+                <a:effectLst/>
+                <a:latin typeface="Lucida Console" panose="020B0609040504020204" pitchFamily="49" charset="0"/>
+                <a:ea typeface="Calibri" panose="020F0502020204030204" pitchFamily="34" charset="0"/>
+                <a:cs typeface="Times New Roman" panose="02020603050405020304" pitchFamily="18" charset="0"/>
+              </a:rPr>
+              <a:t>  #(</a:t>
+            </a:r>
+            <a:r>
+              <a:rPr lang="en-US" sz="1500" dirty="0" err="1" smtClean="0">
+                <a:effectLst/>
+                <a:latin typeface="Lucida Console" panose="020B0609040504020204" pitchFamily="49" charset="0"/>
+                <a:ea typeface="Calibri" panose="020F0502020204030204" pitchFamily="34" charset="0"/>
+                <a:cs typeface="Times New Roman" panose="02020603050405020304" pitchFamily="18" charset="0"/>
+              </a:rPr>
+              <a:t>status.Available</a:t>
+            </a:r>
+            <a:r>
+              <a:rPr lang="en-US" sz="1500" dirty="0" smtClean="0">
+                <a:effectLst/>
+                <a:latin typeface="Lucida Console" panose="020B0609040504020204" pitchFamily="49" charset="0"/>
+                <a:ea typeface="Calibri" panose="020F0502020204030204" pitchFamily="34" charset="0"/>
+                <a:cs typeface="Times New Roman" panose="02020603050405020304" pitchFamily="18" charset="0"/>
+              </a:rPr>
+              <a:t>).taxi = #</a:t>
+            </a:r>
+            <a:r>
+              <a:rPr lang="en-US" sz="1500" dirty="0" err="1" smtClean="0">
+                <a:effectLst/>
+                <a:latin typeface="Lucida Console" panose="020B0609040504020204" pitchFamily="49" charset="0"/>
+                <a:ea typeface="Calibri" panose="020F0502020204030204" pitchFamily="34" charset="0"/>
+                <a:cs typeface="Times New Roman" panose="02020603050405020304" pitchFamily="18" charset="0"/>
+              </a:rPr>
+              <a:t>TaxiQueue.hasTaxi</a:t>
+            </a:r>
+            <a:r>
+              <a:rPr lang="en-US" sz="1500" dirty="0" smtClean="0">
+                <a:effectLst/>
+                <a:latin typeface="Lucida Console" panose="020B0609040504020204" pitchFamily="49" charset="0"/>
+                <a:ea typeface="Calibri" panose="020F0502020204030204" pitchFamily="34" charset="0"/>
+                <a:cs typeface="Times New Roman" panose="02020603050405020304" pitchFamily="18" charset="0"/>
+              </a:rPr>
+              <a:t>   // the number of available taxi must be equal to the number of taxi in all the queues</a:t>
+            </a:r>
+            <a:endParaRPr lang="it-IT" sz="1100" dirty="0" smtClean="0">
+              <a:effectLst/>
+              <a:latin typeface="Lucida Console" panose="020B0609040504020204" pitchFamily="49" charset="0"/>
+              <a:ea typeface="Calibri" panose="020F0502020204030204" pitchFamily="34" charset="0"/>
+              <a:cs typeface="Times New Roman" panose="02020603050405020304" pitchFamily="18" charset="0"/>
+            </a:endParaRPr>
+          </a:p>
+          <a:p>
+            <a:pPr>
+              <a:lnSpc>
+                <a:spcPct val="107000"/>
+              </a:lnSpc>
+            </a:pPr>
+            <a:r>
+              <a:rPr lang="en-US" sz="1500" dirty="0" smtClean="0">
+                <a:effectLst/>
+                <a:latin typeface="Lucida Console" panose="020B0609040504020204" pitchFamily="49" charset="0"/>
+                <a:ea typeface="Calibri" panose="020F0502020204030204" pitchFamily="34" charset="0"/>
+                <a:cs typeface="Times New Roman" panose="02020603050405020304" pitchFamily="18" charset="0"/>
+              </a:rPr>
+              <a:t>}</a:t>
+            </a:r>
+            <a:endParaRPr lang="it-IT" sz="1100" dirty="0">
+              <a:latin typeface="Lucida Console" panose="020B0609040504020204" pitchFamily="49" charset="0"/>
+              <a:ea typeface="Calibri" panose="020F0502020204030204" pitchFamily="34" charset="0"/>
+              <a:cs typeface="Times New Roman" panose="02020603050405020304" pitchFamily="18" charset="0"/>
+            </a:endParaRPr>
+          </a:p>
+          <a:p>
+            <a:pPr>
+              <a:lnSpc>
+                <a:spcPct val="107000"/>
+              </a:lnSpc>
+              <a:spcAft>
+                <a:spcPts val="800"/>
+              </a:spcAft>
+            </a:pPr>
+            <a:endParaRPr lang="it-IT" sz="1100" dirty="0" smtClean="0">
+              <a:effectLst/>
+              <a:latin typeface="Lucida Console" panose="020B0609040504020204" pitchFamily="49" charset="0"/>
+              <a:ea typeface="Calibri" panose="020F0502020204030204" pitchFamily="34" charset="0"/>
+              <a:cs typeface="Times New Roman" panose="02020603050405020304" pitchFamily="18" charset="0"/>
+            </a:endParaRPr>
+          </a:p>
+          <a:p>
+            <a:pPr>
+              <a:lnSpc>
+                <a:spcPct val="107000"/>
+              </a:lnSpc>
+            </a:pPr>
+            <a:r>
+              <a:rPr lang="en-US" sz="1500" dirty="0">
+                <a:solidFill>
+                  <a:srgbClr val="006600"/>
+                </a:solidFill>
+                <a:latin typeface="Lucida Console" panose="020B0609040504020204" pitchFamily="49" charset="0"/>
+                <a:ea typeface="Calibri" panose="020F0502020204030204" pitchFamily="34" charset="0"/>
+                <a:cs typeface="Times New Roman" panose="02020603050405020304" pitchFamily="18" charset="0"/>
+              </a:rPr>
+              <a:t>// Busy taxi drivers may not be assigned to a ride, because of the possibility of standard customers</a:t>
+            </a:r>
+            <a:endParaRPr lang="it-IT" sz="1500" dirty="0">
+              <a:solidFill>
+                <a:srgbClr val="006600"/>
+              </a:solidFill>
+              <a:latin typeface="Lucida Console" panose="020B0609040504020204" pitchFamily="49" charset="0"/>
+              <a:ea typeface="Calibri" panose="020F0502020204030204" pitchFamily="34" charset="0"/>
+              <a:cs typeface="Times New Roman" panose="02020603050405020304" pitchFamily="18" charset="0"/>
+            </a:endParaRPr>
+          </a:p>
+          <a:p>
+            <a:pPr>
+              <a:lnSpc>
+                <a:spcPct val="107000"/>
+              </a:lnSpc>
+              <a:spcAft>
+                <a:spcPts val="0"/>
+              </a:spcAft>
+            </a:pPr>
+            <a:r>
+              <a:rPr lang="en-US" sz="1500" b="1" dirty="0" smtClean="0">
+                <a:solidFill>
+                  <a:srgbClr val="1F00DA"/>
+                </a:solidFill>
+                <a:effectLst/>
+                <a:latin typeface="Lucida Console" panose="020B0609040504020204" pitchFamily="49" charset="0"/>
+                <a:ea typeface="Calibri" panose="020F0502020204030204" pitchFamily="34" charset="0"/>
+                <a:cs typeface="Times New Roman" panose="02020603050405020304" pitchFamily="18" charset="0"/>
+              </a:rPr>
+              <a:t>assert</a:t>
+            </a:r>
+            <a:r>
+              <a:rPr lang="en-US" sz="1500" dirty="0" smtClean="0">
+                <a:effectLst/>
+                <a:latin typeface="Lucida Console" panose="020B0609040504020204" pitchFamily="49" charset="0"/>
+                <a:ea typeface="Calibri" panose="020F0502020204030204" pitchFamily="34" charset="0"/>
+                <a:cs typeface="Times New Roman" panose="02020603050405020304" pitchFamily="18" charset="0"/>
+              </a:rPr>
+              <a:t> </a:t>
+            </a:r>
+            <a:r>
+              <a:rPr lang="en-US" sz="1500" dirty="0" err="1" smtClean="0">
+                <a:effectLst/>
+                <a:latin typeface="Lucida Console" panose="020B0609040504020204" pitchFamily="49" charset="0"/>
+                <a:ea typeface="Calibri" panose="020F0502020204030204" pitchFamily="34" charset="0"/>
+                <a:cs typeface="Times New Roman" panose="02020603050405020304" pitchFamily="18" charset="0"/>
+              </a:rPr>
+              <a:t>driversStandardCustomer</a:t>
+            </a:r>
+            <a:r>
+              <a:rPr lang="en-US" sz="1500" dirty="0" smtClean="0">
+                <a:effectLst/>
+                <a:latin typeface="Lucida Console" panose="020B0609040504020204" pitchFamily="49" charset="0"/>
+                <a:ea typeface="Calibri" panose="020F0502020204030204" pitchFamily="34" charset="0"/>
+                <a:cs typeface="Times New Roman" panose="02020603050405020304" pitchFamily="18" charset="0"/>
+              </a:rPr>
+              <a:t>{</a:t>
+            </a:r>
+            <a:endParaRPr lang="it-IT" sz="1100" dirty="0" smtClean="0">
+              <a:effectLst/>
+              <a:latin typeface="Lucida Console" panose="020B0609040504020204" pitchFamily="49" charset="0"/>
+              <a:ea typeface="Calibri" panose="020F0502020204030204" pitchFamily="34" charset="0"/>
+              <a:cs typeface="Times New Roman" panose="02020603050405020304" pitchFamily="18" charset="0"/>
+            </a:endParaRPr>
+          </a:p>
+          <a:p>
+            <a:pPr>
+              <a:lnSpc>
+                <a:spcPct val="107000"/>
+              </a:lnSpc>
+              <a:spcAft>
+                <a:spcPts val="0"/>
+              </a:spcAft>
+            </a:pPr>
+            <a:r>
+              <a:rPr lang="en-US" sz="1500" dirty="0" smtClean="0">
+                <a:effectLst/>
+                <a:latin typeface="Lucida Console" panose="020B0609040504020204" pitchFamily="49" charset="0"/>
+                <a:ea typeface="Calibri" panose="020F0502020204030204" pitchFamily="34" charset="0"/>
+                <a:cs typeface="Times New Roman" panose="02020603050405020304" pitchFamily="18" charset="0"/>
+              </a:rPr>
+              <a:t>     </a:t>
+            </a:r>
+            <a:r>
+              <a:rPr lang="en-US" sz="1500" b="1" dirty="0" smtClean="0">
+                <a:solidFill>
+                  <a:srgbClr val="1F00DA"/>
+                </a:solidFill>
+                <a:effectLst/>
+                <a:latin typeface="Lucida Console" panose="020B0609040504020204" pitchFamily="49" charset="0"/>
+                <a:ea typeface="Calibri" panose="020F0502020204030204" pitchFamily="34" charset="0"/>
+                <a:cs typeface="Times New Roman" panose="02020603050405020304" pitchFamily="18" charset="0"/>
+              </a:rPr>
+              <a:t>all</a:t>
+            </a:r>
+            <a:r>
+              <a:rPr lang="en-US" sz="1500" dirty="0" smtClean="0">
+                <a:effectLst/>
+                <a:latin typeface="Lucida Console" panose="020B0609040504020204" pitchFamily="49" charset="0"/>
+                <a:ea typeface="Calibri" panose="020F0502020204030204" pitchFamily="34" charset="0"/>
+                <a:cs typeface="Times New Roman" panose="02020603050405020304" pitchFamily="18" charset="0"/>
+              </a:rPr>
+              <a:t> s1,s2:System | </a:t>
+            </a:r>
+            <a:r>
+              <a:rPr lang="en-US" sz="1500" dirty="0" err="1" smtClean="0">
+                <a:effectLst/>
+                <a:latin typeface="Lucida Console" panose="020B0609040504020204" pitchFamily="49" charset="0"/>
+                <a:ea typeface="Calibri" panose="020F0502020204030204" pitchFamily="34" charset="0"/>
+                <a:cs typeface="Times New Roman" panose="02020603050405020304" pitchFamily="18" charset="0"/>
+              </a:rPr>
+              <a:t>addBusyWithoutRide</a:t>
+            </a:r>
+            <a:r>
+              <a:rPr lang="en-US" sz="1500" dirty="0" smtClean="0">
+                <a:effectLst/>
+                <a:latin typeface="Lucida Console" panose="020B0609040504020204" pitchFamily="49" charset="0"/>
+                <a:ea typeface="Calibri" panose="020F0502020204030204" pitchFamily="34" charset="0"/>
+                <a:cs typeface="Times New Roman" panose="02020603050405020304" pitchFamily="18" charset="0"/>
+              </a:rPr>
+              <a:t>[s1,s2] </a:t>
+            </a:r>
+            <a:r>
+              <a:rPr lang="en-US" sz="1500" b="1" dirty="0" smtClean="0">
+                <a:solidFill>
+                  <a:srgbClr val="1F00DA"/>
+                </a:solidFill>
+                <a:effectLst/>
+                <a:latin typeface="Lucida Console" panose="020B0609040504020204" pitchFamily="49" charset="0"/>
+                <a:ea typeface="Calibri" panose="020F0502020204030204" pitchFamily="34" charset="0"/>
+                <a:cs typeface="Times New Roman" panose="02020603050405020304" pitchFamily="18" charset="0"/>
+              </a:rPr>
+              <a:t>implies</a:t>
+            </a:r>
+            <a:r>
+              <a:rPr lang="en-US" sz="1500" dirty="0" smtClean="0">
+                <a:effectLst/>
+                <a:latin typeface="Lucida Console" panose="020B0609040504020204" pitchFamily="49" charset="0"/>
+                <a:ea typeface="Calibri" panose="020F0502020204030204" pitchFamily="34" charset="0"/>
+                <a:cs typeface="Times New Roman" panose="02020603050405020304" pitchFamily="18" charset="0"/>
+              </a:rPr>
+              <a:t>   			!(</a:t>
+            </a:r>
+            <a:r>
+              <a:rPr lang="en-US" sz="1500" dirty="0" err="1" smtClean="0">
+                <a:effectLst/>
+                <a:latin typeface="Lucida Console" panose="020B0609040504020204" pitchFamily="49" charset="0"/>
+                <a:ea typeface="Calibri" panose="020F0502020204030204" pitchFamily="34" charset="0"/>
+                <a:cs typeface="Times New Roman" panose="02020603050405020304" pitchFamily="18" charset="0"/>
+              </a:rPr>
+              <a:t>status.Busy</a:t>
+            </a:r>
+            <a:r>
+              <a:rPr lang="en-US" sz="1500" dirty="0" smtClean="0">
+                <a:effectLst/>
+                <a:latin typeface="Lucida Console" panose="020B0609040504020204" pitchFamily="49" charset="0"/>
+                <a:ea typeface="Calibri" panose="020F0502020204030204" pitchFamily="34" charset="0"/>
+                <a:cs typeface="Times New Roman" panose="02020603050405020304" pitchFamily="18" charset="0"/>
+              </a:rPr>
+              <a:t>  </a:t>
+            </a:r>
+            <a:r>
+              <a:rPr lang="en-US" sz="1500" b="1" dirty="0" smtClean="0">
+                <a:solidFill>
+                  <a:srgbClr val="1F00DA"/>
+                </a:solidFill>
+                <a:effectLst/>
+                <a:latin typeface="Lucida Console" panose="020B0609040504020204" pitchFamily="49" charset="0"/>
+                <a:ea typeface="Calibri" panose="020F0502020204030204" pitchFamily="34" charset="0"/>
+                <a:cs typeface="Times New Roman" panose="02020603050405020304" pitchFamily="18" charset="0"/>
+              </a:rPr>
+              <a:t>in</a:t>
+            </a:r>
+            <a:r>
+              <a:rPr lang="en-US" sz="1500" dirty="0" smtClean="0">
+                <a:effectLst/>
+                <a:latin typeface="Lucida Console" panose="020B0609040504020204" pitchFamily="49" charset="0"/>
+                <a:ea typeface="Calibri" panose="020F0502020204030204" pitchFamily="34" charset="0"/>
+                <a:cs typeface="Times New Roman" panose="02020603050405020304" pitchFamily="18" charset="0"/>
+              </a:rPr>
+              <a:t> (TaxiDriver &lt;: 				taxi).(TaxiRide.(TaxiRide &lt;:taxi)))</a:t>
+            </a:r>
+            <a:endParaRPr lang="it-IT" sz="1100" dirty="0" smtClean="0">
+              <a:effectLst/>
+              <a:latin typeface="Lucida Console" panose="020B0609040504020204" pitchFamily="49" charset="0"/>
+              <a:ea typeface="Calibri" panose="020F0502020204030204" pitchFamily="34" charset="0"/>
+              <a:cs typeface="Times New Roman" panose="02020603050405020304" pitchFamily="18" charset="0"/>
+            </a:endParaRPr>
+          </a:p>
+          <a:p>
+            <a:pPr>
+              <a:lnSpc>
+                <a:spcPct val="107000"/>
+              </a:lnSpc>
+              <a:spcAft>
+                <a:spcPts val="800"/>
+              </a:spcAft>
+            </a:pPr>
+            <a:r>
+              <a:rPr lang="en-US" sz="1500" dirty="0" smtClean="0">
+                <a:effectLst/>
+                <a:latin typeface="Lucida Console" panose="020B0609040504020204" pitchFamily="49" charset="0"/>
+                <a:ea typeface="Calibri" panose="020F0502020204030204" pitchFamily="34" charset="0"/>
+                <a:cs typeface="Times New Roman" panose="02020603050405020304" pitchFamily="18" charset="0"/>
+              </a:rPr>
+              <a:t>}</a:t>
+            </a:r>
+            <a:endParaRPr lang="it-IT" sz="1100" dirty="0" smtClean="0">
+              <a:effectLst/>
+              <a:latin typeface="Lucida Console" panose="020B0609040504020204" pitchFamily="49" charset="0"/>
+              <a:ea typeface="Calibri" panose="020F0502020204030204" pitchFamily="34" charset="0"/>
+              <a:cs typeface="Times New Roman" panose="02020603050405020304" pitchFamily="18" charset="0"/>
+            </a:endParaRPr>
+          </a:p>
+        </p:txBody>
+      </p:sp>
+    </p:spTree>
+    <p:extLst>
+      <p:ext uri="{BB962C8B-B14F-4D97-AF65-F5344CB8AC3E}">
+        <p14:creationId xmlns:p14="http://schemas.microsoft.com/office/powerpoint/2010/main" val="475436152"/>
+      </p:ext>
+    </p:extLst>
+  </p:cSld>
+  <p:clrMapOvr>
+    <a:masterClrMapping/>
+  </p:clrMapOvr>
+  <p:timing>
+    <p:tnLst>
+      <p:par>
+        <p:cTn id="1" dur="indefinite" restart="never" nodeType="tmRoot">
+          <p:childTnLst>
+            <p:seq concurrent="1" nextAc="seek">
+              <p:cTn id="2" dur="indefinite" nodeType="mainSeq">
+                <p:childTnLst>
+                  <p:par>
+                    <p:cTn id="3" fill="hold">
+                      <p:stCondLst>
+                        <p:cond delay="indefinite"/>
+                      </p:stCondLst>
+                      <p:childTnLst>
+                        <p:par>
+                          <p:cTn id="4" fill="hold">
+                            <p:stCondLst>
+                              <p:cond delay="0"/>
+                            </p:stCondLst>
+                            <p:childTnLst>
+                              <p:par>
+                                <p:cTn id="5" presetID="10" presetClass="entr" presetSubtype="0" fill="hold" grpId="0" nodeType="clickEffect">
+                                  <p:stCondLst>
+                                    <p:cond delay="0"/>
+                                  </p:stCondLst>
+                                  <p:childTnLst>
+                                    <p:set>
+                                      <p:cBhvr>
+                                        <p:cTn id="6" dur="1" fill="hold">
+                                          <p:stCondLst>
+                                            <p:cond delay="0"/>
+                                          </p:stCondLst>
+                                        </p:cTn>
+                                        <p:tgtEl>
+                                          <p:spTgt spid="3"/>
+                                        </p:tgtEl>
+                                        <p:attrNameLst>
+                                          <p:attrName>style.visibility</p:attrName>
+                                        </p:attrNameLst>
+                                      </p:cBhvr>
+                                      <p:to>
+                                        <p:strVal val="visible"/>
+                                      </p:to>
+                                    </p:set>
+                                    <p:animEffect transition="in" filter="fade">
+                                      <p:cBhvr>
+                                        <p:cTn id="7" dur="500"/>
+                                        <p:tgtEl>
+                                          <p:spTgt spid="3"/>
+                                        </p:tgtEl>
+                                      </p:cBhvr>
+                                    </p:animEffect>
+                                  </p:childTnLst>
+                                </p:cTn>
+                              </p:par>
+                            </p:childTnLst>
+                          </p:cTn>
+                        </p:par>
+                      </p:childTnLst>
+                    </p:cTn>
+                  </p:par>
+                  <p:par>
+                    <p:cTn id="8" fill="hold">
+                      <p:stCondLst>
+                        <p:cond delay="indefinite"/>
+                      </p:stCondLst>
+                      <p:childTnLst>
+                        <p:par>
+                          <p:cTn id="9" fill="hold">
+                            <p:stCondLst>
+                              <p:cond delay="0"/>
+                            </p:stCondLst>
+                            <p:childTnLst>
+                              <p:par>
+                                <p:cTn id="10" presetID="10" presetClass="entr" presetSubtype="0" fill="hold" grpId="0" nodeType="clickEffect">
+                                  <p:stCondLst>
+                                    <p:cond delay="0"/>
+                                  </p:stCondLst>
+                                  <p:childTnLst>
+                                    <p:set>
+                                      <p:cBhvr>
+                                        <p:cTn id="11" dur="1" fill="hold">
+                                          <p:stCondLst>
+                                            <p:cond delay="0"/>
+                                          </p:stCondLst>
+                                        </p:cTn>
+                                        <p:tgtEl>
+                                          <p:spTgt spid="4"/>
+                                        </p:tgtEl>
+                                        <p:attrNameLst>
+                                          <p:attrName>style.visibility</p:attrName>
+                                        </p:attrNameLst>
+                                      </p:cBhvr>
+                                      <p:to>
+                                        <p:strVal val="visible"/>
+                                      </p:to>
+                                    </p:set>
+                                    <p:animEffect transition="in" filter="fade">
+                                      <p:cBhvr>
+                                        <p:cTn id="12" dur="500"/>
+                                        <p:tgtEl>
+                                          <p:spTgt spid="4"/>
+                                        </p:tgtEl>
+                                      </p:cBhvr>
+                                    </p:animEffect>
+                                  </p:childTnLst>
+                                </p:cTn>
+                              </p:par>
+                            </p:childTnLst>
+                          </p:cTn>
+                        </p:par>
+                      </p:childTnLst>
+                    </p:cTn>
+                  </p:par>
+                </p:childTnLst>
+              </p:cTn>
+              <p:prevCondLst>
+                <p:cond evt="onPrev" delay="0">
+                  <p:tgtEl>
+                    <p:sldTgt/>
+                  </p:tgtEl>
+                </p:cond>
+              </p:prevCondLst>
+              <p:nextCondLst>
+                <p:cond evt="onNext" delay="0">
+                  <p:tgtEl>
+                    <p:sldTgt/>
+                  </p:tgtEl>
+                </p:cond>
+              </p:nextCondLst>
+            </p:seq>
+          </p:childTnLst>
+        </p:cTn>
+      </p:par>
+    </p:tnLst>
+    <p:bldLst>
+      <p:bldP spid="3" grpId="0"/>
+      <p:bldP spid="4" grpId="0"/>
+    </p:bldLst>
+  </p:timing>
+</p:sld>
+</file>
+
+<file path=ppt/slides/slide16.xml><?xml version="1.0" encoding="utf-8"?>
+<p:sld xmlns:a="http://schemas.openxmlformats.org/drawingml/2006/main" xmlns:r="http://schemas.openxmlformats.org/officeDocument/2006/relationships" xmlns:p="http://schemas.openxmlformats.org/presentationml/2006/main">
+  <p:cSld>
+    <p:spTree>
+      <p:nvGrpSpPr>
+        <p:cNvPr id="1" name=""/>
+        <p:cNvGrpSpPr/>
+        <p:nvPr/>
+      </p:nvGrpSpPr>
+      <p:grpSpPr>
+        <a:xfrm>
+          <a:off x="0" y="0"/>
+          <a:ext cx="0" cy="0"/>
+          <a:chOff x="0" y="0"/>
+          <a:chExt cx="0" cy="0"/>
+        </a:xfrm>
+      </p:grpSpPr>
+      <p:sp>
+        <p:nvSpPr>
+          <p:cNvPr id="2" name="Titolo 1"/>
+          <p:cNvSpPr txBox="1">
+            <a:spLocks/>
+          </p:cNvSpPr>
+          <p:nvPr/>
+        </p:nvSpPr>
+        <p:spPr>
+          <a:xfrm>
+            <a:off x="759278" y="556499"/>
+            <a:ext cx="7886700" cy="1028461"/>
+          </a:xfrm>
+          <a:prstGeom prst="rect">
+            <a:avLst/>
+          </a:prstGeom>
+        </p:spPr>
+        <p:txBody>
+          <a:bodyPr>
+            <a:normAutofit/>
+          </a:bodyPr>
+          <a:lstStyle>
+            <a:lvl1pPr algn="l" defTabSz="914400" rtl="0" eaLnBrk="1" latinLnBrk="0" hangingPunct="1">
+              <a:lnSpc>
+                <a:spcPct val="90000"/>
+              </a:lnSpc>
+              <a:spcBef>
+                <a:spcPct val="0"/>
+              </a:spcBef>
+              <a:buNone/>
+              <a:defRPr sz="4400" kern="1200">
+                <a:solidFill>
+                  <a:schemeClr val="tx1"/>
+                </a:solidFill>
+                <a:latin typeface="+mj-lt"/>
+                <a:ea typeface="+mj-ea"/>
+                <a:cs typeface="+mj-cs"/>
+              </a:defRPr>
+            </a:lvl1pPr>
+          </a:lstStyle>
+          <a:p>
+            <a:pPr algn="ctr"/>
+            <a:r>
+              <a:rPr lang="en-US" sz="4000" b="1" spc="-113" dirty="0" smtClean="0">
+                <a:effectLst>
+                  <a:outerShdw blurRad="38100" dist="38100" dir="2700000" algn="tl">
+                    <a:srgbClr val="000000">
+                      <a:alpha val="43137"/>
+                    </a:srgbClr>
+                  </a:outerShdw>
+                </a:effectLst>
+                <a:latin typeface="Georgia" panose="02040502050405020303" pitchFamily="18" charset="0"/>
+              </a:rPr>
+              <a:t>Alloy - Assertions</a:t>
+            </a:r>
+            <a:endParaRPr lang="en-US" sz="4000" b="1" spc="-113" dirty="0">
+              <a:effectLst>
+                <a:outerShdw blurRad="38100" dist="38100" dir="2700000" algn="tl">
+                  <a:srgbClr val="000000">
+                    <a:alpha val="43137"/>
+                  </a:srgbClr>
+                </a:outerShdw>
+              </a:effectLst>
+              <a:latin typeface="Georgia" panose="02040502050405020303" pitchFamily="18" charset="0"/>
+            </a:endParaRPr>
+          </a:p>
+        </p:txBody>
+      </p:sp>
+      <p:sp>
+        <p:nvSpPr>
+          <p:cNvPr id="3" name="CasellaDiTesto 2"/>
+          <p:cNvSpPr txBox="1"/>
+          <p:nvPr/>
+        </p:nvSpPr>
+        <p:spPr>
+          <a:xfrm>
+            <a:off x="759278" y="1284063"/>
+            <a:ext cx="7641772" cy="4882683"/>
+          </a:xfrm>
+          <a:prstGeom prst="rect">
+            <a:avLst/>
+          </a:prstGeom>
+          <a:noFill/>
+        </p:spPr>
+        <p:txBody>
+          <a:bodyPr wrap="square" numCol="1" rtlCol="0">
+            <a:spAutoFit/>
+          </a:bodyPr>
+          <a:lstStyle/>
+          <a:p>
+            <a:pPr>
+              <a:lnSpc>
+                <a:spcPct val="107000"/>
+              </a:lnSpc>
+            </a:pPr>
+            <a:r>
+              <a:rPr lang="en-US" sz="1500" dirty="0">
+                <a:solidFill>
+                  <a:srgbClr val="006600"/>
+                </a:solidFill>
+                <a:latin typeface="Lucida Console" panose="020B0609040504020204" pitchFamily="49" charset="0"/>
+                <a:ea typeface="Calibri" panose="020F0502020204030204" pitchFamily="34" charset="0"/>
+                <a:cs typeface="Times New Roman" panose="02020603050405020304" pitchFamily="18" charset="0"/>
+              </a:rPr>
+              <a:t>//All the available taxi belongs to a taxi zone</a:t>
+            </a:r>
+            <a:endParaRPr lang="it-IT" sz="1500" dirty="0">
+              <a:solidFill>
+                <a:srgbClr val="006600"/>
+              </a:solidFill>
+              <a:latin typeface="Lucida Console" panose="020B0609040504020204" pitchFamily="49" charset="0"/>
+              <a:ea typeface="Calibri" panose="020F0502020204030204" pitchFamily="34" charset="0"/>
+              <a:cs typeface="Times New Roman" panose="02020603050405020304" pitchFamily="18" charset="0"/>
+            </a:endParaRPr>
+          </a:p>
+          <a:p>
+            <a:pPr>
+              <a:lnSpc>
+                <a:spcPct val="107000"/>
+              </a:lnSpc>
+              <a:spcAft>
+                <a:spcPts val="0"/>
+              </a:spcAft>
+            </a:pPr>
+            <a:r>
+              <a:rPr lang="en-US" sz="1500" b="1" dirty="0" smtClean="0">
+                <a:solidFill>
+                  <a:srgbClr val="1F00DA"/>
+                </a:solidFill>
+                <a:effectLst/>
+                <a:latin typeface="Lucida Console" panose="020B0609040504020204" pitchFamily="49" charset="0"/>
+                <a:ea typeface="Calibri" panose="020F0502020204030204" pitchFamily="34" charset="0"/>
+                <a:cs typeface="Times New Roman" panose="02020603050405020304" pitchFamily="18" charset="0"/>
+              </a:rPr>
+              <a:t>assert</a:t>
+            </a:r>
+            <a:r>
+              <a:rPr lang="en-US" sz="1500" dirty="0" smtClean="0">
+                <a:effectLst/>
+                <a:latin typeface="Lucida Console" panose="020B0609040504020204" pitchFamily="49" charset="0"/>
+                <a:ea typeface="Calibri" panose="020F0502020204030204" pitchFamily="34" charset="0"/>
+                <a:cs typeface="Times New Roman" panose="02020603050405020304" pitchFamily="18" charset="0"/>
+              </a:rPr>
+              <a:t> </a:t>
+            </a:r>
+            <a:r>
+              <a:rPr lang="en-US" sz="1500" dirty="0" err="1" smtClean="0">
+                <a:effectLst/>
+                <a:latin typeface="Lucida Console" panose="020B0609040504020204" pitchFamily="49" charset="0"/>
+                <a:ea typeface="Calibri" panose="020F0502020204030204" pitchFamily="34" charset="0"/>
+                <a:cs typeface="Times New Roman" panose="02020603050405020304" pitchFamily="18" charset="0"/>
+              </a:rPr>
+              <a:t>allAvailableInOneZone</a:t>
+            </a:r>
+            <a:r>
+              <a:rPr lang="en-US" sz="1500" dirty="0" smtClean="0">
+                <a:effectLst/>
+                <a:latin typeface="Lucida Console" panose="020B0609040504020204" pitchFamily="49" charset="0"/>
+                <a:ea typeface="Calibri" panose="020F0502020204030204" pitchFamily="34" charset="0"/>
+                <a:cs typeface="Times New Roman" panose="02020603050405020304" pitchFamily="18" charset="0"/>
+              </a:rPr>
+              <a:t>{</a:t>
+            </a:r>
+            <a:endParaRPr lang="it-IT" sz="1100" dirty="0" smtClean="0">
+              <a:effectLst/>
+              <a:latin typeface="Lucida Console" panose="020B0609040504020204" pitchFamily="49" charset="0"/>
+              <a:ea typeface="Calibri" panose="020F0502020204030204" pitchFamily="34" charset="0"/>
+              <a:cs typeface="Times New Roman" panose="02020603050405020304" pitchFamily="18" charset="0"/>
+            </a:endParaRPr>
+          </a:p>
+          <a:p>
+            <a:pPr>
+              <a:lnSpc>
+                <a:spcPct val="107000"/>
+              </a:lnSpc>
+              <a:spcAft>
+                <a:spcPts val="0"/>
+              </a:spcAft>
+            </a:pPr>
+            <a:r>
+              <a:rPr lang="en-US" sz="1500" dirty="0" smtClean="0">
+                <a:effectLst/>
+                <a:latin typeface="Lucida Console" panose="020B0609040504020204" pitchFamily="49" charset="0"/>
+                <a:ea typeface="Calibri" panose="020F0502020204030204" pitchFamily="34" charset="0"/>
+                <a:cs typeface="Times New Roman" panose="02020603050405020304" pitchFamily="18" charset="0"/>
+              </a:rPr>
+              <a:t>   </a:t>
+            </a:r>
+            <a:r>
+              <a:rPr lang="en-US" sz="1500" b="1" dirty="0" smtClean="0">
+                <a:solidFill>
+                  <a:srgbClr val="1F00DA"/>
+                </a:solidFill>
+                <a:effectLst/>
+                <a:latin typeface="Lucida Console" panose="020B0609040504020204" pitchFamily="49" charset="0"/>
+                <a:ea typeface="Calibri" panose="020F0502020204030204" pitchFamily="34" charset="0"/>
+                <a:cs typeface="Times New Roman" panose="02020603050405020304" pitchFamily="18" charset="0"/>
+              </a:rPr>
+              <a:t>all</a:t>
+            </a:r>
+            <a:r>
+              <a:rPr lang="en-US" sz="1500" dirty="0" smtClean="0">
+                <a:effectLst/>
+                <a:latin typeface="Lucida Console" panose="020B0609040504020204" pitchFamily="49" charset="0"/>
+                <a:ea typeface="Calibri" panose="020F0502020204030204" pitchFamily="34" charset="0"/>
+                <a:cs typeface="Times New Roman" panose="02020603050405020304" pitchFamily="18" charset="0"/>
+              </a:rPr>
+              <a:t> t:Taxi | ((TaxiDriver &lt;: taxi).t).status = Available 	</a:t>
+            </a:r>
+            <a:r>
+              <a:rPr lang="en-US" sz="1500" b="1" dirty="0" smtClean="0">
+                <a:solidFill>
+                  <a:srgbClr val="1F00DA"/>
+                </a:solidFill>
+                <a:effectLst/>
+                <a:latin typeface="Lucida Console" panose="020B0609040504020204" pitchFamily="49" charset="0"/>
+                <a:ea typeface="Calibri" panose="020F0502020204030204" pitchFamily="34" charset="0"/>
+                <a:cs typeface="Times New Roman" panose="02020603050405020304" pitchFamily="18" charset="0"/>
+              </a:rPr>
+              <a:t>implies</a:t>
+            </a:r>
+            <a:r>
+              <a:rPr lang="en-US" sz="1500" dirty="0" smtClean="0">
+                <a:effectLst/>
+                <a:latin typeface="Lucida Console" panose="020B0609040504020204" pitchFamily="49" charset="0"/>
+                <a:ea typeface="Calibri" panose="020F0502020204030204" pitchFamily="34" charset="0"/>
+                <a:cs typeface="Times New Roman" panose="02020603050405020304" pitchFamily="18" charset="0"/>
+              </a:rPr>
+              <a:t> </a:t>
+            </a:r>
+            <a:r>
+              <a:rPr lang="en-US" sz="1500" b="1" dirty="0" smtClean="0">
+                <a:solidFill>
+                  <a:srgbClr val="1F00DA"/>
+                </a:solidFill>
+                <a:effectLst/>
+                <a:latin typeface="Lucida Console" panose="020B0609040504020204" pitchFamily="49" charset="0"/>
+                <a:ea typeface="Calibri" panose="020F0502020204030204" pitchFamily="34" charset="0"/>
+                <a:cs typeface="Times New Roman" panose="02020603050405020304" pitchFamily="18" charset="0"/>
+              </a:rPr>
+              <a:t>one</a:t>
+            </a:r>
+            <a:r>
+              <a:rPr lang="en-US" sz="1500" dirty="0" smtClean="0">
+                <a:effectLst/>
+                <a:latin typeface="Lucida Console" panose="020B0609040504020204" pitchFamily="49" charset="0"/>
+                <a:ea typeface="Calibri" panose="020F0502020204030204" pitchFamily="34" charset="0"/>
+                <a:cs typeface="Times New Roman" panose="02020603050405020304" pitchFamily="18" charset="0"/>
+              </a:rPr>
+              <a:t> z:TaxiZone | t </a:t>
+            </a:r>
+            <a:r>
+              <a:rPr lang="en-US" sz="1500" b="1" dirty="0" smtClean="0">
+                <a:solidFill>
+                  <a:srgbClr val="1F00DA"/>
+                </a:solidFill>
+                <a:effectLst/>
+                <a:latin typeface="Lucida Console" panose="020B0609040504020204" pitchFamily="49" charset="0"/>
+                <a:ea typeface="Calibri" panose="020F0502020204030204" pitchFamily="34" charset="0"/>
+                <a:cs typeface="Times New Roman" panose="02020603050405020304" pitchFamily="18" charset="0"/>
+              </a:rPr>
+              <a:t>in</a:t>
+            </a:r>
+            <a:r>
+              <a:rPr lang="en-US" sz="1500" dirty="0" smtClean="0">
+                <a:effectLst/>
+                <a:latin typeface="Lucida Console" panose="020B0609040504020204" pitchFamily="49" charset="0"/>
+                <a:ea typeface="Calibri" panose="020F0502020204030204" pitchFamily="34" charset="0"/>
+                <a:cs typeface="Times New Roman" panose="02020603050405020304" pitchFamily="18" charset="0"/>
+              </a:rPr>
+              <a:t> </a:t>
+            </a:r>
+            <a:r>
+              <a:rPr lang="en-US" sz="1500" dirty="0" err="1" smtClean="0">
+                <a:effectLst/>
+                <a:latin typeface="Lucida Console" panose="020B0609040504020204" pitchFamily="49" charset="0"/>
+                <a:ea typeface="Calibri" panose="020F0502020204030204" pitchFamily="34" charset="0"/>
+                <a:cs typeface="Times New Roman" panose="02020603050405020304" pitchFamily="18" charset="0"/>
+              </a:rPr>
+              <a:t>z.hasTaxiQueue.hasTaxi</a:t>
+            </a:r>
+            <a:r>
+              <a:rPr lang="en-US" sz="1500" dirty="0" smtClean="0">
+                <a:effectLst/>
+                <a:latin typeface="Lucida Console" panose="020B0609040504020204" pitchFamily="49" charset="0"/>
+                <a:ea typeface="Calibri" panose="020F0502020204030204" pitchFamily="34" charset="0"/>
+                <a:cs typeface="Times New Roman" panose="02020603050405020304" pitchFamily="18" charset="0"/>
+              </a:rPr>
+              <a:t> </a:t>
+            </a:r>
+            <a:endParaRPr lang="it-IT" sz="1100" dirty="0" smtClean="0">
+              <a:effectLst/>
+              <a:latin typeface="Lucida Console" panose="020B0609040504020204" pitchFamily="49" charset="0"/>
+              <a:ea typeface="Calibri" panose="020F0502020204030204" pitchFamily="34" charset="0"/>
+              <a:cs typeface="Times New Roman" panose="02020603050405020304" pitchFamily="18" charset="0"/>
+            </a:endParaRPr>
+          </a:p>
+          <a:p>
+            <a:pPr>
+              <a:lnSpc>
+                <a:spcPct val="107000"/>
+              </a:lnSpc>
+              <a:spcAft>
+                <a:spcPts val="800"/>
+              </a:spcAft>
+            </a:pPr>
+            <a:r>
+              <a:rPr lang="en-US" sz="1500" dirty="0" smtClean="0">
+                <a:effectLst/>
+                <a:latin typeface="Lucida Console" panose="020B0609040504020204" pitchFamily="49" charset="0"/>
+                <a:ea typeface="Calibri" panose="020F0502020204030204" pitchFamily="34" charset="0"/>
+                <a:cs typeface="Times New Roman" panose="02020603050405020304" pitchFamily="18" charset="0"/>
+              </a:rPr>
+              <a:t>}</a:t>
+            </a:r>
+            <a:endParaRPr lang="it-IT" sz="1100" dirty="0" smtClean="0">
+              <a:effectLst/>
+              <a:latin typeface="Lucida Console" panose="020B0609040504020204" pitchFamily="49" charset="0"/>
+              <a:ea typeface="Calibri" panose="020F0502020204030204" pitchFamily="34" charset="0"/>
+              <a:cs typeface="Times New Roman" panose="02020603050405020304" pitchFamily="18" charset="0"/>
+            </a:endParaRPr>
+          </a:p>
+          <a:p>
+            <a:pPr>
+              <a:lnSpc>
+                <a:spcPct val="107000"/>
+              </a:lnSpc>
+            </a:pPr>
+            <a:r>
+              <a:rPr lang="en-US" sz="1500" dirty="0">
+                <a:solidFill>
+                  <a:srgbClr val="006600"/>
+                </a:solidFill>
+                <a:latin typeface="Lucida Console" panose="020B0609040504020204" pitchFamily="49" charset="0"/>
+                <a:ea typeface="Calibri" panose="020F0502020204030204" pitchFamily="34" charset="0"/>
+                <a:cs typeface="Times New Roman" panose="02020603050405020304" pitchFamily="18" charset="0"/>
+              </a:rPr>
+              <a:t>//There are no taxi without drivers</a:t>
+            </a:r>
+            <a:endParaRPr lang="it-IT" sz="1500" dirty="0">
+              <a:solidFill>
+                <a:srgbClr val="006600"/>
+              </a:solidFill>
+              <a:latin typeface="Lucida Console" panose="020B0609040504020204" pitchFamily="49" charset="0"/>
+              <a:ea typeface="Calibri" panose="020F0502020204030204" pitchFamily="34" charset="0"/>
+              <a:cs typeface="Times New Roman" panose="02020603050405020304" pitchFamily="18" charset="0"/>
+            </a:endParaRPr>
+          </a:p>
+          <a:p>
+            <a:pPr>
+              <a:lnSpc>
+                <a:spcPct val="107000"/>
+              </a:lnSpc>
+              <a:spcAft>
+                <a:spcPts val="0"/>
+              </a:spcAft>
+            </a:pPr>
+            <a:r>
+              <a:rPr lang="en-US" sz="1500" b="1" dirty="0" smtClean="0">
+                <a:solidFill>
+                  <a:srgbClr val="1F00DA"/>
+                </a:solidFill>
+                <a:effectLst/>
+                <a:latin typeface="Lucida Console" panose="020B0609040504020204" pitchFamily="49" charset="0"/>
+                <a:ea typeface="Calibri" panose="020F0502020204030204" pitchFamily="34" charset="0"/>
+                <a:cs typeface="Times New Roman" panose="02020603050405020304" pitchFamily="18" charset="0"/>
+              </a:rPr>
+              <a:t>assert</a:t>
+            </a:r>
+            <a:r>
+              <a:rPr lang="en-US" sz="1500" dirty="0" smtClean="0">
+                <a:effectLst/>
+                <a:latin typeface="Lucida Console" panose="020B0609040504020204" pitchFamily="49" charset="0"/>
+                <a:ea typeface="Calibri" panose="020F0502020204030204" pitchFamily="34" charset="0"/>
+                <a:cs typeface="Times New Roman" panose="02020603050405020304" pitchFamily="18" charset="0"/>
+              </a:rPr>
+              <a:t> </a:t>
+            </a:r>
+            <a:r>
+              <a:rPr lang="en-US" sz="1500" dirty="0" err="1" smtClean="0">
+                <a:effectLst/>
+                <a:latin typeface="Lucida Console" panose="020B0609040504020204" pitchFamily="49" charset="0"/>
+                <a:ea typeface="Calibri" panose="020F0502020204030204" pitchFamily="34" charset="0"/>
+                <a:cs typeface="Times New Roman" panose="02020603050405020304" pitchFamily="18" charset="0"/>
+              </a:rPr>
+              <a:t>noTaxiWithoutDrivers</a:t>
+            </a:r>
+            <a:r>
+              <a:rPr lang="en-US" sz="1500" dirty="0" smtClean="0">
+                <a:effectLst/>
+                <a:latin typeface="Lucida Console" panose="020B0609040504020204" pitchFamily="49" charset="0"/>
+                <a:ea typeface="Calibri" panose="020F0502020204030204" pitchFamily="34" charset="0"/>
+                <a:cs typeface="Times New Roman" panose="02020603050405020304" pitchFamily="18" charset="0"/>
+              </a:rPr>
+              <a:t>{</a:t>
+            </a:r>
+            <a:endParaRPr lang="it-IT" sz="1100" dirty="0" smtClean="0">
+              <a:effectLst/>
+              <a:latin typeface="Lucida Console" panose="020B0609040504020204" pitchFamily="49" charset="0"/>
+              <a:ea typeface="Calibri" panose="020F0502020204030204" pitchFamily="34" charset="0"/>
+              <a:cs typeface="Times New Roman" panose="02020603050405020304" pitchFamily="18" charset="0"/>
+            </a:endParaRPr>
+          </a:p>
+          <a:p>
+            <a:pPr>
+              <a:lnSpc>
+                <a:spcPct val="107000"/>
+              </a:lnSpc>
+              <a:spcAft>
+                <a:spcPts val="0"/>
+              </a:spcAft>
+            </a:pPr>
+            <a:r>
+              <a:rPr lang="en-US" sz="1500" dirty="0" smtClean="0">
+                <a:effectLst/>
+                <a:latin typeface="Lucida Console" panose="020B0609040504020204" pitchFamily="49" charset="0"/>
+                <a:ea typeface="Calibri" panose="020F0502020204030204" pitchFamily="34" charset="0"/>
+                <a:cs typeface="Times New Roman" panose="02020603050405020304" pitchFamily="18" charset="0"/>
+              </a:rPr>
+              <a:t>   </a:t>
+            </a:r>
+            <a:r>
+              <a:rPr lang="en-US" sz="1500" b="1" dirty="0" smtClean="0">
+                <a:solidFill>
+                  <a:srgbClr val="1F00DA"/>
+                </a:solidFill>
+                <a:effectLst/>
+                <a:latin typeface="Lucida Console" panose="020B0609040504020204" pitchFamily="49" charset="0"/>
+                <a:ea typeface="Calibri" panose="020F0502020204030204" pitchFamily="34" charset="0"/>
+                <a:cs typeface="Times New Roman" panose="02020603050405020304" pitchFamily="18" charset="0"/>
+              </a:rPr>
+              <a:t>all</a:t>
+            </a:r>
+            <a:r>
+              <a:rPr lang="en-US" sz="1500" dirty="0" smtClean="0">
+                <a:effectLst/>
+                <a:latin typeface="Lucida Console" panose="020B0609040504020204" pitchFamily="49" charset="0"/>
+                <a:ea typeface="Calibri" panose="020F0502020204030204" pitchFamily="34" charset="0"/>
+                <a:cs typeface="Times New Roman" panose="02020603050405020304" pitchFamily="18" charset="0"/>
+              </a:rPr>
+              <a:t> t:Taxi | </a:t>
+            </a:r>
+            <a:r>
+              <a:rPr lang="en-US" sz="1500" b="1" dirty="0" smtClean="0">
+                <a:solidFill>
+                  <a:srgbClr val="1F00DA"/>
+                </a:solidFill>
+                <a:effectLst/>
+                <a:latin typeface="Lucida Console" panose="020B0609040504020204" pitchFamily="49" charset="0"/>
+                <a:ea typeface="Calibri" panose="020F0502020204030204" pitchFamily="34" charset="0"/>
+                <a:cs typeface="Times New Roman" panose="02020603050405020304" pitchFamily="18" charset="0"/>
+              </a:rPr>
+              <a:t>one</a:t>
+            </a:r>
+            <a:r>
+              <a:rPr lang="en-US" sz="1500" dirty="0" smtClean="0">
+                <a:effectLst/>
+                <a:latin typeface="Lucida Console" panose="020B0609040504020204" pitchFamily="49" charset="0"/>
+                <a:ea typeface="Calibri" panose="020F0502020204030204" pitchFamily="34" charset="0"/>
+                <a:cs typeface="Times New Roman" panose="02020603050405020304" pitchFamily="18" charset="0"/>
+              </a:rPr>
+              <a:t> d:TaxiDriver | </a:t>
+            </a:r>
+            <a:r>
+              <a:rPr lang="en-US" sz="1500" dirty="0" err="1" smtClean="0">
+                <a:effectLst/>
+                <a:latin typeface="Lucida Console" panose="020B0609040504020204" pitchFamily="49" charset="0"/>
+                <a:ea typeface="Calibri" panose="020F0502020204030204" pitchFamily="34" charset="0"/>
+                <a:cs typeface="Times New Roman" panose="02020603050405020304" pitchFamily="18" charset="0"/>
+              </a:rPr>
+              <a:t>d.taxi</a:t>
+            </a:r>
+            <a:r>
+              <a:rPr lang="en-US" sz="1500" dirty="0" smtClean="0">
+                <a:effectLst/>
+                <a:latin typeface="Lucida Console" panose="020B0609040504020204" pitchFamily="49" charset="0"/>
+                <a:ea typeface="Calibri" panose="020F0502020204030204" pitchFamily="34" charset="0"/>
+                <a:cs typeface="Times New Roman" panose="02020603050405020304" pitchFamily="18" charset="0"/>
+              </a:rPr>
+              <a:t>=t</a:t>
+            </a:r>
+            <a:endParaRPr lang="it-IT" sz="1100" dirty="0" smtClean="0">
+              <a:effectLst/>
+              <a:latin typeface="Lucida Console" panose="020B0609040504020204" pitchFamily="49" charset="0"/>
+              <a:ea typeface="Calibri" panose="020F0502020204030204" pitchFamily="34" charset="0"/>
+              <a:cs typeface="Times New Roman" panose="02020603050405020304" pitchFamily="18" charset="0"/>
+            </a:endParaRPr>
+          </a:p>
+          <a:p>
+            <a:pPr>
+              <a:lnSpc>
+                <a:spcPct val="107000"/>
+              </a:lnSpc>
+              <a:spcAft>
+                <a:spcPts val="800"/>
+              </a:spcAft>
+            </a:pPr>
+            <a:r>
+              <a:rPr lang="en-US" sz="1500" dirty="0" smtClean="0">
+                <a:effectLst/>
+                <a:latin typeface="Lucida Console" panose="020B0609040504020204" pitchFamily="49" charset="0"/>
+                <a:ea typeface="Calibri" panose="020F0502020204030204" pitchFamily="34" charset="0"/>
+                <a:cs typeface="Times New Roman" panose="02020603050405020304" pitchFamily="18" charset="0"/>
+              </a:rPr>
+              <a:t>}</a:t>
+            </a:r>
+          </a:p>
+          <a:p>
+            <a:pPr>
+              <a:lnSpc>
+                <a:spcPct val="107000"/>
+              </a:lnSpc>
+              <a:spcAft>
+                <a:spcPts val="800"/>
+              </a:spcAft>
+            </a:pPr>
+            <a:endParaRPr lang="it-IT" sz="1100" dirty="0" smtClean="0">
+              <a:effectLst/>
+              <a:latin typeface="Lucida Console" panose="020B0609040504020204" pitchFamily="49" charset="0"/>
+              <a:ea typeface="Calibri" panose="020F0502020204030204" pitchFamily="34" charset="0"/>
+              <a:cs typeface="Times New Roman" panose="02020603050405020304" pitchFamily="18" charset="0"/>
+            </a:endParaRPr>
+          </a:p>
+          <a:p>
+            <a:pPr>
+              <a:lnSpc>
+                <a:spcPct val="107000"/>
+              </a:lnSpc>
+            </a:pPr>
+            <a:r>
+              <a:rPr lang="en-US" sz="1500" dirty="0">
+                <a:solidFill>
+                  <a:srgbClr val="006600"/>
+                </a:solidFill>
+                <a:latin typeface="Lucida Console" panose="020B0609040504020204" pitchFamily="49" charset="0"/>
+                <a:ea typeface="Calibri" panose="020F0502020204030204" pitchFamily="34" charset="0"/>
+                <a:cs typeface="Times New Roman" panose="02020603050405020304" pitchFamily="18" charset="0"/>
+              </a:rPr>
+              <a:t>//There are no drivers without taxi</a:t>
+            </a:r>
+            <a:endParaRPr lang="it-IT" sz="1500" dirty="0">
+              <a:solidFill>
+                <a:srgbClr val="006600"/>
+              </a:solidFill>
+              <a:latin typeface="Lucida Console" panose="020B0609040504020204" pitchFamily="49" charset="0"/>
+              <a:ea typeface="Calibri" panose="020F0502020204030204" pitchFamily="34" charset="0"/>
+              <a:cs typeface="Times New Roman" panose="02020603050405020304" pitchFamily="18" charset="0"/>
+            </a:endParaRPr>
+          </a:p>
+          <a:p>
+            <a:pPr>
+              <a:lnSpc>
+                <a:spcPct val="107000"/>
+              </a:lnSpc>
+              <a:spcAft>
+                <a:spcPts val="0"/>
+              </a:spcAft>
+            </a:pPr>
+            <a:r>
+              <a:rPr lang="en-US" sz="1500" b="1" dirty="0" smtClean="0">
+                <a:solidFill>
+                  <a:srgbClr val="1F00DA"/>
+                </a:solidFill>
+                <a:effectLst/>
+                <a:latin typeface="Lucida Console" panose="020B0609040504020204" pitchFamily="49" charset="0"/>
+                <a:ea typeface="Calibri" panose="020F0502020204030204" pitchFamily="34" charset="0"/>
+                <a:cs typeface="Times New Roman" panose="02020603050405020304" pitchFamily="18" charset="0"/>
+              </a:rPr>
+              <a:t>assert</a:t>
+            </a:r>
+            <a:r>
+              <a:rPr lang="en-US" sz="1500" dirty="0" smtClean="0">
+                <a:effectLst/>
+                <a:latin typeface="Lucida Console" panose="020B0609040504020204" pitchFamily="49" charset="0"/>
+                <a:ea typeface="Calibri" panose="020F0502020204030204" pitchFamily="34" charset="0"/>
+                <a:cs typeface="Times New Roman" panose="02020603050405020304" pitchFamily="18" charset="0"/>
+              </a:rPr>
+              <a:t> </a:t>
+            </a:r>
+            <a:r>
+              <a:rPr lang="en-US" sz="1500" dirty="0" err="1" smtClean="0">
+                <a:effectLst/>
+                <a:latin typeface="Lucida Console" panose="020B0609040504020204" pitchFamily="49" charset="0"/>
+                <a:ea typeface="Calibri" panose="020F0502020204030204" pitchFamily="34" charset="0"/>
+                <a:cs typeface="Times New Roman" panose="02020603050405020304" pitchFamily="18" charset="0"/>
+              </a:rPr>
+              <a:t>noDriversWithoutTaxi</a:t>
+            </a:r>
+            <a:r>
+              <a:rPr lang="en-US" sz="1500" dirty="0" smtClean="0">
+                <a:effectLst/>
+                <a:latin typeface="Lucida Console" panose="020B0609040504020204" pitchFamily="49" charset="0"/>
+                <a:ea typeface="Calibri" panose="020F0502020204030204" pitchFamily="34" charset="0"/>
+                <a:cs typeface="Times New Roman" panose="02020603050405020304" pitchFamily="18" charset="0"/>
+              </a:rPr>
+              <a:t>{</a:t>
+            </a:r>
+            <a:endParaRPr lang="it-IT" sz="1100" dirty="0" smtClean="0">
+              <a:effectLst/>
+              <a:latin typeface="Lucida Console" panose="020B0609040504020204" pitchFamily="49" charset="0"/>
+              <a:ea typeface="Calibri" panose="020F0502020204030204" pitchFamily="34" charset="0"/>
+              <a:cs typeface="Times New Roman" panose="02020603050405020304" pitchFamily="18" charset="0"/>
+            </a:endParaRPr>
+          </a:p>
+          <a:p>
+            <a:pPr>
+              <a:lnSpc>
+                <a:spcPct val="107000"/>
+              </a:lnSpc>
+              <a:spcAft>
+                <a:spcPts val="0"/>
+              </a:spcAft>
+            </a:pPr>
+            <a:r>
+              <a:rPr lang="en-US" sz="1500" dirty="0" smtClean="0">
+                <a:effectLst/>
+                <a:latin typeface="Lucida Console" panose="020B0609040504020204" pitchFamily="49" charset="0"/>
+                <a:ea typeface="Calibri" panose="020F0502020204030204" pitchFamily="34" charset="0"/>
+                <a:cs typeface="Times New Roman" panose="02020603050405020304" pitchFamily="18" charset="0"/>
+              </a:rPr>
+              <a:t>  </a:t>
+            </a:r>
+            <a:r>
+              <a:rPr lang="en-US" sz="1500" b="1" dirty="0" smtClean="0">
+                <a:solidFill>
+                  <a:srgbClr val="1F00DA"/>
+                </a:solidFill>
+                <a:effectLst/>
+                <a:latin typeface="Lucida Console" panose="020B0609040504020204" pitchFamily="49" charset="0"/>
+                <a:ea typeface="Calibri" panose="020F0502020204030204" pitchFamily="34" charset="0"/>
+                <a:cs typeface="Times New Roman" panose="02020603050405020304" pitchFamily="18" charset="0"/>
+              </a:rPr>
+              <a:t>all</a:t>
+            </a:r>
+            <a:r>
+              <a:rPr lang="en-US" sz="1500" dirty="0" smtClean="0">
+                <a:effectLst/>
+                <a:latin typeface="Lucida Console" panose="020B0609040504020204" pitchFamily="49" charset="0"/>
+                <a:ea typeface="Calibri" panose="020F0502020204030204" pitchFamily="34" charset="0"/>
+                <a:cs typeface="Times New Roman" panose="02020603050405020304" pitchFamily="18" charset="0"/>
+              </a:rPr>
+              <a:t> d:TaxiDriver | </a:t>
+            </a:r>
+            <a:r>
+              <a:rPr lang="en-US" sz="1500" b="1" dirty="0" smtClean="0">
+                <a:solidFill>
+                  <a:srgbClr val="1F00DA"/>
+                </a:solidFill>
+                <a:effectLst/>
+                <a:latin typeface="Lucida Console" panose="020B0609040504020204" pitchFamily="49" charset="0"/>
+                <a:ea typeface="Calibri" panose="020F0502020204030204" pitchFamily="34" charset="0"/>
+                <a:cs typeface="Times New Roman" panose="02020603050405020304" pitchFamily="18" charset="0"/>
+              </a:rPr>
+              <a:t>one</a:t>
+            </a:r>
+            <a:r>
+              <a:rPr lang="en-US" sz="1500" dirty="0" smtClean="0">
+                <a:effectLst/>
+                <a:latin typeface="Lucida Console" panose="020B0609040504020204" pitchFamily="49" charset="0"/>
+                <a:ea typeface="Calibri" panose="020F0502020204030204" pitchFamily="34" charset="0"/>
+                <a:cs typeface="Times New Roman" panose="02020603050405020304" pitchFamily="18" charset="0"/>
+              </a:rPr>
+              <a:t> t:Taxi | </a:t>
+            </a:r>
+            <a:r>
+              <a:rPr lang="en-US" sz="1500" dirty="0" err="1" smtClean="0">
+                <a:effectLst/>
+                <a:latin typeface="Lucida Console" panose="020B0609040504020204" pitchFamily="49" charset="0"/>
+                <a:ea typeface="Calibri" panose="020F0502020204030204" pitchFamily="34" charset="0"/>
+                <a:cs typeface="Times New Roman" panose="02020603050405020304" pitchFamily="18" charset="0"/>
+              </a:rPr>
+              <a:t>d.taxi</a:t>
+            </a:r>
+            <a:r>
+              <a:rPr lang="en-US" sz="1500" dirty="0" smtClean="0">
+                <a:effectLst/>
+                <a:latin typeface="Lucida Console" panose="020B0609040504020204" pitchFamily="49" charset="0"/>
+                <a:ea typeface="Calibri" panose="020F0502020204030204" pitchFamily="34" charset="0"/>
+                <a:cs typeface="Times New Roman" panose="02020603050405020304" pitchFamily="18" charset="0"/>
+              </a:rPr>
+              <a:t>=t</a:t>
+            </a:r>
+            <a:endParaRPr lang="it-IT" sz="1100" dirty="0" smtClean="0">
+              <a:effectLst/>
+              <a:latin typeface="Lucida Console" panose="020B0609040504020204" pitchFamily="49" charset="0"/>
+              <a:ea typeface="Calibri" panose="020F0502020204030204" pitchFamily="34" charset="0"/>
+              <a:cs typeface="Times New Roman" panose="02020603050405020304" pitchFamily="18" charset="0"/>
+            </a:endParaRPr>
+          </a:p>
+          <a:p>
+            <a:pPr>
+              <a:lnSpc>
+                <a:spcPct val="107000"/>
+              </a:lnSpc>
+              <a:spcAft>
+                <a:spcPts val="800"/>
+              </a:spcAft>
+            </a:pPr>
+            <a:r>
+              <a:rPr lang="en-US" sz="1500" dirty="0" smtClean="0">
+                <a:effectLst/>
+                <a:latin typeface="Lucida Console" panose="020B0609040504020204" pitchFamily="49" charset="0"/>
+                <a:ea typeface="Calibri" panose="020F0502020204030204" pitchFamily="34" charset="0"/>
+                <a:cs typeface="Times New Roman" panose="02020603050405020304" pitchFamily="18" charset="0"/>
+              </a:rPr>
+              <a:t>}</a:t>
+            </a:r>
+            <a:endParaRPr lang="it-IT" sz="1100" dirty="0" smtClean="0">
+              <a:effectLst/>
+              <a:latin typeface="Lucida Console" panose="020B0609040504020204" pitchFamily="49" charset="0"/>
+              <a:ea typeface="Calibri" panose="020F0502020204030204" pitchFamily="34" charset="0"/>
+              <a:cs typeface="Times New Roman" panose="02020603050405020304" pitchFamily="18" charset="0"/>
+            </a:endParaRPr>
+          </a:p>
+          <a:p>
+            <a:pPr>
+              <a:lnSpc>
+                <a:spcPct val="107000"/>
+              </a:lnSpc>
+            </a:pPr>
+            <a:r>
+              <a:rPr lang="en-US" sz="1500" dirty="0">
+                <a:solidFill>
+                  <a:srgbClr val="006600"/>
+                </a:solidFill>
+                <a:latin typeface="Lucida Console" panose="020B0609040504020204" pitchFamily="49" charset="0"/>
+                <a:ea typeface="Calibri" panose="020F0502020204030204" pitchFamily="34" charset="0"/>
+                <a:cs typeface="Times New Roman" panose="02020603050405020304" pitchFamily="18" charset="0"/>
+              </a:rPr>
+              <a:t>// no ride without customers</a:t>
+            </a:r>
+            <a:endParaRPr lang="it-IT" sz="1500" dirty="0">
+              <a:solidFill>
+                <a:srgbClr val="006600"/>
+              </a:solidFill>
+              <a:latin typeface="Lucida Console" panose="020B0609040504020204" pitchFamily="49" charset="0"/>
+              <a:ea typeface="Calibri" panose="020F0502020204030204" pitchFamily="34" charset="0"/>
+              <a:cs typeface="Times New Roman" panose="02020603050405020304" pitchFamily="18" charset="0"/>
+            </a:endParaRPr>
+          </a:p>
+          <a:p>
+            <a:pPr>
+              <a:lnSpc>
+                <a:spcPct val="107000"/>
+              </a:lnSpc>
+              <a:spcAft>
+                <a:spcPts val="0"/>
+              </a:spcAft>
+            </a:pPr>
+            <a:r>
+              <a:rPr lang="en-US" sz="1500" b="1" dirty="0" smtClean="0">
+                <a:solidFill>
+                  <a:srgbClr val="1F00DA"/>
+                </a:solidFill>
+                <a:effectLst/>
+                <a:latin typeface="Lucida Console" panose="020B0609040504020204" pitchFamily="49" charset="0"/>
+                <a:ea typeface="Calibri" panose="020F0502020204030204" pitchFamily="34" charset="0"/>
+                <a:cs typeface="Times New Roman" panose="02020603050405020304" pitchFamily="18" charset="0"/>
+              </a:rPr>
+              <a:t>assert</a:t>
+            </a:r>
+            <a:r>
+              <a:rPr lang="en-US" sz="1500" dirty="0" smtClean="0">
+                <a:effectLst/>
+                <a:latin typeface="Lucida Console" panose="020B0609040504020204" pitchFamily="49" charset="0"/>
+                <a:ea typeface="Calibri" panose="020F0502020204030204" pitchFamily="34" charset="0"/>
+                <a:cs typeface="Times New Roman" panose="02020603050405020304" pitchFamily="18" charset="0"/>
+              </a:rPr>
+              <a:t> </a:t>
+            </a:r>
+            <a:r>
+              <a:rPr lang="en-US" sz="1500" dirty="0" err="1" smtClean="0">
+                <a:effectLst/>
+                <a:latin typeface="Lucida Console" panose="020B0609040504020204" pitchFamily="49" charset="0"/>
+                <a:ea typeface="Calibri" panose="020F0502020204030204" pitchFamily="34" charset="0"/>
+                <a:cs typeface="Times New Roman" panose="02020603050405020304" pitchFamily="18" charset="0"/>
+              </a:rPr>
+              <a:t>noRideWithoutCustomer</a:t>
+            </a:r>
+            <a:r>
+              <a:rPr lang="en-US" sz="1500" dirty="0" smtClean="0">
+                <a:effectLst/>
+                <a:latin typeface="Lucida Console" panose="020B0609040504020204" pitchFamily="49" charset="0"/>
+                <a:ea typeface="Calibri" panose="020F0502020204030204" pitchFamily="34" charset="0"/>
+                <a:cs typeface="Times New Roman" panose="02020603050405020304" pitchFamily="18" charset="0"/>
+              </a:rPr>
+              <a:t>{</a:t>
+            </a:r>
+            <a:endParaRPr lang="it-IT" sz="1100" dirty="0" smtClean="0">
+              <a:effectLst/>
+              <a:latin typeface="Lucida Console" panose="020B0609040504020204" pitchFamily="49" charset="0"/>
+              <a:ea typeface="Calibri" panose="020F0502020204030204" pitchFamily="34" charset="0"/>
+              <a:cs typeface="Times New Roman" panose="02020603050405020304" pitchFamily="18" charset="0"/>
+            </a:endParaRPr>
+          </a:p>
+          <a:p>
+            <a:pPr>
+              <a:lnSpc>
+                <a:spcPct val="107000"/>
+              </a:lnSpc>
+              <a:spcAft>
+                <a:spcPts val="0"/>
+              </a:spcAft>
+            </a:pPr>
+            <a:r>
+              <a:rPr lang="en-US" sz="1500" dirty="0" smtClean="0">
+                <a:effectLst/>
+                <a:latin typeface="Lucida Console" panose="020B0609040504020204" pitchFamily="49" charset="0"/>
+                <a:ea typeface="Calibri" panose="020F0502020204030204" pitchFamily="34" charset="0"/>
+                <a:cs typeface="Times New Roman" panose="02020603050405020304" pitchFamily="18" charset="0"/>
+              </a:rPr>
+              <a:t>  </a:t>
+            </a:r>
+            <a:r>
+              <a:rPr lang="en-US" sz="1500" b="1" dirty="0" smtClean="0">
+                <a:solidFill>
+                  <a:srgbClr val="1F00DA"/>
+                </a:solidFill>
+                <a:effectLst/>
+                <a:latin typeface="Lucida Console" panose="020B0609040504020204" pitchFamily="49" charset="0"/>
+                <a:ea typeface="Calibri" panose="020F0502020204030204" pitchFamily="34" charset="0"/>
+                <a:cs typeface="Times New Roman" panose="02020603050405020304" pitchFamily="18" charset="0"/>
+              </a:rPr>
+              <a:t>all</a:t>
+            </a:r>
+            <a:r>
+              <a:rPr lang="en-US" sz="1500" dirty="0" smtClean="0">
+                <a:effectLst/>
+                <a:latin typeface="Lucida Console" panose="020B0609040504020204" pitchFamily="49" charset="0"/>
+                <a:ea typeface="Calibri" panose="020F0502020204030204" pitchFamily="34" charset="0"/>
+                <a:cs typeface="Times New Roman" panose="02020603050405020304" pitchFamily="18" charset="0"/>
+              </a:rPr>
+              <a:t> r:TaxiRide | </a:t>
+            </a:r>
+            <a:r>
+              <a:rPr lang="en-US" sz="1500" b="1" dirty="0" smtClean="0">
+                <a:solidFill>
+                  <a:srgbClr val="1F00DA"/>
+                </a:solidFill>
+                <a:effectLst/>
+                <a:latin typeface="Lucida Console" panose="020B0609040504020204" pitchFamily="49" charset="0"/>
+                <a:ea typeface="Calibri" panose="020F0502020204030204" pitchFamily="34" charset="0"/>
+                <a:cs typeface="Times New Roman" panose="02020603050405020304" pitchFamily="18" charset="0"/>
+              </a:rPr>
+              <a:t>one</a:t>
+            </a:r>
+            <a:r>
+              <a:rPr lang="en-US" sz="1500" dirty="0" smtClean="0">
+                <a:effectLst/>
+                <a:latin typeface="Lucida Console" panose="020B0609040504020204" pitchFamily="49" charset="0"/>
+                <a:ea typeface="Calibri" panose="020F0502020204030204" pitchFamily="34" charset="0"/>
+                <a:cs typeface="Times New Roman" panose="02020603050405020304" pitchFamily="18" charset="0"/>
+              </a:rPr>
+              <a:t> c:Customer| </a:t>
+            </a:r>
+            <a:r>
+              <a:rPr lang="en-US" sz="1500" dirty="0" err="1" smtClean="0">
+                <a:effectLst/>
+                <a:latin typeface="Lucida Console" panose="020B0609040504020204" pitchFamily="49" charset="0"/>
+                <a:ea typeface="Calibri" panose="020F0502020204030204" pitchFamily="34" charset="0"/>
+                <a:cs typeface="Times New Roman" panose="02020603050405020304" pitchFamily="18" charset="0"/>
+              </a:rPr>
+              <a:t>r.hasCustomer</a:t>
+            </a:r>
+            <a:r>
+              <a:rPr lang="en-US" sz="1500" dirty="0" smtClean="0">
+                <a:effectLst/>
+                <a:latin typeface="Lucida Console" panose="020B0609040504020204" pitchFamily="49" charset="0"/>
+                <a:ea typeface="Calibri" panose="020F0502020204030204" pitchFamily="34" charset="0"/>
+                <a:cs typeface="Times New Roman" panose="02020603050405020304" pitchFamily="18" charset="0"/>
+              </a:rPr>
+              <a:t> = c</a:t>
+            </a:r>
+            <a:endParaRPr lang="it-IT" sz="1100" dirty="0" smtClean="0">
+              <a:effectLst/>
+              <a:latin typeface="Lucida Console" panose="020B0609040504020204" pitchFamily="49" charset="0"/>
+              <a:ea typeface="Calibri" panose="020F0502020204030204" pitchFamily="34" charset="0"/>
+              <a:cs typeface="Times New Roman" panose="02020603050405020304" pitchFamily="18" charset="0"/>
+            </a:endParaRPr>
+          </a:p>
+          <a:p>
+            <a:pPr>
+              <a:lnSpc>
+                <a:spcPct val="107000"/>
+              </a:lnSpc>
+              <a:spcAft>
+                <a:spcPts val="800"/>
+              </a:spcAft>
+            </a:pPr>
+            <a:r>
+              <a:rPr lang="en-US" sz="1500" dirty="0" smtClean="0">
+                <a:effectLst/>
+                <a:latin typeface="Lucida Console" panose="020B0609040504020204" pitchFamily="49" charset="0"/>
+                <a:ea typeface="Calibri" panose="020F0502020204030204" pitchFamily="34" charset="0"/>
+                <a:cs typeface="Times New Roman" panose="02020603050405020304" pitchFamily="18" charset="0"/>
+              </a:rPr>
+              <a:t>}</a:t>
+            </a:r>
+            <a:endParaRPr lang="it-IT" sz="1100" dirty="0" smtClean="0">
+              <a:effectLst/>
+              <a:latin typeface="Lucida Console" panose="020B0609040504020204" pitchFamily="49" charset="0"/>
+              <a:ea typeface="Calibri" panose="020F0502020204030204" pitchFamily="34" charset="0"/>
+              <a:cs typeface="Times New Roman" panose="02020603050405020304" pitchFamily="18" charset="0"/>
+            </a:endParaRPr>
+          </a:p>
+        </p:txBody>
+      </p:sp>
+    </p:spTree>
+    <p:extLst>
+      <p:ext uri="{BB962C8B-B14F-4D97-AF65-F5344CB8AC3E}">
+        <p14:creationId xmlns:p14="http://schemas.microsoft.com/office/powerpoint/2010/main" val="3055592451"/>
+      </p:ext>
+    </p:extLst>
+  </p:cSld>
+  <p:clrMapOvr>
+    <a:masterClrMapping/>
+  </p:clrMapOvr>
+  <p:timing>
+    <p:tnLst>
+      <p:par>
+        <p:cTn id="1" dur="indefinite" restart="never" nodeType="tmRoot">
+          <p:childTnLst>
+            <p:seq concurrent="1" nextAc="seek">
+              <p:cTn id="2" dur="indefinite" nodeType="mainSeq">
+                <p:childTnLst>
+                  <p:par>
+                    <p:cTn id="3" fill="hold">
+                      <p:stCondLst>
+                        <p:cond delay="indefinite"/>
+                      </p:stCondLst>
+                      <p:childTnLst>
+                        <p:par>
+                          <p:cTn id="4" fill="hold">
+                            <p:stCondLst>
+                              <p:cond delay="0"/>
+                            </p:stCondLst>
+                            <p:childTnLst>
+                              <p:par>
+                                <p:cTn id="5" presetID="10" presetClass="entr" presetSubtype="0" fill="hold" grpId="0" nodeType="clickEffect">
+                                  <p:stCondLst>
+                                    <p:cond delay="0"/>
+                                  </p:stCondLst>
+                                  <p:childTnLst>
+                                    <p:set>
+                                      <p:cBhvr>
+                                        <p:cTn id="6" dur="1" fill="hold">
+                                          <p:stCondLst>
+                                            <p:cond delay="0"/>
+                                          </p:stCondLst>
+                                        </p:cTn>
+                                        <p:tgtEl>
+                                          <p:spTgt spid="3"/>
+                                        </p:tgtEl>
+                                        <p:attrNameLst>
+                                          <p:attrName>style.visibility</p:attrName>
+                                        </p:attrNameLst>
+                                      </p:cBhvr>
+                                      <p:to>
+                                        <p:strVal val="visible"/>
+                                      </p:to>
+                                    </p:set>
+                                    <p:animEffect transition="in" filter="fade">
+                                      <p:cBhvr>
+                                        <p:cTn id="7" dur="500"/>
+                                        <p:tgtEl>
+                                          <p:spTgt spid="3"/>
+                                        </p:tgtEl>
+                                      </p:cBhvr>
+                                    </p:animEffect>
+                                  </p:childTnLst>
+                                </p:cTn>
+                              </p:par>
+                            </p:childTnLst>
+                          </p:cTn>
+                        </p:par>
+                      </p:childTnLst>
+                    </p:cTn>
+                  </p:par>
+                </p:childTnLst>
+              </p:cTn>
+              <p:prevCondLst>
+                <p:cond evt="onPrev" delay="0">
+                  <p:tgtEl>
+                    <p:sldTgt/>
+                  </p:tgtEl>
+                </p:cond>
+              </p:prevCondLst>
+              <p:nextCondLst>
+                <p:cond evt="onNext" delay="0">
+                  <p:tgtEl>
+                    <p:sldTgt/>
+                  </p:tgtEl>
+                </p:cond>
+              </p:nextCondLst>
+            </p:seq>
+          </p:childTnLst>
+        </p:cTn>
+      </p:par>
+    </p:tnLst>
+    <p:bldLst>
+      <p:bldP spid="3" grpId="0"/>
+    </p:bldLst>
+  </p:timing>
+</p:sld>
+</file>
+
+<file path=ppt/slides/slide17.xml><?xml version="1.0" encoding="utf-8"?>
+<p:sld xmlns:a="http://schemas.openxmlformats.org/drawingml/2006/main" xmlns:r="http://schemas.openxmlformats.org/officeDocument/2006/relationships" xmlns:p="http://schemas.openxmlformats.org/presentationml/2006/main">
+  <p:cSld>
+    <p:spTree>
+      <p:nvGrpSpPr>
+        <p:cNvPr id="1" name=""/>
+        <p:cNvGrpSpPr/>
+        <p:nvPr/>
+      </p:nvGrpSpPr>
+      <p:grpSpPr>
+        <a:xfrm>
+          <a:off x="0" y="0"/>
+          <a:ext cx="0" cy="0"/>
+          <a:chOff x="0" y="0"/>
+          <a:chExt cx="0" cy="0"/>
+        </a:xfrm>
+      </p:grpSpPr>
+      <p:sp>
+        <p:nvSpPr>
+          <p:cNvPr id="2" name="Titolo 1"/>
+          <p:cNvSpPr txBox="1">
+            <a:spLocks/>
+          </p:cNvSpPr>
+          <p:nvPr/>
+        </p:nvSpPr>
+        <p:spPr>
+          <a:xfrm>
+            <a:off x="759278" y="556499"/>
+            <a:ext cx="7886700" cy="1028461"/>
+          </a:xfrm>
+          <a:prstGeom prst="rect">
+            <a:avLst/>
+          </a:prstGeom>
+        </p:spPr>
+        <p:txBody>
+          <a:bodyPr>
+            <a:normAutofit/>
+          </a:bodyPr>
+          <a:lstStyle>
+            <a:lvl1pPr algn="l" defTabSz="914400" rtl="0" eaLnBrk="1" latinLnBrk="0" hangingPunct="1">
+              <a:lnSpc>
+                <a:spcPct val="90000"/>
+              </a:lnSpc>
+              <a:spcBef>
+                <a:spcPct val="0"/>
+              </a:spcBef>
+              <a:buNone/>
+              <a:defRPr sz="4400" kern="1200">
+                <a:solidFill>
+                  <a:schemeClr val="tx1"/>
+                </a:solidFill>
+                <a:latin typeface="+mj-lt"/>
+                <a:ea typeface="+mj-ea"/>
+                <a:cs typeface="+mj-cs"/>
+              </a:defRPr>
+            </a:lvl1pPr>
+          </a:lstStyle>
+          <a:p>
+            <a:pPr algn="ctr"/>
+            <a:r>
+              <a:rPr lang="en-US" sz="4000" b="1" spc="-113" dirty="0" smtClean="0">
+                <a:effectLst>
+                  <a:outerShdw blurRad="38100" dist="38100" dir="2700000" algn="tl">
+                    <a:srgbClr val="000000">
+                      <a:alpha val="43137"/>
+                    </a:srgbClr>
+                  </a:outerShdw>
+                </a:effectLst>
+                <a:latin typeface="Georgia" panose="02040502050405020303" pitchFamily="18" charset="0"/>
+              </a:rPr>
+              <a:t>Alloy - Worlds</a:t>
+            </a:r>
+            <a:endParaRPr lang="en-US" sz="4000" b="1" spc="-113" dirty="0">
+              <a:effectLst>
+                <a:outerShdw blurRad="38100" dist="38100" dir="2700000" algn="tl">
+                  <a:srgbClr val="000000">
+                    <a:alpha val="43137"/>
+                  </a:srgbClr>
+                </a:outerShdw>
+              </a:effectLst>
+              <a:latin typeface="Georgia" panose="02040502050405020303" pitchFamily="18" charset="0"/>
+            </a:endParaRPr>
+          </a:p>
+        </p:txBody>
+      </p:sp>
+      <p:sp>
+        <p:nvSpPr>
+          <p:cNvPr id="3" name="Rettangolo 2"/>
+          <p:cNvSpPr/>
+          <p:nvPr/>
+        </p:nvSpPr>
+        <p:spPr>
+          <a:xfrm>
+            <a:off x="85725" y="1319429"/>
+            <a:ext cx="8560253" cy="388696"/>
+          </a:xfrm>
+          <a:prstGeom prst="rect">
+            <a:avLst/>
+          </a:prstGeom>
+        </p:spPr>
+        <p:txBody>
+          <a:bodyPr wrap="square">
+            <a:spAutoFit/>
+          </a:bodyPr>
+          <a:lstStyle/>
+          <a:p>
+            <a:pPr marL="449580" algn="just">
+              <a:lnSpc>
+                <a:spcPct val="107000"/>
+              </a:lnSpc>
+              <a:spcAft>
+                <a:spcPts val="800"/>
+              </a:spcAft>
+            </a:pPr>
+            <a:r>
+              <a:rPr lang="en-US" dirty="0" smtClean="0">
+                <a:effectLst/>
+                <a:latin typeface="Georgia" panose="02040502050405020303" pitchFamily="18" charset="0"/>
+                <a:ea typeface="Calibri" panose="020F0502020204030204" pitchFamily="34" charset="0"/>
+                <a:cs typeface="Arial" panose="020B0604020202020204" pitchFamily="34" charset="0"/>
+              </a:rPr>
+              <a:t>This is a possible world with two taxi rides, a single taxi driver and a customer. </a:t>
+            </a:r>
+            <a:endParaRPr lang="it-IT" dirty="0">
+              <a:effectLst/>
+              <a:latin typeface="Georgia" panose="02040502050405020303" pitchFamily="18" charset="0"/>
+              <a:ea typeface="Calibri" panose="020F0502020204030204" pitchFamily="34" charset="0"/>
+              <a:cs typeface="Arial" panose="020B0604020202020204" pitchFamily="34" charset="0"/>
+            </a:endParaRPr>
+          </a:p>
+        </p:txBody>
+      </p:sp>
+      <p:pic>
+        <p:nvPicPr>
+          <p:cNvPr id="4" name="Immagine 3" descr="C:\Users\Alessandro\Desktop\Ale\GitHubSynch\myTaxyService-SE2-PozziRomani\OtherStuff\Alloy images\world 1 (1 customer, 1 driver, 2 ride).png"/>
+          <p:cNvPicPr/>
+          <p:nvPr/>
+        </p:nvPicPr>
+        <p:blipFill rotWithShape="1">
+          <a:blip r:embed="rId2">
+            <a:extLst>
+              <a:ext uri="{28A0092B-C50C-407E-A947-70E740481C1C}">
+                <a14:useLocalDpi xmlns:a14="http://schemas.microsoft.com/office/drawing/2010/main" val="0"/>
+              </a:ext>
+            </a:extLst>
+          </a:blip>
+          <a:srcRect l="9423" r="6951"/>
+          <a:stretch/>
+        </p:blipFill>
+        <p:spPr bwMode="auto">
+          <a:xfrm>
+            <a:off x="-27392" y="1988623"/>
+            <a:ext cx="9171392" cy="4555052"/>
+          </a:xfrm>
+          <a:prstGeom prst="rect">
+            <a:avLst/>
+          </a:prstGeom>
+          <a:noFill/>
+          <a:ln>
+            <a:noFill/>
+          </a:ln>
+          <a:extLst>
+            <a:ext uri="{53640926-AAD7-44D8-BBD7-CCE9431645EC}">
+              <a14:shadowObscured xmlns:a14="http://schemas.microsoft.com/office/drawing/2010/main"/>
+            </a:ext>
+          </a:extLst>
+        </p:spPr>
+      </p:pic>
+    </p:spTree>
+    <p:extLst>
+      <p:ext uri="{BB962C8B-B14F-4D97-AF65-F5344CB8AC3E}">
+        <p14:creationId xmlns:p14="http://schemas.microsoft.com/office/powerpoint/2010/main" val="912270734"/>
+      </p:ext>
+    </p:extLst>
+  </p:cSld>
+  <p:clrMapOvr>
+    <a:masterClrMapping/>
+  </p:clrMapOvr>
+  <p:timing>
+    <p:tnLst>
+      <p:par>
+        <p:cTn id="1" dur="indefinite" restart="never" nodeType="tmRoot">
+          <p:childTnLst>
+            <p:seq concurrent="1" nextAc="seek">
+              <p:cTn id="2" dur="indefinite" nodeType="mainSeq">
+                <p:childTnLst>
+                  <p:par>
+                    <p:cTn id="3" fill="hold">
+                      <p:stCondLst>
+                        <p:cond delay="indefinite"/>
+                      </p:stCondLst>
+                      <p:childTnLst>
+                        <p:par>
+                          <p:cTn id="4" fill="hold">
+                            <p:stCondLst>
+                              <p:cond delay="0"/>
+                            </p:stCondLst>
+                            <p:childTnLst>
+                              <p:par>
+                                <p:cTn id="5" presetID="10" presetClass="entr" presetSubtype="0" fill="hold" grpId="0" nodeType="clickEffect">
+                                  <p:stCondLst>
+                                    <p:cond delay="0"/>
+                                  </p:stCondLst>
+                                  <p:childTnLst>
+                                    <p:set>
+                                      <p:cBhvr>
+                                        <p:cTn id="6" dur="1" fill="hold">
+                                          <p:stCondLst>
+                                            <p:cond delay="0"/>
+                                          </p:stCondLst>
+                                        </p:cTn>
+                                        <p:tgtEl>
+                                          <p:spTgt spid="3"/>
+                                        </p:tgtEl>
+                                        <p:attrNameLst>
+                                          <p:attrName>style.visibility</p:attrName>
+                                        </p:attrNameLst>
+                                      </p:cBhvr>
+                                      <p:to>
+                                        <p:strVal val="visible"/>
+                                      </p:to>
+                                    </p:set>
+                                    <p:animEffect transition="in" filter="fade">
+                                      <p:cBhvr>
+                                        <p:cTn id="7" dur="500"/>
+                                        <p:tgtEl>
+                                          <p:spTgt spid="3"/>
+                                        </p:tgtEl>
+                                      </p:cBhvr>
+                                    </p:animEffect>
+                                  </p:childTnLst>
+                                </p:cTn>
+                              </p:par>
+                            </p:childTnLst>
+                          </p:cTn>
+                        </p:par>
+                      </p:childTnLst>
+                    </p:cTn>
+                  </p:par>
+                  <p:par>
+                    <p:cTn id="8" fill="hold">
+                      <p:stCondLst>
+                        <p:cond delay="indefinite"/>
+                      </p:stCondLst>
+                      <p:childTnLst>
+                        <p:par>
+                          <p:cTn id="9" fill="hold">
+                            <p:stCondLst>
+                              <p:cond delay="0"/>
+                            </p:stCondLst>
+                            <p:childTnLst>
+                              <p:par>
+                                <p:cTn id="10" presetID="53" presetClass="entr" presetSubtype="16" fill="hold" nodeType="clickEffect">
+                                  <p:stCondLst>
+                                    <p:cond delay="0"/>
+                                  </p:stCondLst>
+                                  <p:childTnLst>
+                                    <p:set>
+                                      <p:cBhvr>
+                                        <p:cTn id="11" dur="1" fill="hold">
+                                          <p:stCondLst>
+                                            <p:cond delay="0"/>
+                                          </p:stCondLst>
+                                        </p:cTn>
+                                        <p:tgtEl>
+                                          <p:spTgt spid="4"/>
+                                        </p:tgtEl>
+                                        <p:attrNameLst>
+                                          <p:attrName>style.visibility</p:attrName>
+                                        </p:attrNameLst>
+                                      </p:cBhvr>
+                                      <p:to>
+                                        <p:strVal val="visible"/>
+                                      </p:to>
+                                    </p:set>
+                                    <p:anim calcmode="lin" valueType="num">
+                                      <p:cBhvr>
+                                        <p:cTn id="12" dur="500" fill="hold"/>
+                                        <p:tgtEl>
+                                          <p:spTgt spid="4"/>
+                                        </p:tgtEl>
+                                        <p:attrNameLst>
+                                          <p:attrName>ppt_w</p:attrName>
+                                        </p:attrNameLst>
+                                      </p:cBhvr>
+                                      <p:tavLst>
+                                        <p:tav tm="0">
+                                          <p:val>
+                                            <p:fltVal val="0"/>
+                                          </p:val>
+                                        </p:tav>
+                                        <p:tav tm="100000">
+                                          <p:val>
+                                            <p:strVal val="#ppt_w"/>
+                                          </p:val>
+                                        </p:tav>
+                                      </p:tavLst>
+                                    </p:anim>
+                                    <p:anim calcmode="lin" valueType="num">
+                                      <p:cBhvr>
+                                        <p:cTn id="13" dur="500" fill="hold"/>
+                                        <p:tgtEl>
+                                          <p:spTgt spid="4"/>
+                                        </p:tgtEl>
+                                        <p:attrNameLst>
+                                          <p:attrName>ppt_h</p:attrName>
+                                        </p:attrNameLst>
+                                      </p:cBhvr>
+                                      <p:tavLst>
+                                        <p:tav tm="0">
+                                          <p:val>
+                                            <p:fltVal val="0"/>
+                                          </p:val>
+                                        </p:tav>
+                                        <p:tav tm="100000">
+                                          <p:val>
+                                            <p:strVal val="#ppt_h"/>
+                                          </p:val>
+                                        </p:tav>
+                                      </p:tavLst>
+                                    </p:anim>
+                                    <p:animEffect transition="in" filter="fade">
+                                      <p:cBhvr>
+                                        <p:cTn id="14" dur="500"/>
+                                        <p:tgtEl>
+                                          <p:spTgt spid="4"/>
+                                        </p:tgtEl>
+                                      </p:cBhvr>
+                                    </p:animEffect>
+                                  </p:childTnLst>
+                                </p:cTn>
+                              </p:par>
+                            </p:childTnLst>
+                          </p:cTn>
+                        </p:par>
+                      </p:childTnLst>
+                    </p:cTn>
+                  </p:par>
+                </p:childTnLst>
+              </p:cTn>
+              <p:prevCondLst>
+                <p:cond evt="onPrev" delay="0">
+                  <p:tgtEl>
+                    <p:sldTgt/>
+                  </p:tgtEl>
+                </p:cond>
+              </p:prevCondLst>
+              <p:nextCondLst>
+                <p:cond evt="onNext" delay="0">
+                  <p:tgtEl>
+                    <p:sldTgt/>
+                  </p:tgtEl>
+                </p:cond>
+              </p:nextCondLst>
+            </p:seq>
+          </p:childTnLst>
+        </p:cTn>
+      </p:par>
+    </p:tnLst>
+    <p:bldLst>
+      <p:bldP spid="3" grpId="0"/>
+    </p:bldLst>
+  </p:timing>
+</p:sld>
+</file>
+
+<file path=ppt/slides/slide18.xml><?xml version="1.0" encoding="utf-8"?>
+<p:sld xmlns:a="http://schemas.openxmlformats.org/drawingml/2006/main" xmlns:r="http://schemas.openxmlformats.org/officeDocument/2006/relationships" xmlns:p="http://schemas.openxmlformats.org/presentationml/2006/main">
+  <p:cSld>
+    <p:spTree>
+      <p:nvGrpSpPr>
+        <p:cNvPr id="1" name=""/>
+        <p:cNvGrpSpPr/>
+        <p:nvPr/>
+      </p:nvGrpSpPr>
+      <p:grpSpPr>
+        <a:xfrm>
+          <a:off x="0" y="0"/>
+          <a:ext cx="0" cy="0"/>
+          <a:chOff x="0" y="0"/>
+          <a:chExt cx="0" cy="0"/>
+        </a:xfrm>
+      </p:grpSpPr>
+      <p:sp>
+        <p:nvSpPr>
+          <p:cNvPr id="2" name="Titolo 1"/>
+          <p:cNvSpPr txBox="1">
+            <a:spLocks/>
+          </p:cNvSpPr>
+          <p:nvPr/>
+        </p:nvSpPr>
+        <p:spPr>
+          <a:xfrm>
+            <a:off x="759278" y="556499"/>
+            <a:ext cx="7886700" cy="1028461"/>
+          </a:xfrm>
+          <a:prstGeom prst="rect">
+            <a:avLst/>
+          </a:prstGeom>
+        </p:spPr>
+        <p:txBody>
+          <a:bodyPr>
+            <a:normAutofit/>
+          </a:bodyPr>
+          <a:lstStyle>
+            <a:lvl1pPr algn="l" defTabSz="914400" rtl="0" eaLnBrk="1" latinLnBrk="0" hangingPunct="1">
+              <a:lnSpc>
+                <a:spcPct val="90000"/>
+              </a:lnSpc>
+              <a:spcBef>
+                <a:spcPct val="0"/>
+              </a:spcBef>
+              <a:buNone/>
+              <a:defRPr sz="4400" kern="1200">
+                <a:solidFill>
+                  <a:schemeClr val="tx1"/>
+                </a:solidFill>
+                <a:latin typeface="+mj-lt"/>
+                <a:ea typeface="+mj-ea"/>
+                <a:cs typeface="+mj-cs"/>
+              </a:defRPr>
+            </a:lvl1pPr>
+          </a:lstStyle>
+          <a:p>
+            <a:pPr algn="ctr"/>
+            <a:r>
+              <a:rPr lang="en-US" sz="4000" b="1" spc="-113" dirty="0" smtClean="0">
+                <a:effectLst>
+                  <a:outerShdw blurRad="38100" dist="38100" dir="2700000" algn="tl">
+                    <a:srgbClr val="000000">
+                      <a:alpha val="43137"/>
+                    </a:srgbClr>
+                  </a:outerShdw>
+                </a:effectLst>
+                <a:latin typeface="Georgia" panose="02040502050405020303" pitchFamily="18" charset="0"/>
+              </a:rPr>
+              <a:t>Alloy - Worlds</a:t>
+            </a:r>
+            <a:endParaRPr lang="en-US" sz="4000" b="1" spc="-113" dirty="0">
+              <a:effectLst>
+                <a:outerShdw blurRad="38100" dist="38100" dir="2700000" algn="tl">
+                  <a:srgbClr val="000000">
+                    <a:alpha val="43137"/>
+                  </a:srgbClr>
+                </a:outerShdw>
+              </a:effectLst>
+              <a:latin typeface="Georgia" panose="02040502050405020303" pitchFamily="18" charset="0"/>
+            </a:endParaRPr>
+          </a:p>
+        </p:txBody>
+      </p:sp>
+      <p:pic>
+        <p:nvPicPr>
+          <p:cNvPr id="3" name="Immagine 2" descr="C:\Users\Alessandro\Desktop\Ale\GitHubSynch\myTaxyService-SE2-PozziRomani\OtherStuff\Alloy images\world 4 SIMPLE (1 driver busy, 2 cust, 2 ride ass-noass).png"/>
+          <p:cNvPicPr/>
+          <p:nvPr/>
+        </p:nvPicPr>
+        <p:blipFill>
+          <a:blip r:embed="rId2">
+            <a:extLst>
+              <a:ext uri="{28A0092B-C50C-407E-A947-70E740481C1C}">
+                <a14:useLocalDpi xmlns:a14="http://schemas.microsoft.com/office/drawing/2010/main" val="0"/>
+              </a:ext>
+            </a:extLst>
+          </a:blip>
+          <a:srcRect/>
+          <a:stretch>
+            <a:fillRect/>
+          </a:stretch>
+        </p:blipFill>
+        <p:spPr bwMode="auto">
+          <a:xfrm>
+            <a:off x="-146050" y="2178050"/>
+            <a:ext cx="9504214" cy="4603750"/>
+          </a:xfrm>
+          <a:prstGeom prst="rect">
+            <a:avLst/>
+          </a:prstGeom>
+          <a:noFill/>
+          <a:ln>
+            <a:noFill/>
+          </a:ln>
+        </p:spPr>
+      </p:pic>
+      <p:sp>
+        <p:nvSpPr>
+          <p:cNvPr id="4" name="Rettangolo 3"/>
+          <p:cNvSpPr/>
+          <p:nvPr/>
+        </p:nvSpPr>
+        <p:spPr>
+          <a:xfrm>
+            <a:off x="121103" y="1327477"/>
+            <a:ext cx="8524875" cy="685059"/>
+          </a:xfrm>
+          <a:prstGeom prst="rect">
+            <a:avLst/>
+          </a:prstGeom>
+        </p:spPr>
+        <p:txBody>
+          <a:bodyPr wrap="square">
+            <a:spAutoFit/>
+          </a:bodyPr>
+          <a:lstStyle/>
+          <a:p>
+            <a:pPr marL="449580" algn="just">
+              <a:lnSpc>
+                <a:spcPct val="107000"/>
+              </a:lnSpc>
+              <a:spcAft>
+                <a:spcPts val="800"/>
+              </a:spcAft>
+            </a:pPr>
+            <a:r>
+              <a:rPr lang="en-US" dirty="0" smtClean="0">
+                <a:effectLst/>
+                <a:latin typeface="Georgia" panose="02040502050405020303" pitchFamily="18" charset="0"/>
+                <a:ea typeface="Calibri" panose="020F0502020204030204" pitchFamily="34" charset="0"/>
+                <a:cs typeface="Arial" panose="020B0604020202020204" pitchFamily="34" charset="0"/>
+              </a:rPr>
+              <a:t>In the following alternative worlds, Strings and other non-essential signatures have been removed in order to clarify the relation between the main entities.</a:t>
+            </a:r>
+            <a:endParaRPr lang="it-IT" dirty="0">
+              <a:effectLst/>
+              <a:latin typeface="Georgia" panose="02040502050405020303" pitchFamily="18" charset="0"/>
+              <a:ea typeface="Calibri" panose="020F0502020204030204" pitchFamily="34" charset="0"/>
+              <a:cs typeface="Arial" panose="020B0604020202020204" pitchFamily="34" charset="0"/>
+            </a:endParaRPr>
+          </a:p>
+        </p:txBody>
+      </p:sp>
+    </p:spTree>
+    <p:extLst>
+      <p:ext uri="{BB962C8B-B14F-4D97-AF65-F5344CB8AC3E}">
+        <p14:creationId xmlns:p14="http://schemas.microsoft.com/office/powerpoint/2010/main" val="3404773026"/>
+      </p:ext>
+    </p:extLst>
+  </p:cSld>
+  <p:clrMapOvr>
+    <a:masterClrMapping/>
+  </p:clrMapOvr>
+  <p:timing>
+    <p:tnLst>
+      <p:par>
+        <p:cTn id="1" dur="indefinite" restart="never" nodeType="tmRoot">
+          <p:childTnLst>
+            <p:seq concurrent="1" nextAc="seek">
+              <p:cTn id="2" dur="indefinite" nodeType="mainSeq">
+                <p:childTnLst>
+                  <p:par>
+                    <p:cTn id="3" fill="hold">
+                      <p:stCondLst>
+                        <p:cond delay="indefinite"/>
+                      </p:stCondLst>
+                      <p:childTnLst>
+                        <p:par>
+                          <p:cTn id="4" fill="hold">
+                            <p:stCondLst>
+                              <p:cond delay="0"/>
+                            </p:stCondLst>
+                            <p:childTnLst>
+                              <p:par>
+                                <p:cTn id="5" presetID="10" presetClass="entr" presetSubtype="0" fill="hold" grpId="0" nodeType="clickEffect">
+                                  <p:stCondLst>
+                                    <p:cond delay="0"/>
+                                  </p:stCondLst>
+                                  <p:childTnLst>
+                                    <p:set>
+                                      <p:cBhvr>
+                                        <p:cTn id="6" dur="1" fill="hold">
+                                          <p:stCondLst>
+                                            <p:cond delay="0"/>
+                                          </p:stCondLst>
+                                        </p:cTn>
+                                        <p:tgtEl>
+                                          <p:spTgt spid="4"/>
+                                        </p:tgtEl>
+                                        <p:attrNameLst>
+                                          <p:attrName>style.visibility</p:attrName>
+                                        </p:attrNameLst>
+                                      </p:cBhvr>
+                                      <p:to>
+                                        <p:strVal val="visible"/>
+                                      </p:to>
+                                    </p:set>
+                                    <p:animEffect transition="in" filter="fade">
+                                      <p:cBhvr>
+                                        <p:cTn id="7" dur="500"/>
+                                        <p:tgtEl>
+                                          <p:spTgt spid="4"/>
+                                        </p:tgtEl>
+                                      </p:cBhvr>
+                                    </p:animEffect>
+                                  </p:childTnLst>
+                                </p:cTn>
+                              </p:par>
+                            </p:childTnLst>
+                          </p:cTn>
+                        </p:par>
+                      </p:childTnLst>
+                    </p:cTn>
+                  </p:par>
+                  <p:par>
+                    <p:cTn id="8" fill="hold">
+                      <p:stCondLst>
+                        <p:cond delay="indefinite"/>
+                      </p:stCondLst>
+                      <p:childTnLst>
+                        <p:par>
+                          <p:cTn id="9" fill="hold">
+                            <p:stCondLst>
+                              <p:cond delay="0"/>
+                            </p:stCondLst>
+                            <p:childTnLst>
+                              <p:par>
+                                <p:cTn id="10" presetID="53" presetClass="entr" presetSubtype="16" fill="hold" nodeType="clickEffect">
+                                  <p:stCondLst>
+                                    <p:cond delay="0"/>
+                                  </p:stCondLst>
+                                  <p:childTnLst>
+                                    <p:set>
+                                      <p:cBhvr>
+                                        <p:cTn id="11" dur="1" fill="hold">
+                                          <p:stCondLst>
+                                            <p:cond delay="0"/>
+                                          </p:stCondLst>
+                                        </p:cTn>
+                                        <p:tgtEl>
+                                          <p:spTgt spid="3"/>
+                                        </p:tgtEl>
+                                        <p:attrNameLst>
+                                          <p:attrName>style.visibility</p:attrName>
+                                        </p:attrNameLst>
+                                      </p:cBhvr>
+                                      <p:to>
+                                        <p:strVal val="visible"/>
+                                      </p:to>
+                                    </p:set>
+                                    <p:anim calcmode="lin" valueType="num">
+                                      <p:cBhvr>
+                                        <p:cTn id="12" dur="500" fill="hold"/>
+                                        <p:tgtEl>
+                                          <p:spTgt spid="3"/>
+                                        </p:tgtEl>
+                                        <p:attrNameLst>
+                                          <p:attrName>ppt_w</p:attrName>
+                                        </p:attrNameLst>
+                                      </p:cBhvr>
+                                      <p:tavLst>
+                                        <p:tav tm="0">
+                                          <p:val>
+                                            <p:fltVal val="0"/>
+                                          </p:val>
+                                        </p:tav>
+                                        <p:tav tm="100000">
+                                          <p:val>
+                                            <p:strVal val="#ppt_w"/>
+                                          </p:val>
+                                        </p:tav>
+                                      </p:tavLst>
+                                    </p:anim>
+                                    <p:anim calcmode="lin" valueType="num">
+                                      <p:cBhvr>
+                                        <p:cTn id="13" dur="500" fill="hold"/>
+                                        <p:tgtEl>
+                                          <p:spTgt spid="3"/>
+                                        </p:tgtEl>
+                                        <p:attrNameLst>
+                                          <p:attrName>ppt_h</p:attrName>
+                                        </p:attrNameLst>
+                                      </p:cBhvr>
+                                      <p:tavLst>
+                                        <p:tav tm="0">
+                                          <p:val>
+                                            <p:fltVal val="0"/>
+                                          </p:val>
+                                        </p:tav>
+                                        <p:tav tm="100000">
+                                          <p:val>
+                                            <p:strVal val="#ppt_h"/>
+                                          </p:val>
+                                        </p:tav>
+                                      </p:tavLst>
+                                    </p:anim>
+                                    <p:animEffect transition="in" filter="fade">
+                                      <p:cBhvr>
+                                        <p:cTn id="14" dur="500"/>
+                                        <p:tgtEl>
+                                          <p:spTgt spid="3"/>
+                                        </p:tgtEl>
+                                      </p:cBhvr>
+                                    </p:animEffect>
+                                  </p:childTnLst>
+                                </p:cTn>
+                              </p:par>
+                            </p:childTnLst>
+                          </p:cTn>
+                        </p:par>
+                      </p:childTnLst>
+                    </p:cTn>
+                  </p:par>
+                </p:childTnLst>
+              </p:cTn>
+              <p:prevCondLst>
+                <p:cond evt="onPrev" delay="0">
+                  <p:tgtEl>
+                    <p:sldTgt/>
+                  </p:tgtEl>
+                </p:cond>
+              </p:prevCondLst>
+              <p:nextCondLst>
+                <p:cond evt="onNext" delay="0">
+                  <p:tgtEl>
+                    <p:sldTgt/>
+                  </p:tgtEl>
+                </p:cond>
+              </p:nextCondLst>
+            </p:seq>
+          </p:childTnLst>
+        </p:cTn>
+      </p:par>
+    </p:tnLst>
+    <p:bldLst>
+      <p:bldP spid="4" grpId="0"/>
+    </p:bldLst>
+  </p:timing>
+</p:sld>
+</file>
+
+<file path=ppt/slides/slide19.xml><?xml version="1.0" encoding="utf-8"?>
+<p:sld xmlns:a="http://schemas.openxmlformats.org/drawingml/2006/main" xmlns:r="http://schemas.openxmlformats.org/officeDocument/2006/relationships" xmlns:p="http://schemas.openxmlformats.org/presentationml/2006/main">
+  <p:cSld>
+    <p:spTree>
+      <p:nvGrpSpPr>
+        <p:cNvPr id="1" name=""/>
+        <p:cNvGrpSpPr/>
+        <p:nvPr/>
+      </p:nvGrpSpPr>
+      <p:grpSpPr>
+        <a:xfrm>
+          <a:off x="0" y="0"/>
+          <a:ext cx="0" cy="0"/>
+          <a:chOff x="0" y="0"/>
+          <a:chExt cx="0" cy="0"/>
+        </a:xfrm>
+      </p:grpSpPr>
+      <p:sp>
+        <p:nvSpPr>
+          <p:cNvPr id="2" name="Titolo 1"/>
+          <p:cNvSpPr txBox="1">
+            <a:spLocks/>
+          </p:cNvSpPr>
+          <p:nvPr/>
+        </p:nvSpPr>
+        <p:spPr>
+          <a:xfrm>
+            <a:off x="759278" y="556499"/>
+            <a:ext cx="7886700" cy="1028461"/>
+          </a:xfrm>
+          <a:prstGeom prst="rect">
+            <a:avLst/>
+          </a:prstGeom>
+        </p:spPr>
+        <p:txBody>
+          <a:bodyPr>
+            <a:normAutofit/>
+          </a:bodyPr>
+          <a:lstStyle>
+            <a:lvl1pPr algn="l" defTabSz="914400" rtl="0" eaLnBrk="1" latinLnBrk="0" hangingPunct="1">
+              <a:lnSpc>
+                <a:spcPct val="90000"/>
+              </a:lnSpc>
+              <a:spcBef>
+                <a:spcPct val="0"/>
+              </a:spcBef>
+              <a:buNone/>
+              <a:defRPr sz="4400" kern="1200">
+                <a:solidFill>
+                  <a:schemeClr val="tx1"/>
+                </a:solidFill>
+                <a:latin typeface="+mj-lt"/>
+                <a:ea typeface="+mj-ea"/>
+                <a:cs typeface="+mj-cs"/>
+              </a:defRPr>
+            </a:lvl1pPr>
+          </a:lstStyle>
+          <a:p>
+            <a:pPr algn="ctr"/>
+            <a:r>
+              <a:rPr lang="en-US" sz="4000" b="1" spc="-113" dirty="0" smtClean="0">
+                <a:effectLst>
+                  <a:outerShdw blurRad="38100" dist="38100" dir="2700000" algn="tl">
+                    <a:srgbClr val="000000">
+                      <a:alpha val="43137"/>
+                    </a:srgbClr>
+                  </a:outerShdw>
+                </a:effectLst>
+                <a:latin typeface="Georgia" panose="02040502050405020303" pitchFamily="18" charset="0"/>
+              </a:rPr>
+              <a:t>Alloy - Worlds</a:t>
+            </a:r>
+            <a:endParaRPr lang="en-US" sz="4000" b="1" spc="-113" dirty="0">
+              <a:effectLst>
+                <a:outerShdw blurRad="38100" dist="38100" dir="2700000" algn="tl">
+                  <a:srgbClr val="000000">
+                    <a:alpha val="43137"/>
+                  </a:srgbClr>
+                </a:outerShdw>
+              </a:effectLst>
+              <a:latin typeface="Georgia" panose="02040502050405020303" pitchFamily="18" charset="0"/>
+            </a:endParaRPr>
+          </a:p>
+        </p:txBody>
+      </p:sp>
+      <p:pic>
+        <p:nvPicPr>
+          <p:cNvPr id="3" name="Immagine 2" descr="C:\Users\Alessandro\Desktop\Ale\GitHubSynch\myTaxyService-SE2-PozziRomani\OtherStuff\Alloy images\world 5 SIMPLE (2 driver av-bu, 4 ride, 2 cust, 1 admin).png"/>
+          <p:cNvPicPr/>
+          <p:nvPr/>
+        </p:nvPicPr>
+        <p:blipFill rotWithShape="1">
+          <a:blip r:embed="rId2">
+            <a:extLst>
+              <a:ext uri="{28A0092B-C50C-407E-A947-70E740481C1C}">
+                <a14:useLocalDpi xmlns:a14="http://schemas.microsoft.com/office/drawing/2010/main" val="0"/>
+              </a:ext>
+            </a:extLst>
+          </a:blip>
+          <a:srcRect l="8112" r="5421"/>
+          <a:stretch/>
+        </p:blipFill>
+        <p:spPr bwMode="auto">
+          <a:xfrm>
+            <a:off x="54428" y="1423988"/>
+            <a:ext cx="9296400" cy="5348287"/>
+          </a:xfrm>
+          <a:prstGeom prst="rect">
+            <a:avLst/>
+          </a:prstGeom>
+          <a:noFill/>
+          <a:ln>
+            <a:noFill/>
+          </a:ln>
+          <a:extLst>
+            <a:ext uri="{53640926-AAD7-44D8-BBD7-CCE9431645EC}">
+              <a14:shadowObscured xmlns:a14="http://schemas.microsoft.com/office/drawing/2010/main"/>
+            </a:ext>
+          </a:extLst>
+        </p:spPr>
+      </p:pic>
+    </p:spTree>
+    <p:extLst>
+      <p:ext uri="{BB962C8B-B14F-4D97-AF65-F5344CB8AC3E}">
+        <p14:creationId xmlns:p14="http://schemas.microsoft.com/office/powerpoint/2010/main" val="3147789486"/>
+      </p:ext>
+    </p:extLst>
+  </p:cSld>
+  <p:clrMapOvr>
+    <a:masterClrMapping/>
+  </p:clrMapOvr>
+  <p:timing>
+    <p:tnLst>
+      <p:par>
+        <p:cTn id="1" dur="indefinite" restart="never" nodeType="tmRoot">
+          <p:childTnLst>
+            <p:seq concurrent="1" nextAc="seek">
+              <p:cTn id="2" dur="indefinite" nodeType="mainSeq">
+                <p:childTnLst>
+                  <p:par>
+                    <p:cTn id="3" fill="hold">
+                      <p:stCondLst>
+                        <p:cond delay="indefinite"/>
+                      </p:stCondLst>
+                      <p:childTnLst>
+                        <p:par>
+                          <p:cTn id="4" fill="hold">
+                            <p:stCondLst>
+                              <p:cond delay="0"/>
+                            </p:stCondLst>
+                            <p:childTnLst>
+                              <p:par>
+                                <p:cTn id="5" presetID="53" presetClass="entr" presetSubtype="16" fill="hold" nodeType="clickEffect">
+                                  <p:stCondLst>
+                                    <p:cond delay="0"/>
+                                  </p:stCondLst>
+                                  <p:childTnLst>
+                                    <p:set>
+                                      <p:cBhvr>
+                                        <p:cTn id="6" dur="1" fill="hold">
+                                          <p:stCondLst>
+                                            <p:cond delay="0"/>
+                                          </p:stCondLst>
+                                        </p:cTn>
+                                        <p:tgtEl>
+                                          <p:spTgt spid="3"/>
+                                        </p:tgtEl>
+                                        <p:attrNameLst>
+                                          <p:attrName>style.visibility</p:attrName>
+                                        </p:attrNameLst>
+                                      </p:cBhvr>
+                                      <p:to>
+                                        <p:strVal val="visible"/>
+                                      </p:to>
+                                    </p:set>
+                                    <p:anim calcmode="lin" valueType="num">
+                                      <p:cBhvr>
+                                        <p:cTn id="7" dur="500" fill="hold"/>
+                                        <p:tgtEl>
+                                          <p:spTgt spid="3"/>
+                                        </p:tgtEl>
+                                        <p:attrNameLst>
+                                          <p:attrName>ppt_w</p:attrName>
+                                        </p:attrNameLst>
+                                      </p:cBhvr>
+                                      <p:tavLst>
+                                        <p:tav tm="0">
+                                          <p:val>
+                                            <p:fltVal val="0"/>
+                                          </p:val>
+                                        </p:tav>
+                                        <p:tav tm="100000">
+                                          <p:val>
+                                            <p:strVal val="#ppt_w"/>
+                                          </p:val>
+                                        </p:tav>
+                                      </p:tavLst>
+                                    </p:anim>
+                                    <p:anim calcmode="lin" valueType="num">
+                                      <p:cBhvr>
+                                        <p:cTn id="8" dur="500" fill="hold"/>
+                                        <p:tgtEl>
+                                          <p:spTgt spid="3"/>
+                                        </p:tgtEl>
+                                        <p:attrNameLst>
+                                          <p:attrName>ppt_h</p:attrName>
+                                        </p:attrNameLst>
+                                      </p:cBhvr>
+                                      <p:tavLst>
+                                        <p:tav tm="0">
+                                          <p:val>
+                                            <p:fltVal val="0"/>
+                                          </p:val>
+                                        </p:tav>
+                                        <p:tav tm="100000">
+                                          <p:val>
+                                            <p:strVal val="#ppt_h"/>
+                                          </p:val>
+                                        </p:tav>
+                                      </p:tavLst>
+                                    </p:anim>
+                                    <p:animEffect transition="in" filter="fade">
+                                      <p:cBhvr>
+                                        <p:cTn id="9" dur="500"/>
+                                        <p:tgtEl>
+                                          <p:spTgt spid="3"/>
+                                        </p:tgtEl>
+                                      </p:cBhvr>
+                                    </p:animEffect>
+                                  </p:childTnLst>
+                                </p:cTn>
+                              </p:par>
+                            </p:childTnLst>
+                          </p:cTn>
+                        </p:par>
+                      </p:childTnLst>
+                    </p:cTn>
+                  </p:par>
+                </p:childTnLst>
+              </p:cTn>
+              <p:prevCondLst>
+                <p:cond evt="onPrev" delay="0">
+                  <p:tgtEl>
+                    <p:sldTgt/>
+                  </p:tgtEl>
+                </p:cond>
+              </p:prevCondLst>
+              <p:nextCondLst>
+                <p:cond evt="onNext" delay="0">
+                  <p:tgtEl>
+                    <p:sldTgt/>
+                  </p:tgtEl>
+                </p:cond>
+              </p:nextCondLst>
+            </p:seq>
+          </p:childTnLst>
+        </p:cTn>
       </p:par>
     </p:tnLst>
   </p:timing>
@@ -8721,7 +14099,7 @@
                 <a:ea typeface="Calibri" panose="020F0502020204030204" pitchFamily="34" charset="0"/>
                 <a:cs typeface="Times New Roman" panose="02020603050405020304" pitchFamily="18" charset="0"/>
               </a:rPr>
-              <a:t> Taxi {</a:t>
+              <a:t> TaxiQueue {</a:t>
             </a:r>
             <a:endParaRPr lang="it-IT" dirty="0" smtClean="0">
               <a:effectLst/>
@@ -8746,28 +14124,7 @@
                 <a:ea typeface="Calibri" panose="020F0502020204030204" pitchFamily="34" charset="0"/>
                 <a:cs typeface="Times New Roman" panose="02020603050405020304" pitchFamily="18" charset="0"/>
               </a:rPr>
-              <a:t>  code: </a:t>
-            </a:r>
-            <a:r>
-              <a:rPr lang="en-US" b="1" dirty="0" smtClean="0">
-                <a:solidFill>
-                  <a:srgbClr val="1F00DA"/>
-                </a:solidFill>
-                <a:effectLst/>
-                <a:latin typeface="Lucida Console" panose="020B0609040504020204" pitchFamily="49" charset="0"/>
-                <a:ea typeface="Calibri" panose="020F0502020204030204" pitchFamily="34" charset="0"/>
-                <a:cs typeface="Times New Roman" panose="02020603050405020304" pitchFamily="18" charset="0"/>
-              </a:rPr>
-              <a:t>one</a:t>
-            </a:r>
-            <a:r>
-              <a:rPr lang="en-US" dirty="0" smtClean="0">
-                <a:effectLst/>
-                <a:latin typeface="Lucida Console" panose="020B0609040504020204" pitchFamily="49" charset="0"/>
-                <a:ea typeface="Calibri" panose="020F0502020204030204" pitchFamily="34" charset="0"/>
-                <a:cs typeface="Times New Roman" panose="02020603050405020304" pitchFamily="18" charset="0"/>
-              </a:rPr>
-              <a:t> Integer,</a:t>
+              <a:t>  hasTaxi: set Taxi</a:t>
             </a:r>
             <a:endParaRPr lang="it-IT" dirty="0" smtClean="0">
               <a:effectLst/>
@@ -8792,28 +14149,7 @@
                 <a:ea typeface="Calibri" panose="020F0502020204030204" pitchFamily="34" charset="0"/>
                 <a:cs typeface="Times New Roman" panose="02020603050405020304" pitchFamily="18" charset="0"/>
               </a:rPr>
-              <a:t>  position: </a:t>
-            </a:r>
-            <a:r>
-              <a:rPr lang="en-US" b="1" dirty="0" smtClean="0">
-                <a:solidFill>
-                  <a:srgbClr val="1F00DA"/>
-                </a:solidFill>
-                <a:effectLst/>
-                <a:latin typeface="Lucida Console" panose="020B0609040504020204" pitchFamily="49" charset="0"/>
-                <a:ea typeface="Calibri" panose="020F0502020204030204" pitchFamily="34" charset="0"/>
-                <a:cs typeface="Times New Roman" panose="02020603050405020304" pitchFamily="18" charset="0"/>
-              </a:rPr>
-              <a:t>one</a:t>
-            </a:r>
-            <a:r>
-              <a:rPr lang="en-US" dirty="0" smtClean="0">
-                <a:effectLst/>
-                <a:latin typeface="Lucida Console" panose="020B0609040504020204" pitchFamily="49" charset="0"/>
-                <a:ea typeface="Calibri" panose="020F0502020204030204" pitchFamily="34" charset="0"/>
-                <a:cs typeface="Times New Roman" panose="02020603050405020304" pitchFamily="18" charset="0"/>
-              </a:rPr>
-              <a:t> Coordinate</a:t>
+              <a:t>}</a:t>
             </a:r>
             <a:endParaRPr lang="it-IT" dirty="0" smtClean="0">
               <a:effectLst/>
@@ -8838,7 +14174,7 @@
                 <a:ea typeface="Calibri" panose="020F0502020204030204" pitchFamily="34" charset="0"/>
                 <a:cs typeface="Times New Roman" panose="02020603050405020304" pitchFamily="18" charset="0"/>
               </a:rPr>
-              <a:t>}</a:t>
+              <a:t> </a:t>
             </a:r>
             <a:endParaRPr lang="it-IT" dirty="0" smtClean="0">
               <a:effectLst/>
@@ -8857,13 +14193,25 @@
               </a:spcAft>
             </a:pPr>
             <a:r>
+              <a:rPr lang="en-US" b="1" dirty="0" smtClean="0">
+                <a:solidFill>
+                  <a:srgbClr val="1F00DA"/>
+                </a:solidFill>
+                <a:effectLst/>
+                <a:latin typeface="Lucida Console" panose="020B0609040504020204" pitchFamily="49" charset="0"/>
+                <a:ea typeface="Calibri" panose="020F0502020204030204" pitchFamily="34" charset="0"/>
+                <a:cs typeface="Times New Roman" panose="02020603050405020304" pitchFamily="18" charset="0"/>
+              </a:rPr>
+              <a:t>sig</a:t>
+            </a:r>
+            <a:r>
               <a:rPr lang="en-US" dirty="0" smtClean="0">
                 <a:effectLst/>
                 <a:latin typeface="Lucida Console" panose="020B0609040504020204" pitchFamily="49" charset="0"/>
                 <a:ea typeface="Calibri" panose="020F0502020204030204" pitchFamily="34" charset="0"/>
                 <a:cs typeface="Times New Roman" panose="02020603050405020304" pitchFamily="18" charset="0"/>
               </a:rPr>
-              <a:t> </a:t>
+              <a:t> TaxiZone {</a:t>
             </a:r>
             <a:endParaRPr lang="it-IT" dirty="0" smtClean="0">
               <a:effectLst/>
@@ -8882,6 +14230,15 @@
               </a:spcAft>
             </a:pPr>
             <a:r>
+              <a:rPr lang="en-US" dirty="0" smtClean="0">
+                <a:effectLst/>
+                <a:latin typeface="Lucida Console" panose="020B0609040504020204" pitchFamily="49" charset="0"/>
+                <a:ea typeface="Calibri" panose="020F0502020204030204" pitchFamily="34" charset="0"/>
+                <a:cs typeface="Times New Roman" panose="02020603050405020304" pitchFamily="18" charset="0"/>
+              </a:rPr>
+              <a:t>  hasTaxiQueue: </a:t>
+            </a:r>
+            <a:r>
               <a:rPr lang="en-US" b="1" dirty="0" smtClean="0">
                 <a:solidFill>
                   <a:srgbClr val="1F00DA"/>
@@ -8891,7 +14248,7 @@
                 <a:ea typeface="Calibri" panose="020F0502020204030204" pitchFamily="34" charset="0"/>
                 <a:cs typeface="Times New Roman" panose="02020603050405020304" pitchFamily="18" charset="0"/>
               </a:rPr>
-              <a:t>sig</a:t>
+              <a:t>one</a:t>
             </a:r>
             <a:r>
               <a:rPr lang="en-US" dirty="0" smtClean="0">
@@ -8900,7 +14257,7 @@
                 <a:ea typeface="Calibri" panose="020F0502020204030204" pitchFamily="34" charset="0"/>
                 <a:cs typeface="Times New Roman" panose="02020603050405020304" pitchFamily="18" charset="0"/>
               </a:rPr>
-              <a:t> TaxiQueue {</a:t>
+              <a:t> 		TaxiQueue</a:t>
             </a:r>
             <a:endParaRPr lang="it-IT" dirty="0" smtClean="0">
               <a:effectLst/>
@@ -8925,7 +14282,7 @@
                 <a:ea typeface="Calibri" panose="020F0502020204030204" pitchFamily="34" charset="0"/>
                 <a:cs typeface="Times New Roman" panose="02020603050405020304" pitchFamily="18" charset="0"/>
               </a:rPr>
-              <a:t>  hasTaxi: set Taxi</a:t>
+              <a:t>}</a:t>
             </a:r>
             <a:endParaRPr lang="it-IT" dirty="0" smtClean="0">
               <a:effectLst/>
@@ -8943,6 +14300,111 @@
                 <a:spcPts val="0"/>
               </a:spcAft>
             </a:pPr>
+            <a:endParaRPr lang="en-US" b="1" dirty="0" smtClean="0">
+              <a:solidFill>
+                <a:srgbClr val="1F00DA"/>
+              </a:solidFill>
+              <a:effectLst/>
+              <a:latin typeface="Lucida Console" panose="020B0609040504020204" pitchFamily="49" charset="0"/>
+              <a:ea typeface="Calibri" panose="020F0502020204030204" pitchFamily="34" charset="0"/>
+              <a:cs typeface="Times New Roman" panose="02020603050405020304" pitchFamily="18" charset="0"/>
+            </a:endParaRPr>
+          </a:p>
+          <a:p>
+            <a:pPr>
+              <a:lnSpc>
+                <a:spcPct val="107000"/>
+              </a:lnSpc>
+              <a:spcAft>
+                <a:spcPts val="0"/>
+              </a:spcAft>
+            </a:pPr>
+            <a:endParaRPr lang="en-US" b="1" dirty="0">
+              <a:solidFill>
+                <a:srgbClr val="1F00DA"/>
+              </a:solidFill>
+              <a:latin typeface="Lucida Console" panose="020B0609040504020204" pitchFamily="49" charset="0"/>
+              <a:ea typeface="Calibri" panose="020F0502020204030204" pitchFamily="34" charset="0"/>
+              <a:cs typeface="Times New Roman" panose="02020603050405020304" pitchFamily="18" charset="0"/>
+            </a:endParaRPr>
+          </a:p>
+          <a:p>
+            <a:pPr>
+              <a:lnSpc>
+                <a:spcPct val="107000"/>
+              </a:lnSpc>
+              <a:spcAft>
+                <a:spcPts val="0"/>
+              </a:spcAft>
+            </a:pPr>
+            <a:endParaRPr lang="en-US" b="1" dirty="0" smtClean="0">
+              <a:solidFill>
+                <a:srgbClr val="1F00DA"/>
+              </a:solidFill>
+              <a:effectLst/>
+              <a:latin typeface="Lucida Console" panose="020B0609040504020204" pitchFamily="49" charset="0"/>
+              <a:ea typeface="Calibri" panose="020F0502020204030204" pitchFamily="34" charset="0"/>
+              <a:cs typeface="Times New Roman" panose="02020603050405020304" pitchFamily="18" charset="0"/>
+            </a:endParaRPr>
+          </a:p>
+          <a:p>
+            <a:pPr>
+              <a:lnSpc>
+                <a:spcPct val="107000"/>
+              </a:lnSpc>
+              <a:spcAft>
+                <a:spcPts val="0"/>
+              </a:spcAft>
+            </a:pPr>
+            <a:endParaRPr lang="en-US" b="1" dirty="0">
+              <a:solidFill>
+                <a:srgbClr val="1F00DA"/>
+              </a:solidFill>
+              <a:latin typeface="Lucida Console" panose="020B0609040504020204" pitchFamily="49" charset="0"/>
+              <a:ea typeface="Calibri" panose="020F0502020204030204" pitchFamily="34" charset="0"/>
+              <a:cs typeface="Times New Roman" panose="02020603050405020304" pitchFamily="18" charset="0"/>
+            </a:endParaRPr>
+          </a:p>
+          <a:p>
+            <a:pPr>
+              <a:lnSpc>
+                <a:spcPct val="107000"/>
+              </a:lnSpc>
+              <a:spcAft>
+                <a:spcPts val="0"/>
+              </a:spcAft>
+            </a:pPr>
+            <a:endParaRPr lang="en-US" b="1" dirty="0" smtClean="0">
+              <a:solidFill>
+                <a:srgbClr val="1F00DA"/>
+              </a:solidFill>
+              <a:effectLst/>
+              <a:latin typeface="Lucida Console" panose="020B0609040504020204" pitchFamily="49" charset="0"/>
+              <a:ea typeface="Calibri" panose="020F0502020204030204" pitchFamily="34" charset="0"/>
+              <a:cs typeface="Times New Roman" panose="02020603050405020304" pitchFamily="18" charset="0"/>
+            </a:endParaRPr>
+          </a:p>
+          <a:p>
+            <a:pPr>
+              <a:lnSpc>
+                <a:spcPct val="107000"/>
+              </a:lnSpc>
+              <a:spcAft>
+                <a:spcPts val="0"/>
+              </a:spcAft>
+            </a:pPr>
+            <a:r>
+              <a:rPr lang="en-US" b="1" dirty="0" smtClean="0">
+                <a:solidFill>
+                  <a:srgbClr val="1F00DA"/>
+                </a:solidFill>
+                <a:effectLst/>
+                <a:latin typeface="Lucida Console" panose="020B0609040504020204" pitchFamily="49" charset="0"/>
+                <a:ea typeface="Calibri" panose="020F0502020204030204" pitchFamily="34" charset="0"/>
+                <a:cs typeface="Times New Roman" panose="02020603050405020304" pitchFamily="18" charset="0"/>
+              </a:rPr>
+              <a:t>one</a:t>
+            </a:r>
             <a:r>
               <a:rPr lang="en-US" dirty="0" smtClean="0">
                 <a:effectLst/>
@@ -8950,7 +14412,28 @@
                 <a:ea typeface="Calibri" panose="020F0502020204030204" pitchFamily="34" charset="0"/>
                 <a:cs typeface="Times New Roman" panose="02020603050405020304" pitchFamily="18" charset="0"/>
               </a:rPr>
-              <a:t>}</a:t>
+              <a:t> </a:t>
+            </a:r>
+            <a:r>
+              <a:rPr lang="en-US" b="1" dirty="0" smtClean="0">
+                <a:solidFill>
+                  <a:srgbClr val="1F00DA"/>
+                </a:solidFill>
+                <a:effectLst/>
+                <a:latin typeface="Lucida Console" panose="020B0609040504020204" pitchFamily="49" charset="0"/>
+                <a:ea typeface="Calibri" panose="020F0502020204030204" pitchFamily="34" charset="0"/>
+                <a:cs typeface="Times New Roman" panose="02020603050405020304" pitchFamily="18" charset="0"/>
+              </a:rPr>
+              <a:t>sig</a:t>
+            </a:r>
+            <a:r>
+              <a:rPr lang="en-US" dirty="0" smtClean="0">
+                <a:effectLst/>
+                <a:latin typeface="Lucida Console" panose="020B0609040504020204" pitchFamily="49" charset="0"/>
+                <a:ea typeface="Calibri" panose="020F0502020204030204" pitchFamily="34" charset="0"/>
+                <a:cs typeface="Times New Roman" panose="02020603050405020304" pitchFamily="18" charset="0"/>
+              </a:rPr>
+              <a:t> Map {</a:t>
             </a:r>
             <a:endParaRPr lang="it-IT" dirty="0" smtClean="0">
               <a:effectLst/>
@@ -8975,7 +14458,7 @@
                 <a:ea typeface="Calibri" panose="020F0502020204030204" pitchFamily="34" charset="0"/>
                 <a:cs typeface="Times New Roman" panose="02020603050405020304" pitchFamily="18" charset="0"/>
               </a:rPr>
-              <a:t> </a:t>
+              <a:t>  hasZone: some TaxiZone</a:t>
             </a:r>
             <a:endParaRPr lang="it-IT" dirty="0" smtClean="0">
               <a:effectLst/>
@@ -8994,25 +14477,13 @@
               </a:spcAft>
             </a:pPr>
             <a:r>
-              <a:rPr lang="en-US" b="1" dirty="0" smtClean="0">
-                <a:solidFill>
-                  <a:srgbClr val="1F00DA"/>
-                </a:solidFill>
-                <a:effectLst/>
-                <a:latin typeface="Lucida Console" panose="020B0609040504020204" pitchFamily="49" charset="0"/>
-                <a:ea typeface="Calibri" panose="020F0502020204030204" pitchFamily="34" charset="0"/>
-                <a:cs typeface="Times New Roman" panose="02020603050405020304" pitchFamily="18" charset="0"/>
-              </a:rPr>
-              <a:t>sig</a:t>
-            </a:r>
-            <a:r>
               <a:rPr lang="en-US" dirty="0" smtClean="0">
                 <a:effectLst/>
                 <a:latin typeface="Lucida Console" panose="020B0609040504020204" pitchFamily="49" charset="0"/>
                 <a:ea typeface="Calibri" panose="020F0502020204030204" pitchFamily="34" charset="0"/>
                 <a:cs typeface="Times New Roman" panose="02020603050405020304" pitchFamily="18" charset="0"/>
               </a:rPr>
-              <a:t> TaxiZone {</a:t>
+              <a:t>}</a:t>
             </a:r>
             <a:endParaRPr lang="it-IT" dirty="0" smtClean="0">
               <a:effectLst/>
@@ -9037,188 +14508,12 @@
                 <a:ea typeface="Calibri" panose="020F0502020204030204" pitchFamily="34" charset="0"/>
                 <a:cs typeface="Times New Roman" panose="02020603050405020304" pitchFamily="18" charset="0"/>
               </a:rPr>
-              <a:t>  hasTaxiQueue: </a:t>
-            </a:r>
-            <a:r>
-              <a:rPr lang="en-US" b="1" dirty="0" smtClean="0">
-                <a:solidFill>
-                  <a:srgbClr val="1F00DA"/>
-                </a:solidFill>
-                <a:effectLst/>
-                <a:latin typeface="Lucida Console" panose="020B0609040504020204" pitchFamily="49" charset="0"/>
-                <a:ea typeface="Calibri" panose="020F0502020204030204" pitchFamily="34" charset="0"/>
-                <a:cs typeface="Times New Roman" panose="02020603050405020304" pitchFamily="18" charset="0"/>
-              </a:rPr>
-              <a:t>one</a:t>
-            </a:r>
-            <a:r>
-              <a:rPr lang="en-US" dirty="0" smtClean="0">
-                <a:effectLst/>
-                <a:latin typeface="Lucida Console" panose="020B0609040504020204" pitchFamily="49" charset="0"/>
-                <a:ea typeface="Calibri" panose="020F0502020204030204" pitchFamily="34" charset="0"/>
-                <a:cs typeface="Times New Roman" panose="02020603050405020304" pitchFamily="18" charset="0"/>
-              </a:rPr>
-              <a:t> TaxiQueue</a:t>
-            </a:r>
-            <a:endParaRPr lang="it-IT" dirty="0" smtClean="0">
-              <a:effectLst/>
-              <a:latin typeface="Lucida Console" panose="020B0609040504020204" pitchFamily="49" charset="0"/>
-              <a:ea typeface="Calibri" panose="020F0502020204030204" pitchFamily="34" charset="0"/>
-              <a:cs typeface="Times New Roman" panose="02020603050405020304" pitchFamily="18" charset="0"/>
-            </a:endParaRPr>
-          </a:p>
-          <a:p>
-            <a:pPr>
-              <a:lnSpc>
-                <a:spcPct val="107000"/>
-              </a:lnSpc>
-              <a:spcAft>
-                <a:spcPts val="0"/>
-              </a:spcAft>
-            </a:pPr>
-            <a:r>
-              <a:rPr lang="en-US" dirty="0" smtClean="0">
-                <a:effectLst/>
-                <a:latin typeface="Lucida Console" panose="020B0609040504020204" pitchFamily="49" charset="0"/>
-                <a:ea typeface="Calibri" panose="020F0502020204030204" pitchFamily="34" charset="0"/>
-                <a:cs typeface="Times New Roman" panose="02020603050405020304" pitchFamily="18" charset="0"/>
-              </a:rPr>
-              <a:t>}</a:t>
-            </a:r>
-            <a:endParaRPr lang="it-IT" dirty="0" smtClean="0">
-              <a:effectLst/>
-              <a:latin typeface="Lucida Console" panose="020B0609040504020204" pitchFamily="49" charset="0"/>
-              <a:ea typeface="Calibri" panose="020F0502020204030204" pitchFamily="34" charset="0"/>
-              <a:cs typeface="Times New Roman" panose="02020603050405020304" pitchFamily="18" charset="0"/>
-            </a:endParaRPr>
-          </a:p>
-          <a:p>
-            <a:pPr>
-              <a:lnSpc>
-                <a:spcPct val="107000"/>
-              </a:lnSpc>
-              <a:spcAft>
-                <a:spcPts val="0"/>
-              </a:spcAft>
-            </a:pPr>
-            <a:r>
-              <a:rPr lang="en-US" b="1" dirty="0" smtClean="0">
-                <a:solidFill>
-                  <a:srgbClr val="1F00DA"/>
-                </a:solidFill>
-                <a:effectLst/>
-                <a:latin typeface="Lucida Console" panose="020B0609040504020204" pitchFamily="49" charset="0"/>
-                <a:ea typeface="Calibri" panose="020F0502020204030204" pitchFamily="34" charset="0"/>
-                <a:cs typeface="Times New Roman" panose="02020603050405020304" pitchFamily="18" charset="0"/>
-              </a:rPr>
-              <a:t>one</a:t>
-            </a:r>
-            <a:r>
-              <a:rPr lang="en-US" dirty="0" smtClean="0">
-                <a:effectLst/>
-                <a:latin typeface="Lucida Console" panose="020B0609040504020204" pitchFamily="49" charset="0"/>
-                <a:ea typeface="Calibri" panose="020F0502020204030204" pitchFamily="34" charset="0"/>
-                <a:cs typeface="Times New Roman" panose="02020603050405020304" pitchFamily="18" charset="0"/>
-              </a:rPr>
-              <a:t> </a:t>
-            </a:r>
-            <a:r>
-              <a:rPr lang="en-US" b="1" dirty="0" smtClean="0">
-                <a:solidFill>
-                  <a:srgbClr val="1F00DA"/>
-                </a:solidFill>
-                <a:effectLst/>
-                <a:latin typeface="Lucida Console" panose="020B0609040504020204" pitchFamily="49" charset="0"/>
-                <a:ea typeface="Calibri" panose="020F0502020204030204" pitchFamily="34" charset="0"/>
-                <a:cs typeface="Times New Roman" panose="02020603050405020304" pitchFamily="18" charset="0"/>
-              </a:rPr>
-              <a:t>sig</a:t>
-            </a:r>
-            <a:r>
-              <a:rPr lang="en-US" dirty="0" smtClean="0">
-                <a:effectLst/>
-                <a:latin typeface="Lucida Console" panose="020B0609040504020204" pitchFamily="49" charset="0"/>
-                <a:ea typeface="Calibri" panose="020F0502020204030204" pitchFamily="34" charset="0"/>
-                <a:cs typeface="Times New Roman" panose="02020603050405020304" pitchFamily="18" charset="0"/>
-              </a:rPr>
-              <a:t> Map {</a:t>
-            </a:r>
-            <a:endParaRPr lang="it-IT" dirty="0" smtClean="0">
-              <a:effectLst/>
-              <a:latin typeface="Lucida Console" panose="020B0609040504020204" pitchFamily="49" charset="0"/>
-              <a:ea typeface="Calibri" panose="020F0502020204030204" pitchFamily="34" charset="0"/>
-              <a:cs typeface="Times New Roman" panose="02020603050405020304" pitchFamily="18" charset="0"/>
-            </a:endParaRPr>
-          </a:p>
-          <a:p>
-            <a:pPr>
-              <a:lnSpc>
-                <a:spcPct val="107000"/>
-              </a:lnSpc>
-              <a:spcAft>
-                <a:spcPts val="0"/>
-              </a:spcAft>
-            </a:pPr>
-            <a:r>
-              <a:rPr lang="en-US" dirty="0" smtClean="0">
-                <a:effectLst/>
-                <a:latin typeface="Lucida Console" panose="020B0609040504020204" pitchFamily="49" charset="0"/>
-                <a:ea typeface="Calibri" panose="020F0502020204030204" pitchFamily="34" charset="0"/>
-                <a:cs typeface="Times New Roman" panose="02020603050405020304" pitchFamily="18" charset="0"/>
-              </a:rPr>
-              <a:t>  hasZone: some TaxiZone</a:t>
-            </a:r>
-            <a:endParaRPr lang="it-IT" dirty="0" smtClean="0">
-              <a:effectLst/>
-              <a:latin typeface="Lucida Console" panose="020B0609040504020204" pitchFamily="49" charset="0"/>
-              <a:ea typeface="Calibri" panose="020F0502020204030204" pitchFamily="34" charset="0"/>
-              <a:cs typeface="Times New Roman" panose="02020603050405020304" pitchFamily="18" charset="0"/>
-            </a:endParaRPr>
-          </a:p>
-          <a:p>
-            <a:pPr>
-              <a:lnSpc>
-                <a:spcPct val="107000"/>
-              </a:lnSpc>
-              <a:spcAft>
-                <a:spcPts val="0"/>
-              </a:spcAft>
-            </a:pPr>
-            <a:r>
-              <a:rPr lang="en-US" dirty="0" smtClean="0">
-                <a:effectLst/>
-                <a:latin typeface="Lucida Console" panose="020B0609040504020204" pitchFamily="49" charset="0"/>
-                <a:ea typeface="Calibri" panose="020F0502020204030204" pitchFamily="34" charset="0"/>
-                <a:cs typeface="Times New Roman" panose="02020603050405020304" pitchFamily="18" charset="0"/>
-              </a:rPr>
-              <a:t>}</a:t>
-            </a:r>
-            <a:endParaRPr lang="it-IT" dirty="0" smtClean="0">
-              <a:effectLst/>
-              <a:latin typeface="Lucida Console" panose="020B0609040504020204" pitchFamily="49" charset="0"/>
-              <a:ea typeface="Calibri" panose="020F0502020204030204" pitchFamily="34" charset="0"/>
-              <a:cs typeface="Times New Roman" panose="02020603050405020304" pitchFamily="18" charset="0"/>
-            </a:endParaRPr>
-          </a:p>
-          <a:p>
-            <a:pPr>
-              <a:lnSpc>
-                <a:spcPct val="107000"/>
-              </a:lnSpc>
-              <a:spcAft>
-                <a:spcPts val="0"/>
-              </a:spcAft>
-            </a:pPr>
-            <a:r>
-              <a:rPr lang="en-US" dirty="0" smtClean="0">
-                <a:effectLst/>
-                <a:latin typeface="Lucida Console" panose="020B0609040504020204" pitchFamily="49" charset="0"/>
-                <a:ea typeface="Calibri" panose="020F0502020204030204" pitchFamily="34" charset="0"/>
-                <a:cs typeface="Times New Roman" panose="02020603050405020304" pitchFamily="18" charset="0"/>
-              </a:rPr>
               <a:t> </a:t>
             </a:r>
-            <a:endParaRPr lang="it-IT" dirty="0" smtClean="0">
+            <a:endParaRPr lang="en-US" b="1" dirty="0" smtClean="0">
+              <a:solidFill>
+                <a:srgbClr val="1F00DA"/>
+              </a:solidFill>
               <a:effectLst/>
               <a:latin typeface="Lucida Console" panose="020B0609040504020204" pitchFamily="49" charset="0"/>
               <a:ea typeface="Calibri" panose="020F0502020204030204" pitchFamily="34" charset="0"/>
@@ -9621,15 +14916,33 @@
                                   </p:childTnLst>
                                 </p:cTn>
                               </p:par>
+                            </p:childTnLst>
+                          </p:cTn>
+                        </p:par>
+                      </p:childTnLst>
+                    </p:cTn>
+                  </p:par>
+                  <p:par>
+                    <p:cTn id="19" fill="hold">
+                      <p:stCondLst>
+                        <p:cond delay="indefinite"/>
+                      </p:stCondLst>
+                      <p:childTnLst>
+                        <p:par>
+                          <p:cTn id="20" fill="hold">
+                            <p:stCondLst>
+                              <p:cond delay="0"/>
+                            </p:stCondLst>
+                            <p:childTnLst>
                               <p:par>
-                                <p:cTn id="19" presetID="10" presetClass="entr" presetSubtype="0" fill="hold" nodeType="withEffect">
+                                <p:cTn id="21" presetID="10" presetClass="entr" presetSubtype="0" fill="hold" nodeType="clickEffect">
                                   <p:stCondLst>
                                     <p:cond delay="0"/>
                                   </p:stCondLst>
                                   <p:childTnLst>
                                     <p:set>
                                       <p:cBhvr>
-                                        <p:cTn id="20" dur="1" fill="hold">
+                                        <p:cTn id="22" dur="1" fill="hold">
                                           <p:stCondLst>
                                             <p:cond delay="0"/>
                                           </p:stCondLst>
@@ -9637,7 +14950,7 @@
                                         <p:tgtEl>
                                           <p:spTgt spid="7">
                                             <p:txEl>
-                                              <p:pRg st="3" end="3"/>
+                                              <p:pRg st="4" end="4"/>
                                             </p:txEl>
                                           </p:spTgt>
                                         </p:tgtEl>
@@ -9651,11 +14964,97 @@
                                     </p:set>
                                     <p:animEffect transition="in" filter="fade">
                                       <p:cBhvr>
-                                        <p:cTn id="21" dur="500"/>
+                                        <p:cTn id="23" dur="500"/>
                                         <p:tgtEl>
                                           <p:spTgt spid="7">
                                             <p:txEl>
-                                              <p:pRg st="3" end="3"/>
+                                              <p:pRg st="4" end="4"/>
+                                            </p:txEl>
+                                          </p:spTgt>
+                                        </p:tgtEl>
+                                      </p:cBhvr>
+                                    </p:animEffect>
+                                  </p:childTnLst>
+                                </p:cTn>
+                              </p:par>
+                              <p:par>
+                                <p:cTn id="24" presetID="10" presetClass="entr" presetSubtype="0" fill="hold" nodeType="withEffect">
+                                  <p:stCondLst>
+                                    <p:cond delay="0"/>
+                                  </p:stCondLst>
+                                  <p:childTnLst>
+                                    <p:set>
+                                      <p:cBhvr>
+                                        <p:cTn id="25" dur="1" fill="hold">
+                                          <p:stCondLst>
+                                            <p:cond delay="0"/>
+                                          </p:stCondLst>
+                                        </p:cTn>
+                                        <p:tgtEl>
+                                          <p:spTgt spid="7">
+                                            <p:txEl>
+                                              <p:pRg st="5" end="5"/>
+                                            </p:txEl>
+                                          </p:spTgt>
+                                        </p:tgtEl>
+                                        <p:attrNameLst>
+                                          <p:attrName>style.visibility</p:attrName>
+                                        </p:attrNameLst>
+                                      </p:cBhvr>
+                                      <p:to>
+                                        <p:strVal val="visible"/>
+                                      </p:to>
+                                    </p:set>
+                                    <p:animEffect transition="in" filter="fade">
+                                      <p:cBhvr>
+                                        <p:cTn id="26" dur="500"/>
+                                        <p:tgtEl>
+                                          <p:spTgt spid="7">
+                                            <p:txEl>
+                                              <p:pRg st="5" end="5"/>
+                                            </p:txEl>
+                                          </p:spTgt>
+                                        </p:tgtEl>
+                                      </p:cBhvr>
+                                    </p:animEffect>
+                                  </p:childTnLst>
+                                </p:cTn>
+                              </p:par>
+                              <p:par>
+                                <p:cTn id="27" presetID="10" presetClass="entr" presetSubtype="0" fill="hold" nodeType="withEffect">
+                                  <p:stCondLst>
+                                    <p:cond delay="0"/>
+                                  </p:stCondLst>
+                                  <p:childTnLst>
+                                    <p:set>
+                                      <p:cBhvr>
+                                        <p:cTn id="28" dur="1" fill="hold">
+                                          <p:stCondLst>
+                                            <p:cond delay="0"/>
+                                          </p:stCondLst>
+                                        </p:cTn>
+                                        <p:tgtEl>
+                                          <p:spTgt spid="7">
+                                            <p:txEl>
+                                              <p:pRg st="6" end="6"/>
+                                            </p:txEl>
+                                          </p:spTgt>
+                                        </p:tgtEl>
+                                        <p:attrNameLst>
+                                          <p:attrName>style.visibility</p:attrName>
+                                        </p:attrNameLst>
+                                      </p:cBhvr>
+                                      <p:to>
+                                        <p:strVal val="visible"/>
+                                      </p:to>
+                                    </p:set>
+                                    <p:animEffect transition="in" filter="fade">
+                                      <p:cBhvr>
+                                        <p:cTn id="29" dur="500"/>
+                                        <p:tgtEl>
+                                          <p:spTgt spid="7">
+                                            <p:txEl>
+                                              <p:pRg st="6" end="6"/>
                                             </p:txEl>
                                           </p:spTgt>
                                         </p:tgtEl>
@@ -9671,26 +15070,26 @@
                     </p:cTn>
                   </p:par>
                   <p:par>
-                    <p:cTn id="22" fill="hold">
+                    <p:cTn id="30" fill="hold">
                       <p:stCondLst>
                         <p:cond delay="indefinite"/>
                       </p:stCondLst>
                       <p:childTnLst>
                         <p:par>
-                          <p:cTn id="23" fill="hold">
+                          <p:cTn id="31" fill="hold">
                             <p:stCondLst>
                               <p:cond delay="0"/>
                             </p:stCondLst>
                             <p:childTnLst>
                               <p:par>
-                                <p:cTn id="24" presetID="10" presetClass="entr" presetSubtype="0" fill="hold" nodeType="clickEffect">
+                                <p:cTn id="32" presetID="10" presetClass="entr" presetSubtype="0" fill="hold" nodeType="clickEffect">
                                   <p:stCondLst>
                                     <p:cond delay="0"/>
                                   </p:stCondLst>
                                   <p:childTnLst>
                                     <p:set>
                                       <p:cBhvr>
-                                        <p:cTn id="25" dur="1" fill="hold">
+                                        <p:cTn id="33" dur="1" fill="hold">
                                           <p:stCondLst>
                                             <p:cond delay="0"/>
                                           </p:stCondLst>
@@ -9698,7 +15097,7 @@
                                         <p:tgtEl>
                                           <p:spTgt spid="7">
                                             <p:txEl>
-                                              <p:pRg st="5" end="5"/>
+                                              <p:pRg st="12" end="12"/>
                                             </p:txEl>
                                           </p:spTgt>
                                         </p:tgtEl>
@@ -9712,11 +15111,11 @@
                                     </p:set>
                                     <p:animEffect transition="in" filter="fade">
                                       <p:cBhvr>
-                                        <p:cTn id="26" dur="500"/>
+                                        <p:cTn id="34" dur="500"/>
                                         <p:tgtEl>
                                           <p:spTgt spid="7">
                                             <p:txEl>
-                                              <p:pRg st="5" end="5"/>
+                                              <p:pRg st="12" end="12"/>
                                             </p:txEl>
                                           </p:spTgt>
                                         </p:tgtEl>
@@ -9726,14 +15125,14 @@
                                 </p:cTn>
                               </p:par>
                               <p:par>
-                                <p:cTn id="27" presetID="10" presetClass="entr" presetSubtype="0" fill="hold" nodeType="withEffect">
+                                <p:cTn id="35" presetID="10" presetClass="entr" presetSubtype="0" fill="hold" nodeType="withEffect">
                                   <p:stCondLst>
                                     <p:cond delay="0"/>
                                   </p:stCondLst>
                                   <p:childTnLst>
                                     <p:set>
                                       <p:cBhvr>
-                                        <p:cTn id="28" dur="1" fill="hold">
+                                        <p:cTn id="36" dur="1" fill="hold">
                                           <p:stCondLst>
                                             <p:cond delay="0"/>
                                           </p:stCondLst>
@@ -9741,7 +15140,7 @@
                                         <p:tgtEl>
                                           <p:spTgt spid="7">
                                             <p:txEl>
-                                              <p:pRg st="6" end="6"/>
+                                              <p:pRg st="13" end="13"/>
                                             </p:txEl>
                                           </p:spTgt>
                                         </p:tgtEl>
@@ -9755,11 +15154,11 @@
                                     </p:set>
                                     <p:animEffect transition="in" filter="fade">
                                       <p:cBhvr>
-                                        <p:cTn id="29" dur="500"/>
+                                        <p:cTn id="37" dur="500"/>
                                         <p:tgtEl>
                                           <p:spTgt spid="7">
                                             <p:txEl>
-                                              <p:pRg st="6" end="6"/>
+                                              <p:pRg st="13" end="13"/>
                                             </p:txEl>
                                           </p:spTgt>
                                         </p:tgtEl>
@@ -9769,14 +15168,14 @@
                                 </p:cTn>
                               </p:par>
                               <p:par>
-                                <p:cTn id="30" presetID="10" presetClass="entr" presetSubtype="0" fill="hold" nodeType="withEffect">
+                                <p:cTn id="38" presetID="10" presetClass="entr" presetSubtype="0" fill="hold" nodeType="withEffect">
                                   <p:stCondLst>
                                     <p:cond delay="0"/>
                                   </p:stCondLst>
                                   <p:childTnLst>
                                     <p:set>
                                       <p:cBhvr>
-                                        <p:cTn id="31" dur="1" fill="hold">
+                                        <p:cTn id="39" dur="1" fill="hold">
                                           <p:stCondLst>
                                             <p:cond delay="0"/>
                                           </p:stCondLst>
@@ -9784,7 +15183,7 @@
                                         <p:tgtEl>
                                           <p:spTgt spid="7">
                                             <p:txEl>
-                                              <p:pRg st="7" end="7"/>
+                                              <p:pRg st="14" end="14"/>
                                             </p:txEl>
                                           </p:spTgt>
                                         </p:tgtEl>
@@ -9798,11 +15197,11 @@
                                     </p:set>
                                     <p:animEffect transition="in" filter="fade">
                                       <p:cBhvr>
-                                        <p:cTn id="32" dur="500"/>
+                                        <p:cTn id="40" dur="500"/>
                                         <p:tgtEl>
                                           <p:spTgt spid="7">
                                             <p:txEl>
-                                              <p:pRg st="7" end="7"/>
+                                              <p:pRg st="14" end="14"/>
                                             </p:txEl>
                                           </p:spTgt>
                                         </p:tgtEl>
@@ -9818,26 +15217,26 @@
                     </p:cTn>
                   </p:par>
                   <p:par>
-                    <p:cTn id="33" fill="hold">
+                    <p:cTn id="41" fill="hold">
                       <p:stCondLst>
                         <p:cond delay="indefinite"/>
                       </p:stCondLst>
                       <p:childTnLst>
                         <p:par>
-                          <p:cTn id="34" fill="hold">
+                          <p:cTn id="42" fill="hold">
                             <p:stCondLst>
                               <p:cond delay="0"/>
                             </p:stCondLst>
                             <p:childTnLst>
                               <p:par>
-                                <p:cTn id="35" presetID="10" presetClass="entr" presetSubtype="0" fill="hold" nodeType="clickEffect">
+                                <p:cTn id="43" presetID="10" presetClass="entr" presetSubtype="0" fill="hold" nodeType="clickEffect">
                                   <p:stCondLst>
                                     <p:cond delay="0"/>
                                   </p:stCondLst>
                                   <p:childTnLst>
                                     <p:set>
                                       <p:cBhvr>
-                                        <p:cTn id="36" dur="1" fill="hold">
+                                        <p:cTn id="44" dur="1" fill="hold">
                                           <p:stCondLst>
                                             <p:cond delay="0"/>
                                           </p:stCondLst>
@@ -9845,7 +15244,7 @@
                                         <p:tgtEl>
                                           <p:spTgt spid="7">
                                             <p:txEl>
-                                              <p:pRg st="9" end="9"/>
+                                              <p:pRg st="16" end="16"/>
                                             </p:txEl>
                                           </p:spTgt>
                                         </p:tgtEl>
@@ -9859,11 +15258,11 @@
                                     </p:set>
                                     <p:animEffect transition="in" filter="fade">
                                       <p:cBhvr>
-                                        <p:cTn id="37" dur="500"/>
+                                        <p:cTn id="45" dur="500"/>
                                         <p:tgtEl>
                                           <p:spTgt spid="7">
                                             <p:txEl>
-                                              <p:pRg st="9" end="9"/>
+                                              <p:pRg st="16" end="16"/>
                                             </p:txEl>
                                           </p:spTgt>
                                         </p:tgtEl>
@@ -9873,14 +15272,14 @@
                                 </p:cTn>
                               </p:par>
                               <p:par>
-                                <p:cTn id="38" presetID="10" presetClass="entr" presetSubtype="0" fill="hold" nodeType="withEffect">
+                                <p:cTn id="46" presetID="10" presetClass="entr" presetSubtype="0" fill="hold" nodeType="withEffect">
                                   <p:stCondLst>
                                     <p:cond delay="0"/>
                                   </p:stCondLst>
                                   <p:childTnLst>
                                     <p:set>
                                       <p:cBhvr>
-                                        <p:cTn id="39" dur="1" fill="hold">
+                                        <p:cTn id="47" dur="1" fill="hold">
                                           <p:stCondLst>
                                             <p:cond delay="0"/>
                                           </p:stCondLst>
@@ -9888,7 +15287,7 @@
                                         <p:tgtEl>
                                           <p:spTgt spid="7">
                                             <p:txEl>
-                                              <p:pRg st="10" end="10"/>
+                                              <p:pRg st="17" end="17"/>
                                             </p:txEl>
                                           </p:spTgt>
                                         </p:tgtEl>
@@ -9902,115 +15301,11 @@
                                     </p:set>
                                     <p:animEffect transition="in" filter="fade">
                                       <p:cBhvr>
-                                        <p:cTn id="40" dur="500"/>
+                                        <p:cTn id="48" dur="500"/>
                                         <p:tgtEl>
                                           <p:spTgt spid="7">
                                             <p:txEl>
-                                              <p:pRg st="10" end="10"/>
-                                            </p:txEl>
-                                          </p:spTgt>
-                                        </p:tgtEl>
-                                      </p:cBhvr>
-                                    </p:animEffect>
-                                  </p:childTnLst>
-                                </p:cTn>
-                              </p:par>
-                              <p:par>
-                                <p:cTn id="41" presetID="10" presetClass="entr" presetSubtype="0" fill="hold" nodeType="withEffect">
-                                  <p:stCondLst>
-                                    <p:cond delay="0"/>
-                                  </p:stCondLst>
-                                  <p:childTnLst>
-                                    <p:set>
-                                      <p:cBhvr>
-                                        <p:cTn id="42" dur="1" fill="hold">
-                                          <p:stCondLst>
-                                            <p:cond delay="0"/>
-                                          </p:stCondLst>
-                                        </p:cTn>
-                                        <p:tgtEl>
-                                          <p:spTgt spid="7">
-                                            <p:txEl>
-                                              <p:pRg st="11" end="11"/>
-                                            </p:txEl>
-                                          </p:spTgt>
-                                        </p:tgtEl>
-                                        <p:attrNameLst>
-                                          <p:attrName>style.visibility</p:attrName>
-                                        </p:attrNameLst>
-                                      </p:cBhvr>
-                                      <p:to>
-                                        <p:strVal val="visible"/>
-                                      </p:to>
-                                    </p:set>
-                                    <p:animEffect transition="in" filter="fade">
-                                      <p:cBhvr>
-                                        <p:cTn id="43" dur="500"/>
-                                        <p:tgtEl>
-                                          <p:spTgt spid="7">
-                                            <p:txEl>
-                                              <p:pRg st="11" end="11"/>
-                                            </p:txEl>
-                                          </p:spTgt>
-                                        </p:tgtEl>
-                                      </p:cBhvr>
-                                    </p:animEffect>
-                                  </p:childTnLst>
-                                </p:cTn>
-                              </p:par>
-                            </p:childTnLst>
-                          </p:cTn>
-                        </p:par>
-                      </p:childTnLst>
-                    </p:cTn>
-                  </p:par>
-                  <p:par>
-                    <p:cTn id="44" fill="hold">
-                      <p:stCondLst>
-                        <p:cond delay="indefinite"/>
-                      </p:stCondLst>
-                      <p:childTnLst>
-                        <p:par>
-                          <p:cTn id="45" fill="hold">
-                            <p:stCondLst>
-                              <p:cond delay="0"/>
-                            </p:stCondLst>
-                            <p:childTnLst>
-                              <p:par>
-                                <p:cTn id="46" presetID="10" presetClass="entr" presetSubtype="0" fill="hold" nodeType="clickEffect">
-                                  <p:stCondLst>
-                                    <p:cond delay="0"/>
-                                  </p:stCondLst>
-                                  <p:childTnLst>
-                                    <p:set>
-                                      <p:cBhvr>
-                                        <p:cTn id="47" dur="1" fill="hold">
-                                          <p:stCondLst>
-                                            <p:cond delay="0"/>
-                                          </p:stCondLst>
-                                        </p:cTn>
-                                        <p:tgtEl>
-                                          <p:spTgt spid="7">
-                                            <p:txEl>
-                                              <p:pRg st="12" end="12"/>
-                                            </p:txEl>
-                                          </p:spTgt>
-                                        </p:tgtEl>
-                                        <p:attrNameLst>
-                                          <p:attrName>style.visibility</p:attrName>
-                                        </p:attrNameLst>
-                                      </p:cBhvr>
-                                      <p:to>
-                                        <p:strVal val="visible"/>
-                                      </p:to>
-                                    </p:set>
-                                    <p:animEffect transition="in" filter="fade">
-                                      <p:cBhvr>
-                                        <p:cTn id="48" dur="500"/>
-                                        <p:tgtEl>
-                                          <p:spTgt spid="7">
-                                            <p:txEl>
-                                              <p:pRg st="12" end="12"/>
+                                              <p:pRg st="17" end="17"/>
                                             </p:txEl>
                                           </p:spTgt>
                                         </p:tgtEl>
@@ -10035,7 +15330,7 @@
                                         <p:tgtEl>
                                           <p:spTgt spid="7">
                                             <p:txEl>
-                                              <p:pRg st="13" end="13"/>
+                                              <p:pRg st="18" end="18"/>
                                             </p:txEl>
                                           </p:spTgt>
                                         </p:tgtEl>
@@ -10053,7 +15348,7 @@
                                         <p:tgtEl>
                                           <p:spTgt spid="7">
                                             <p:txEl>
-                                              <p:pRg st="13" end="13"/>
+                                              <p:pRg st="18" end="18"/>
                                             </p:txEl>
                                           </p:spTgt>
                                         </p:tgtEl>
@@ -10078,7 +15373,7 @@
                                         <p:tgtEl>
                                           <p:spTgt spid="7">
                                             <p:txEl>
-                                              <p:pRg st="14" end="14"/>
+                                              <p:pRg st="19" end="19"/>
                                             </p:txEl>
                                           </p:spTgt>
                                         </p:tgtEl>
@@ -10096,7 +15391,7 @@
                                         <p:tgtEl>
                                           <p:spTgt spid="7">
                                             <p:txEl>
-                                              <p:pRg st="14" end="14"/>
+                                              <p:pRg st="19" end="19"/>
                                             </p:txEl>
                                           </p:spTgt>
                                         </p:tgtEl>
@@ -10105,33 +15400,15 @@
                                   </p:childTnLst>
                                 </p:cTn>
                               </p:par>
-                            </p:childTnLst>
-                          </p:cTn>
-                        </p:par>
-                      </p:childTnLst>
-                    </p:cTn>
-                  </p:par>
-                  <p:par>
-                    <p:cTn id="55" fill="hold">
-                      <p:stCondLst>
-                        <p:cond delay="indefinite"/>
-                      </p:stCondLst>
-                      <p:childTnLst>
-                        <p:par>
-                          <p:cTn id="56" fill="hold">
-                            <p:stCondLst>
-                              <p:cond delay="0"/>
-                            </p:stCondLst>
-                            <p:childTnLst>
                               <p:par>
-                                <p:cTn id="57" presetID="10" presetClass="entr" presetSubtype="0" fill="hold" nodeType="clickEffect">
+                                <p:cTn id="55" presetID="10" presetClass="entr" presetSubtype="0" fill="hold" nodeType="withEffect">
                                   <p:stCondLst>
                                     <p:cond delay="0"/>
                                   </p:stCondLst>
                                   <p:childTnLst>
                                     <p:set>
                                       <p:cBhvr>
-                                        <p:cTn id="58" dur="1" fill="hold">
+                                        <p:cTn id="56" dur="1" fill="hold">
                                           <p:stCondLst>
                                             <p:cond delay="0"/>
                                           </p:stCondLst>
@@ -10139,7 +15416,7 @@
                                         <p:tgtEl>
                                           <p:spTgt spid="7">
                                             <p:txEl>
-                                              <p:pRg st="16" end="16"/>
+                                              <p:pRg st="20" end="20"/>
                                             </p:txEl>
                                           </p:spTgt>
                                         </p:tgtEl>
@@ -10153,179 +15430,7 @@
                                     </p:set>
                                     <p:animEffect transition="in" filter="fade">
                                       <p:cBhvr>
-                                        <p:cTn id="59" dur="500"/>
-                                        <p:tgtEl>
-                                          <p:spTgt spid="7">
-                                            <p:txEl>
-                                              <p:pRg st="16" end="16"/>
-                                            </p:txEl>
-                                          </p:spTgt>
-                                        </p:tgtEl>
-                                      </p:cBhvr>
-                                    </p:animEffect>
-                                  </p:childTnLst>
-                                </p:cTn>
-                              </p:par>
-                              <p:par>
-                                <p:cTn id="60" presetID="10" presetClass="entr" presetSubtype="0" fill="hold" nodeType="withEffect">
-                                  <p:stCondLst>
-                                    <p:cond delay="0"/>
-                                  </p:stCondLst>
-                                  <p:childTnLst>
-                                    <p:set>
-                                      <p:cBhvr>
-                                        <p:cTn id="61" dur="1" fill="hold">
-                                          <p:stCondLst>
-                                            <p:cond delay="0"/>
-                                          </p:stCondLst>
-                                        </p:cTn>
-                                        <p:tgtEl>
-                                          <p:spTgt spid="7">
-                                            <p:txEl>
-                                              <p:pRg st="17" end="17"/>
-                                            </p:txEl>
-                                          </p:spTgt>
-                                        </p:tgtEl>
-                                        <p:attrNameLst>
-                                          <p:attrName>style.visibility</p:attrName>
-                                        </p:attrNameLst>
-                                      </p:cBhvr>
-                                      <p:to>
-                                        <p:strVal val="visible"/>
-                                      </p:to>
-                                    </p:set>
-                                    <p:animEffect transition="in" filter="fade">
-                                      <p:cBhvr>
-                                        <p:cTn id="62" dur="500"/>
-                                        <p:tgtEl>
-                                          <p:spTgt spid="7">
-                                            <p:txEl>
-                                              <p:pRg st="17" end="17"/>
-                                            </p:txEl>
-                                          </p:spTgt>
-                                        </p:tgtEl>
-                                      </p:cBhvr>
-                                    </p:animEffect>
-                                  </p:childTnLst>
-                                </p:cTn>
-                              </p:par>
-                              <p:par>
-                                <p:cTn id="63" presetID="10" presetClass="entr" presetSubtype="0" fill="hold" nodeType="withEffect">
-                                  <p:stCondLst>
-                                    <p:cond delay="0"/>
-                                  </p:stCondLst>
-                                  <p:childTnLst>
-                                    <p:set>
-                                      <p:cBhvr>
-                                        <p:cTn id="64" dur="1" fill="hold">
-                                          <p:stCondLst>
-                                            <p:cond delay="0"/>
-                                          </p:stCondLst>
-                                        </p:cTn>
-                                        <p:tgtEl>
-                                          <p:spTgt spid="7">
-                                            <p:txEl>
-                                              <p:pRg st="18" end="18"/>
-                                            </p:txEl>
-                                          </p:spTgt>
-                                        </p:tgtEl>
-                                        <p:attrNameLst>
-                                          <p:attrName>style.visibility</p:attrName>
-                                        </p:attrNameLst>
-                                      </p:cBhvr>
-                                      <p:to>
-                                        <p:strVal val="visible"/>
-                                      </p:to>
-                                    </p:set>
-                                    <p:animEffect transition="in" filter="fade">
-                                      <p:cBhvr>
-                                        <p:cTn id="65" dur="500"/>
-                                        <p:tgtEl>
-                                          <p:spTgt spid="7">
-                                            <p:txEl>
-                                              <p:pRg st="18" end="18"/>
-                                            </p:txEl>
-                                          </p:spTgt>
-                                        </p:tgtEl>
-                                      </p:cBhvr>
-                                    </p:animEffect>
-                                  </p:childTnLst>
-                                </p:cTn>
-                              </p:par>
-                              <p:par>
-                                <p:cTn id="66" presetID="10" presetClass="entr" presetSubtype="0" fill="hold" nodeType="withEffect">
-                                  <p:stCondLst>
-                                    <p:cond delay="0"/>
-                                  </p:stCondLst>
-                                  <p:childTnLst>
-                                    <p:set>
-                                      <p:cBhvr>
-                                        <p:cTn id="67" dur="1" fill="hold">
-                                          <p:stCondLst>
-                                            <p:cond delay="0"/>
-                                          </p:stCondLst>
-                                        </p:cTn>
-                                        <p:tgtEl>
-                                          <p:spTgt spid="7">
-                                            <p:txEl>
-                                              <p:pRg st="19" end="19"/>
-                                            </p:txEl>
-                                          </p:spTgt>
-                                        </p:tgtEl>
-                                        <p:attrNameLst>
-                                          <p:attrName>style.visibility</p:attrName>
-                                        </p:attrNameLst>
-                                      </p:cBhvr>
-                                      <p:to>
-                                        <p:strVal val="visible"/>
-                                      </p:to>
-                                    </p:set>
-                                    <p:animEffect transition="in" filter="fade">
-                                      <p:cBhvr>
-                                        <p:cTn id="68" dur="500"/>
-                                        <p:tgtEl>
-                                          <p:spTgt spid="7">
-                                            <p:txEl>
-                                              <p:pRg st="19" end="19"/>
-                                            </p:txEl>
-                                          </p:spTgt>
-                                        </p:tgtEl>
-                                      </p:cBhvr>
-                                    </p:animEffect>
-                                  </p:childTnLst>
-                                </p:cTn>
-                              </p:par>
-                              <p:par>
-                                <p:cTn id="69" presetID="10" presetClass="entr" presetSubtype="0" fill="hold" nodeType="withEffect">
-                                  <p:stCondLst>
-                                    <p:cond delay="0"/>
-                                  </p:stCondLst>
-                                  <p:childTnLst>
-                                    <p:set>
-                                      <p:cBhvr>
-                                        <p:cTn id="70" dur="1" fill="hold">
-                                          <p:stCondLst>
-                                            <p:cond delay="0"/>
-                                          </p:stCondLst>
-                                        </p:cTn>
-                                        <p:tgtEl>
-                                          <p:spTgt spid="7">
-                                            <p:txEl>
-                                              <p:pRg st="20" end="20"/>
-                                            </p:txEl>
-                                          </p:spTgt>
-                                        </p:tgtEl>
-                                        <p:attrNameLst>
-                                          <p:attrName>style.visibility</p:attrName>
-                                        </p:attrNameLst>
-                                      </p:cBhvr>
-                                      <p:to>
-                                        <p:strVal val="visible"/>
-                                      </p:to>
-                                    </p:set>
-                                    <p:animEffect transition="in" filter="fade">
-                                      <p:cBhvr>
-                                        <p:cTn id="71" dur="500"/>
+                                        <p:cTn id="57" dur="500"/>
                                         <p:tgtEl>
                                           <p:spTgt spid="7">
                                             <p:txEl>
@@ -13243,9 +18348,250 @@
   <p:timing>
     <p:tnLst>
       <p:par>
-        <p:cTn id="1" dur="indefinite" restart="never" nodeType="tmRoot"/>
+        <p:cTn id="1" dur="indefinite" restart="never" nodeType="tmRoot">
+          <p:childTnLst>
+            <p:seq concurrent="1" nextAc="seek">
+              <p:cTn id="2" dur="indefinite" nodeType="mainSeq">
+                <p:childTnLst>
+                  <p:par>
+                    <p:cTn id="3" fill="hold">
+                      <p:stCondLst>
+                        <p:cond delay="indefinite"/>
+                      </p:stCondLst>
+                      <p:childTnLst>
+                        <p:par>
+                          <p:cTn id="4" fill="hold">
+                            <p:stCondLst>
+                              <p:cond delay="0"/>
+                            </p:stCondLst>
+                            <p:childTnLst>
+                              <p:par>
+                                <p:cTn id="5" presetID="10" presetClass="entr" presetSubtype="0" fill="hold" grpId="0" nodeType="clickEffect">
+                                  <p:stCondLst>
+                                    <p:cond delay="0"/>
+                                  </p:stCondLst>
+                                  <p:childTnLst>
+                                    <p:set>
+                                      <p:cBhvr>
+                                        <p:cTn id="6" dur="1" fill="hold">
+                                          <p:stCondLst>
+                                            <p:cond delay="0"/>
+                                          </p:stCondLst>
+                                        </p:cTn>
+                                        <p:tgtEl>
+                                          <p:spTgt spid="7"/>
+                                        </p:tgtEl>
+                                        <p:attrNameLst>
+                                          <p:attrName>style.visibility</p:attrName>
+                                        </p:attrNameLst>
+                                      </p:cBhvr>
+                                      <p:to>
+                                        <p:strVal val="visible"/>
+                                      </p:to>
+                                    </p:set>
+                                    <p:animEffect transition="in" filter="fade">
+                                      <p:cBhvr>
+                                        <p:cTn id="7" dur="500"/>
+                                        <p:tgtEl>
+                                          <p:spTgt spid="7"/>
+                                        </p:tgtEl>
+                                      </p:cBhvr>
+                                    </p:animEffect>
+                                  </p:childTnLst>
+                                </p:cTn>
+                              </p:par>
+                            </p:childTnLst>
+                          </p:cTn>
+                        </p:par>
+                      </p:childTnLst>
+                    </p:cTn>
+                  </p:par>
+                  <p:par>
+                    <p:cTn id="8" fill="hold">
+                      <p:stCondLst>
+                        <p:cond delay="indefinite"/>
+                      </p:stCondLst>
+                      <p:childTnLst>
+                        <p:par>
+                          <p:cTn id="9" fill="hold">
+                            <p:stCondLst>
+                              <p:cond delay="0"/>
+                            </p:stCondLst>
+                            <p:childTnLst>
+                              <p:par>
+                                <p:cTn id="10" presetID="10" presetClass="entr" presetSubtype="0" fill="hold" grpId="0" nodeType="clickEffect">
+                                  <p:stCondLst>
+                                    <p:cond delay="0"/>
+                                  </p:stCondLst>
+                                  <p:childTnLst>
+                                    <p:set>
+                                      <p:cBhvr>
+                                        <p:cTn id="11" dur="1" fill="hold">
+                                          <p:stCondLst>
+                                            <p:cond delay="0"/>
+                                          </p:stCondLst>
+                                        </p:cTn>
+                                        <p:tgtEl>
+                                          <p:spTgt spid="6"/>
+                                        </p:tgtEl>
+                                        <p:attrNameLst>
+                                          <p:attrName>style.visibility</p:attrName>
+                                        </p:attrNameLst>
+                                      </p:cBhvr>
+                                      <p:to>
+                                        <p:strVal val="visible"/>
+                                      </p:to>
+                                    </p:set>
+                                    <p:animEffect transition="in" filter="fade">
+                                      <p:cBhvr>
+                                        <p:cTn id="12" dur="500"/>
+                                        <p:tgtEl>
+                                          <p:spTgt spid="6"/>
+                                        </p:tgtEl>
+                                      </p:cBhvr>
+                                    </p:animEffect>
+                                  </p:childTnLst>
+                                </p:cTn>
+                              </p:par>
+                            </p:childTnLst>
+                          </p:cTn>
+                        </p:par>
+                      </p:childTnLst>
+                    </p:cTn>
+                  </p:par>
+                  <p:par>
+                    <p:cTn id="13" fill="hold">
+                      <p:stCondLst>
+                        <p:cond delay="indefinite"/>
+                      </p:stCondLst>
+                      <p:childTnLst>
+                        <p:par>
+                          <p:cTn id="14" fill="hold">
+                            <p:stCondLst>
+                              <p:cond delay="0"/>
+                            </p:stCondLst>
+                            <p:childTnLst>
+                              <p:par>
+                                <p:cTn id="15" presetID="10" presetClass="entr" presetSubtype="0" fill="hold" grpId="0" nodeType="clickEffect">
+                                  <p:stCondLst>
+                                    <p:cond delay="0"/>
+                                  </p:stCondLst>
+                                  <p:childTnLst>
+                                    <p:set>
+                                      <p:cBhvr>
+                                        <p:cTn id="16" dur="1" fill="hold">
+                                          <p:stCondLst>
+                                            <p:cond delay="0"/>
+                                          </p:stCondLst>
+                                        </p:cTn>
+                                        <p:tgtEl>
+                                          <p:spTgt spid="9"/>
+                                        </p:tgtEl>
+                                        <p:attrNameLst>
+                                          <p:attrName>style.visibility</p:attrName>
+                                        </p:attrNameLst>
+                                      </p:cBhvr>
+                                      <p:to>
+                                        <p:strVal val="visible"/>
+                                      </p:to>
+                                    </p:set>
+                                    <p:animEffect transition="in" filter="fade">
+                                      <p:cBhvr>
+                                        <p:cTn id="17" dur="500"/>
+                                        <p:tgtEl>
+                                          <p:spTgt spid="9"/>
+                                        </p:tgtEl>
+                                      </p:cBhvr>
+                                    </p:animEffect>
+                                  </p:childTnLst>
+                                </p:cTn>
+                              </p:par>
+                            </p:childTnLst>
+                          </p:cTn>
+                        </p:par>
+                      </p:childTnLst>
+                    </p:cTn>
+                  </p:par>
+                  <p:par>
+                    <p:cTn id="18" fill="hold">
+                      <p:stCondLst>
+                        <p:cond delay="indefinite"/>
+                      </p:stCondLst>
+                      <p:childTnLst>
+                        <p:par>
+                          <p:cTn id="19" fill="hold">
+                            <p:stCondLst>
+                              <p:cond delay="0"/>
+                            </p:stCondLst>
+                            <p:childTnLst>
+                              <p:par>
+                                <p:cTn id="20" presetID="10" presetClass="entr" presetSubtype="0" fill="hold" grpId="0" nodeType="clickEffect">
+                                  <p:stCondLst>
+                                    <p:cond delay="0"/>
+                                  </p:stCondLst>
+                                  <p:childTnLst>
+                                    <p:set>
+                                      <p:cBhvr>
+                                        <p:cTn id="21" dur="1" fill="hold">
+                                          <p:stCondLst>
+                                            <p:cond delay="0"/>
+                                          </p:stCondLst>
+                                        </p:cTn>
+                                        <p:tgtEl>
+                                          <p:spTgt spid="8"/>
+                                        </p:tgtEl>
+                                        <p:attrNameLst>
+                                          <p:attrName>style.visibility</p:attrName>
+                                        </p:attrNameLst>
+                                      </p:cBhvr>
+                                      <p:to>
+                                        <p:strVal val="visible"/>
+                                      </p:to>
+                                    </p:set>
+                                    <p:animEffect transition="in" filter="fade">
+                                      <p:cBhvr>
+                                        <p:cTn id="22" dur="500"/>
+                                        <p:tgtEl>
+                                          <p:spTgt spid="8"/>
+                                        </p:tgtEl>
+                                      </p:cBhvr>
+                                    </p:animEffect>
+                                  </p:childTnLst>
+                                </p:cTn>
+                              </p:par>
+                            </p:childTnLst>
+                          </p:cTn>
+                        </p:par>
+                      </p:childTnLst>
+                    </p:cTn>
+                  </p:par>
+                </p:childTnLst>
+              </p:cTn>
+              <p:prevCondLst>
+                <p:cond evt="onPrev" delay="0">
+                  <p:tgtEl>
+                    <p:sldTgt/>
+                  </p:tgtEl>
+                </p:cond>
+              </p:prevCondLst>
+              <p:nextCondLst>
+                <p:cond evt="onNext" delay="0">
+                  <p:tgtEl>
+                    <p:sldTgt/>
+                  </p:tgtEl>
+                </p:cond>
+              </p:nextCondLst>
+            </p:seq>
+          </p:childTnLst>
+        </p:cTn>
       </p:par>
     </p:tnLst>
+    <p:bldLst>
+      <p:bldP spid="6" grpId="0" animBg="1"/>
+      <p:bldP spid="7" grpId="0"/>
+      <p:bldP spid="8" grpId="0" animBg="1"/>
+      <p:bldP spid="9" grpId="0"/>
+    </p:bldLst>
   </p:timing>
 </p:sld>
 </file>
@@ -13956,9 +19302,257 @@
   <p:timing>
     <p:tnLst>
       <p:par>
-        <p:cTn id="1" dur="indefinite" restart="never" nodeType="tmRoot"/>
+        <p:cTn id="1" dur="indefinite" restart="never" nodeType="tmRoot">
+          <p:childTnLst>
+            <p:seq concurrent="1" nextAc="seek">
+              <p:cTn id="2" dur="indefinite" nodeType="mainSeq">
+                <p:childTnLst>
+                  <p:par>
+                    <p:cTn id="3" fill="hold">
+                      <p:stCondLst>
+                        <p:cond delay="indefinite"/>
+                      </p:stCondLst>
+                      <p:childTnLst>
+                        <p:par>
+                          <p:cTn id="4" fill="hold">
+                            <p:stCondLst>
+                              <p:cond delay="0"/>
+                            </p:stCondLst>
+                            <p:childTnLst>
+                              <p:par>
+                                <p:cTn id="5" presetID="10" presetClass="entr" presetSubtype="0" fill="hold" grpId="0" nodeType="clickEffect">
+                                  <p:stCondLst>
+                                    <p:cond delay="0"/>
+                                  </p:stCondLst>
+                                  <p:childTnLst>
+                                    <p:set>
+                                      <p:cBhvr>
+                                        <p:cTn id="6" dur="1" fill="hold">
+                                          <p:stCondLst>
+                                            <p:cond delay="0"/>
+                                          </p:stCondLst>
+                                        </p:cTn>
+                                        <p:tgtEl>
+                                          <p:spTgt spid="2"/>
+                                        </p:tgtEl>
+                                        <p:attrNameLst>
+                                          <p:attrName>style.visibility</p:attrName>
+                                        </p:attrNameLst>
+                                      </p:cBhvr>
+                                      <p:to>
+                                        <p:strVal val="visible"/>
+                                      </p:to>
+                                    </p:set>
+                                    <p:animEffect transition="in" filter="fade">
+                                      <p:cBhvr>
+                                        <p:cTn id="7" dur="500"/>
+                                        <p:tgtEl>
+                                          <p:spTgt spid="2"/>
+                                        </p:tgtEl>
+                                      </p:cBhvr>
+                                    </p:animEffect>
+                                  </p:childTnLst>
+                                </p:cTn>
+                              </p:par>
+                            </p:childTnLst>
+                          </p:cTn>
+                        </p:par>
+                      </p:childTnLst>
+                    </p:cTn>
+                  </p:par>
+                  <p:par>
+                    <p:cTn id="8" fill="hold">
+                      <p:stCondLst>
+                        <p:cond delay="indefinite"/>
+                      </p:stCondLst>
+                      <p:childTnLst>
+                        <p:par>
+                          <p:cTn id="9" fill="hold">
+                            <p:stCondLst>
+                              <p:cond delay="0"/>
+                            </p:stCondLst>
+                            <p:childTnLst>
+                              <p:par>
+                                <p:cTn id="10" presetID="10" presetClass="entr" presetSubtype="0" fill="hold" grpId="0" nodeType="clickEffect">
+                                  <p:stCondLst>
+                                    <p:cond delay="0"/>
+                                  </p:stCondLst>
+                                  <p:childTnLst>
+                                    <p:set>
+                                      <p:cBhvr>
+                                        <p:cTn id="11" dur="1" fill="hold">
+                                          <p:stCondLst>
+                                            <p:cond delay="0"/>
+                                          </p:stCondLst>
+                                        </p:cTn>
+                                        <p:tgtEl>
+                                          <p:spTgt spid="4"/>
+                                        </p:tgtEl>
+                                        <p:attrNameLst>
+                                          <p:attrName>style.visibility</p:attrName>
+                                        </p:attrNameLst>
+                                      </p:cBhvr>
+                                      <p:to>
+                                        <p:strVal val="visible"/>
+                                      </p:to>
+                                    </p:set>
+                                    <p:animEffect transition="in" filter="fade">
+                                      <p:cBhvr>
+                                        <p:cTn id="12" dur="500"/>
+                                        <p:tgtEl>
+                                          <p:spTgt spid="4"/>
+                                        </p:tgtEl>
+                                      </p:cBhvr>
+                                    </p:animEffect>
+                                  </p:childTnLst>
+                                </p:cTn>
+                              </p:par>
+                            </p:childTnLst>
+                          </p:cTn>
+                        </p:par>
+                      </p:childTnLst>
+                    </p:cTn>
+                  </p:par>
+                  <p:par>
+                    <p:cTn id="13" fill="hold">
+                      <p:stCondLst>
+                        <p:cond delay="indefinite"/>
+                      </p:stCondLst>
+                      <p:childTnLst>
+                        <p:par>
+                          <p:cTn id="14" fill="hold">
+                            <p:stCondLst>
+                              <p:cond delay="0"/>
+                            </p:stCondLst>
+                            <p:childTnLst>
+                              <p:par>
+                                <p:cTn id="15" presetID="10" presetClass="entr" presetSubtype="0" fill="hold" nodeType="clickEffect">
+                                  <p:stCondLst>
+                                    <p:cond delay="0"/>
+                                  </p:stCondLst>
+                                  <p:childTnLst>
+                                    <p:set>
+                                      <p:cBhvr>
+                                        <p:cTn id="16" dur="1" fill="hold">
+                                          <p:stCondLst>
+                                            <p:cond delay="0"/>
+                                          </p:stCondLst>
+                                        </p:cTn>
+                                        <p:tgtEl>
+                                          <p:spTgt spid="5">
+                                            <p:txEl>
+                                              <p:pRg st="0" end="0"/>
+                                            </p:txEl>
+                                          </p:spTgt>
+                                        </p:tgtEl>
+                                        <p:attrNameLst>
+                                          <p:attrName>style.visibility</p:attrName>
+                                        </p:attrNameLst>
+                                      </p:cBhvr>
+                                      <p:to>
+                                        <p:strVal val="visible"/>
+                                      </p:to>
+                                    </p:set>
+                                    <p:animEffect transition="in" filter="fade">
+                                      <p:cBhvr>
+                                        <p:cTn id="17" dur="500"/>
+                                        <p:tgtEl>
+                                          <p:spTgt spid="5">
+                                            <p:txEl>
+                                              <p:pRg st="0" end="0"/>
+                                            </p:txEl>
+                                          </p:spTgt>
+                                        </p:tgtEl>
+                                      </p:cBhvr>
+                                    </p:animEffect>
+                                  </p:childTnLst>
+                                </p:cTn>
+                              </p:par>
+                            </p:childTnLst>
+                          </p:cTn>
+                        </p:par>
+                      </p:childTnLst>
+                    </p:cTn>
+                  </p:par>
+                  <p:par>
+                    <p:cTn id="18" fill="hold">
+                      <p:stCondLst>
+                        <p:cond delay="indefinite"/>
+                      </p:stCondLst>
+                      <p:childTnLst>
+                        <p:par>
+                          <p:cTn id="19" fill="hold">
+                            <p:stCondLst>
+                              <p:cond delay="0"/>
+                            </p:stCondLst>
+                            <p:childTnLst>
+                              <p:par>
+                                <p:cTn id="20" presetID="10" presetClass="entr" presetSubtype="0" fill="hold" grpId="0" nodeType="clickEffect">
+                                  <p:stCondLst>
+                                    <p:cond delay="0"/>
+                                  </p:stCondLst>
+                                  <p:childTnLst>
+                                    <p:set>
+                                      <p:cBhvr>
+                                        <p:cTn id="21" dur="1" fill="hold">
+                                          <p:stCondLst>
+                                            <p:cond delay="0"/>
+                                          </p:stCondLst>
+                                        </p:cTn>
+                                        <p:tgtEl>
+                                          <p:spTgt spid="6"/>
+                                        </p:tgtEl>
+                                        <p:attrNameLst>
+                                          <p:attrName>style.visibility</p:attrName>
+                                        </p:attrNameLst>
+                                      </p:cBhvr>
+                                      <p:to>
+                                        <p:strVal val="visible"/>
+                                      </p:to>
+                                    </p:set>
+                                    <p:animEffect transition="in" filter="fade">
+                                      <p:cBhvr>
+                                        <p:cTn id="22" dur="500"/>
+                                        <p:tgtEl>
+                                          <p:spTgt spid="6"/>
+                                        </p:tgtEl>
+                                      </p:cBhvr>
+                                    </p:animEffect>
+                                  </p:childTnLst>
+                                </p:cTn>
+                              </p:par>
+                            </p:childTnLst>
+                          </p:cTn>
+                        </p:par>
+                      </p:childTnLst>
+                    </p:cTn>
+                  </p:par>
+                </p:childTnLst>
+              </p:cTn>
+              <p:prevCondLst>
+                <p:cond evt="onPrev" delay="0">
+                  <p:tgtEl>
+                    <p:sldTgt/>
+                  </p:tgtEl>
+                </p:cond>
+              </p:prevCondLst>
+              <p:nextCondLst>
+                <p:cond evt="onNext" delay="0">
+                  <p:tgtEl>
+                    <p:sldTgt/>
+                  </p:tgtEl>
+                </p:cond>
+              </p:nextCondLst>
+            </p:seq>
+          </p:childTnLst>
+        </p:cTn>
       </p:par>
     </p:tnLst>
+    <p:bldLst>
+      <p:bldP spid="2" grpId="0"/>
+      <p:bldP spid="4" grpId="0" animBg="1"/>
+      <p:bldP spid="6" grpId="0" animBg="1"/>
+    </p:bldLst>
   </p:timing>
 </p:sld>
 </file>
@@ -14541,9 +20135,257 @@
   <p:timing>
     <p:tnLst>
       <p:par>
-        <p:cTn id="1" dur="indefinite" restart="never" nodeType="tmRoot"/>
+        <p:cTn id="1" dur="indefinite" restart="never" nodeType="tmRoot">
+          <p:childTnLst>
+            <p:seq concurrent="1" nextAc="seek">
+              <p:cTn id="2" dur="indefinite" nodeType="mainSeq">
+                <p:childTnLst>
+                  <p:par>
+                    <p:cTn id="3" fill="hold">
+                      <p:stCondLst>
+                        <p:cond delay="indefinite"/>
+                      </p:stCondLst>
+                      <p:childTnLst>
+                        <p:par>
+                          <p:cTn id="4" fill="hold">
+                            <p:stCondLst>
+                              <p:cond delay="0"/>
+                            </p:stCondLst>
+                            <p:childTnLst>
+                              <p:par>
+                                <p:cTn id="5" presetID="10" presetClass="entr" presetSubtype="0" fill="hold" grpId="0" nodeType="clickEffect">
+                                  <p:stCondLst>
+                                    <p:cond delay="0"/>
+                                  </p:stCondLst>
+                                  <p:childTnLst>
+                                    <p:set>
+                                      <p:cBhvr>
+                                        <p:cTn id="6" dur="1" fill="hold">
+                                          <p:stCondLst>
+                                            <p:cond delay="0"/>
+                                          </p:stCondLst>
+                                        </p:cTn>
+                                        <p:tgtEl>
+                                          <p:spTgt spid="3"/>
+                                        </p:tgtEl>
+                                        <p:attrNameLst>
+                                          <p:attrName>style.visibility</p:attrName>
+                                        </p:attrNameLst>
+                                      </p:cBhvr>
+                                      <p:to>
+                                        <p:strVal val="visible"/>
+                                      </p:to>
+                                    </p:set>
+                                    <p:animEffect transition="in" filter="fade">
+                                      <p:cBhvr>
+                                        <p:cTn id="7" dur="500"/>
+                                        <p:tgtEl>
+                                          <p:spTgt spid="3"/>
+                                        </p:tgtEl>
+                                      </p:cBhvr>
+                                    </p:animEffect>
+                                  </p:childTnLst>
+                                </p:cTn>
+                              </p:par>
+                            </p:childTnLst>
+                          </p:cTn>
+                        </p:par>
+                      </p:childTnLst>
+                    </p:cTn>
+                  </p:par>
+                  <p:par>
+                    <p:cTn id="8" fill="hold">
+                      <p:stCondLst>
+                        <p:cond delay="indefinite"/>
+                      </p:stCondLst>
+                      <p:childTnLst>
+                        <p:par>
+                          <p:cTn id="9" fill="hold">
+                            <p:stCondLst>
+                              <p:cond delay="0"/>
+                            </p:stCondLst>
+                            <p:childTnLst>
+                              <p:par>
+                                <p:cTn id="10" presetID="10" presetClass="entr" presetSubtype="0" fill="hold" grpId="0" nodeType="clickEffect">
+                                  <p:stCondLst>
+                                    <p:cond delay="0"/>
+                                  </p:stCondLst>
+                                  <p:childTnLst>
+                                    <p:set>
+                                      <p:cBhvr>
+                                        <p:cTn id="11" dur="1" fill="hold">
+                                          <p:stCondLst>
+                                            <p:cond delay="0"/>
+                                          </p:stCondLst>
+                                        </p:cTn>
+                                        <p:tgtEl>
+                                          <p:spTgt spid="4"/>
+                                        </p:tgtEl>
+                                        <p:attrNameLst>
+                                          <p:attrName>style.visibility</p:attrName>
+                                        </p:attrNameLst>
+                                      </p:cBhvr>
+                                      <p:to>
+                                        <p:strVal val="visible"/>
+                                      </p:to>
+                                    </p:set>
+                                    <p:animEffect transition="in" filter="fade">
+                                      <p:cBhvr>
+                                        <p:cTn id="12" dur="500"/>
+                                        <p:tgtEl>
+                                          <p:spTgt spid="4"/>
+                                        </p:tgtEl>
+                                      </p:cBhvr>
+                                    </p:animEffect>
+                                  </p:childTnLst>
+                                </p:cTn>
+                              </p:par>
+                            </p:childTnLst>
+                          </p:cTn>
+                        </p:par>
+                      </p:childTnLst>
+                    </p:cTn>
+                  </p:par>
+                  <p:par>
+                    <p:cTn id="13" fill="hold">
+                      <p:stCondLst>
+                        <p:cond delay="indefinite"/>
+                      </p:stCondLst>
+                      <p:childTnLst>
+                        <p:par>
+                          <p:cTn id="14" fill="hold">
+                            <p:stCondLst>
+                              <p:cond delay="0"/>
+                            </p:stCondLst>
+                            <p:childTnLst>
+                              <p:par>
+                                <p:cTn id="15" presetID="10" presetClass="entr" presetSubtype="0" fill="hold" nodeType="clickEffect">
+                                  <p:stCondLst>
+                                    <p:cond delay="0"/>
+                                  </p:stCondLst>
+                                  <p:childTnLst>
+                                    <p:set>
+                                      <p:cBhvr>
+                                        <p:cTn id="16" dur="1" fill="hold">
+                                          <p:stCondLst>
+                                            <p:cond delay="0"/>
+                                          </p:stCondLst>
+                                        </p:cTn>
+                                        <p:tgtEl>
+                                          <p:spTgt spid="5">
+                                            <p:txEl>
+                                              <p:pRg st="0" end="0"/>
+                                            </p:txEl>
+                                          </p:spTgt>
+                                        </p:tgtEl>
+                                        <p:attrNameLst>
+                                          <p:attrName>style.visibility</p:attrName>
+                                        </p:attrNameLst>
+                                      </p:cBhvr>
+                                      <p:to>
+                                        <p:strVal val="visible"/>
+                                      </p:to>
+                                    </p:set>
+                                    <p:animEffect transition="in" filter="fade">
+                                      <p:cBhvr>
+                                        <p:cTn id="17" dur="500"/>
+                                        <p:tgtEl>
+                                          <p:spTgt spid="5">
+                                            <p:txEl>
+                                              <p:pRg st="0" end="0"/>
+                                            </p:txEl>
+                                          </p:spTgt>
+                                        </p:tgtEl>
+                                      </p:cBhvr>
+                                    </p:animEffect>
+                                  </p:childTnLst>
+                                </p:cTn>
+                              </p:par>
+                            </p:childTnLst>
+                          </p:cTn>
+                        </p:par>
+                      </p:childTnLst>
+                    </p:cTn>
+                  </p:par>
+                  <p:par>
+                    <p:cTn id="18" fill="hold">
+                      <p:stCondLst>
+                        <p:cond delay="indefinite"/>
+                      </p:stCondLst>
+                      <p:childTnLst>
+                        <p:par>
+                          <p:cTn id="19" fill="hold">
+                            <p:stCondLst>
+                              <p:cond delay="0"/>
+                            </p:stCondLst>
+                            <p:childTnLst>
+                              <p:par>
+                                <p:cTn id="20" presetID="10" presetClass="entr" presetSubtype="0" fill="hold" grpId="0" nodeType="clickEffect">
+                                  <p:stCondLst>
+                                    <p:cond delay="0"/>
+                                  </p:stCondLst>
+                                  <p:childTnLst>
+                                    <p:set>
+                                      <p:cBhvr>
+                                        <p:cTn id="21" dur="1" fill="hold">
+                                          <p:stCondLst>
+                                            <p:cond delay="0"/>
+                                          </p:stCondLst>
+                                        </p:cTn>
+                                        <p:tgtEl>
+                                          <p:spTgt spid="6"/>
+                                        </p:tgtEl>
+                                        <p:attrNameLst>
+                                          <p:attrName>style.visibility</p:attrName>
+                                        </p:attrNameLst>
+                                      </p:cBhvr>
+                                      <p:to>
+                                        <p:strVal val="visible"/>
+                                      </p:to>
+                                    </p:set>
+                                    <p:animEffect transition="in" filter="fade">
+                                      <p:cBhvr>
+                                        <p:cTn id="22" dur="500"/>
+                                        <p:tgtEl>
+                                          <p:spTgt spid="6"/>
+                                        </p:tgtEl>
+                                      </p:cBhvr>
+                                    </p:animEffect>
+                                  </p:childTnLst>
+                                </p:cTn>
+                              </p:par>
+                            </p:childTnLst>
+                          </p:cTn>
+                        </p:par>
+                      </p:childTnLst>
+                    </p:cTn>
+                  </p:par>
+                </p:childTnLst>
+              </p:cTn>
+              <p:prevCondLst>
+                <p:cond evt="onPrev" delay="0">
+                  <p:tgtEl>
+                    <p:sldTgt/>
+                  </p:tgtEl>
+                </p:cond>
+              </p:prevCondLst>
+              <p:nextCondLst>
+                <p:cond evt="onNext" delay="0">
+                  <p:tgtEl>
+                    <p:sldTgt/>
+                  </p:tgtEl>
+                </p:cond>
+              </p:nextCondLst>
+            </p:seq>
+          </p:childTnLst>
+        </p:cTn>
       </p:par>
     </p:tnLst>
+    <p:bldLst>
+      <p:bldP spid="3" grpId="0"/>
+      <p:bldP spid="4" grpId="0" animBg="1"/>
+      <p:bldP spid="6" grpId="0" animBg="1"/>
+    </p:bldLst>
   </p:timing>
 </p:sld>
 </file>
@@ -15260,9 +21102,142 @@
   <p:timing>
     <p:tnLst>
       <p:par>
-        <p:cTn id="1" dur="indefinite" restart="never" nodeType="tmRoot"/>
+        <p:cTn id="1" dur="indefinite" restart="never" nodeType="tmRoot">
+          <p:childTnLst>
+            <p:seq concurrent="1" nextAc="seek">
+              <p:cTn id="2" dur="indefinite" nodeType="mainSeq">
+                <p:childTnLst>
+                  <p:par>
+                    <p:cTn id="3" fill="hold">
+                      <p:stCondLst>
+                        <p:cond delay="indefinite"/>
+                      </p:stCondLst>
+                      <p:childTnLst>
+                        <p:par>
+                          <p:cTn id="4" fill="hold">
+                            <p:stCondLst>
+                              <p:cond delay="0"/>
+                            </p:stCondLst>
+                            <p:childTnLst>
+                              <p:par>
+                                <p:cTn id="5" presetID="10" presetClass="entr" presetSubtype="0" fill="hold" grpId="0" nodeType="clickEffect">
+                                  <p:stCondLst>
+                                    <p:cond delay="0"/>
+                                  </p:stCondLst>
+                                  <p:childTnLst>
+                                    <p:set>
+                                      <p:cBhvr>
+                                        <p:cTn id="6" dur="1" fill="hold">
+                                          <p:stCondLst>
+                                            <p:cond delay="0"/>
+                                          </p:stCondLst>
+                                        </p:cTn>
+                                        <p:tgtEl>
+                                          <p:spTgt spid="3"/>
+                                        </p:tgtEl>
+                                        <p:attrNameLst>
+                                          <p:attrName>style.visibility</p:attrName>
+                                        </p:attrNameLst>
+                                      </p:cBhvr>
+                                      <p:to>
+                                        <p:strVal val="visible"/>
+                                      </p:to>
+                                    </p:set>
+                                    <p:animEffect transition="in" filter="fade">
+                                      <p:cBhvr>
+                                        <p:cTn id="7" dur="500"/>
+                                        <p:tgtEl>
+                                          <p:spTgt spid="3"/>
+                                        </p:tgtEl>
+                                      </p:cBhvr>
+                                    </p:animEffect>
+                                  </p:childTnLst>
+                                </p:cTn>
+                              </p:par>
+                            </p:childTnLst>
+                          </p:cTn>
+                        </p:par>
+                      </p:childTnLst>
+                    </p:cTn>
+                  </p:par>
+                  <p:par>
+                    <p:cTn id="8" fill="hold">
+                      <p:stCondLst>
+                        <p:cond delay="indefinite"/>
+                      </p:stCondLst>
+                      <p:childTnLst>
+                        <p:par>
+                          <p:cTn id="9" fill="hold">
+                            <p:stCondLst>
+                              <p:cond delay="0"/>
+                            </p:stCondLst>
+                            <p:childTnLst>
+                              <p:par>
+                                <p:cTn id="10" presetID="10" presetClass="entr" presetSubtype="0" fill="hold" grpId="0" nodeType="clickEffect">
+                                  <p:stCondLst>
+                                    <p:cond delay="0"/>
+                                  </p:stCondLst>
+                                  <p:childTnLst>
+                                    <p:set>
+                                      <p:cBhvr>
+                                        <p:cTn id="11" dur="1" fill="hold">
+                                          <p:stCondLst>
+                                            <p:cond delay="0"/>
+                                          </p:stCondLst>
+                                        </p:cTn>
+                                        <p:tgtEl>
+                                          <p:spTgt spid="4"/>
+                                        </p:tgtEl>
+                                        <p:attrNameLst>
+                                          <p:attrName>style.visibility</p:attrName>
+                                        </p:attrNameLst>
+                                      </p:cBhvr>
+                                      <p:to>
+                                        <p:strVal val="visible"/>
+                                      </p:to>
+                                    </p:set>
+                                    <p:animEffect transition="in" filter="fade">
+                                      <p:cBhvr>
+                                        <p:cTn id="12" dur="500"/>
+                                        <p:tgtEl>
+                                          <p:spTgt spid="4"/>
+                                        </p:tgtEl>
+                                      </p:cBhvr>
+                                    </p:animEffect>
+                                  </p:childTnLst>
+                                </p:cTn>
+                              </p:par>
+                            </p:childTnLst>
+                          </p:cTn>
+                        </p:par>
+                      </p:childTnLst>
+                    </p:cTn>
+                  </p:par>
+                </p:childTnLst>
+              </p:cTn>
+              <p:prevCondLst>
+                <p:cond evt="onPrev" delay="0">
+                  <p:tgtEl>
+                    <p:sldTgt/>
+                  </p:tgtEl>
+                </p:cond>
+              </p:prevCondLst>
+              <p:nextCondLst>
+                <p:cond evt="onNext" delay="0">
+                  <p:tgtEl>
+                    <p:sldTgt/>
+                  </p:tgtEl>
+                </p:cond>
+              </p:nextCondLst>
+            </p:seq>
+          </p:childTnLst>
+        </p:cTn>
       </p:par>
     </p:tnLst>
+    <p:bldLst>
+      <p:bldP spid="3" grpId="0"/>
+      <p:bldP spid="4" grpId="0" animBg="1"/>
+    </p:bldLst>
   </p:timing>
 </p:sld>
 </file>
@@ -15857,9 +21832,250 @@
   <p:timing>
     <p:tnLst>
       <p:par>
-        <p:cTn id="1" dur="indefinite" restart="never" nodeType="tmRoot"/>
+        <p:cTn id="1" dur="indefinite" restart="never" nodeType="tmRoot">
+          <p:childTnLst>
+            <p:seq concurrent="1" nextAc="seek">
+              <p:cTn id="2" dur="indefinite" nodeType="mainSeq">
+                <p:childTnLst>
+                  <p:par>
+                    <p:cTn id="3" fill="hold">
+                      <p:stCondLst>
+                        <p:cond delay="indefinite"/>
+                      </p:stCondLst>
+                      <p:childTnLst>
+                        <p:par>
+                          <p:cTn id="4" fill="hold">
+                            <p:stCondLst>
+                              <p:cond delay="0"/>
+                            </p:stCondLst>
+                            <p:childTnLst>
+                              <p:par>
+                                <p:cTn id="5" presetID="10" presetClass="entr" presetSubtype="0" fill="hold" grpId="0" nodeType="clickEffect">
+                                  <p:stCondLst>
+                                    <p:cond delay="0"/>
+                                  </p:stCondLst>
+                                  <p:childTnLst>
+                                    <p:set>
+                                      <p:cBhvr>
+                                        <p:cTn id="6" dur="1" fill="hold">
+                                          <p:stCondLst>
+                                            <p:cond delay="0"/>
+                                          </p:stCondLst>
+                                        </p:cTn>
+                                        <p:tgtEl>
+                                          <p:spTgt spid="3"/>
+                                        </p:tgtEl>
+                                        <p:attrNameLst>
+                                          <p:attrName>style.visibility</p:attrName>
+                                        </p:attrNameLst>
+                                      </p:cBhvr>
+                                      <p:to>
+                                        <p:strVal val="visible"/>
+                                      </p:to>
+                                    </p:set>
+                                    <p:animEffect transition="in" filter="fade">
+                                      <p:cBhvr>
+                                        <p:cTn id="7" dur="500"/>
+                                        <p:tgtEl>
+                                          <p:spTgt spid="3"/>
+                                        </p:tgtEl>
+                                      </p:cBhvr>
+                                    </p:animEffect>
+                                  </p:childTnLst>
+                                </p:cTn>
+                              </p:par>
+                            </p:childTnLst>
+                          </p:cTn>
+                        </p:par>
+                      </p:childTnLst>
+                    </p:cTn>
+                  </p:par>
+                  <p:par>
+                    <p:cTn id="8" fill="hold">
+                      <p:stCondLst>
+                        <p:cond delay="indefinite"/>
+                      </p:stCondLst>
+                      <p:childTnLst>
+                        <p:par>
+                          <p:cTn id="9" fill="hold">
+                            <p:stCondLst>
+                              <p:cond delay="0"/>
+                            </p:stCondLst>
+                            <p:childTnLst>
+                              <p:par>
+                                <p:cTn id="10" presetID="10" presetClass="entr" presetSubtype="0" fill="hold" grpId="0" nodeType="clickEffect">
+                                  <p:stCondLst>
+                                    <p:cond delay="0"/>
+                                  </p:stCondLst>
+                                  <p:childTnLst>
+                                    <p:set>
+                                      <p:cBhvr>
+                                        <p:cTn id="11" dur="1" fill="hold">
+                                          <p:stCondLst>
+                                            <p:cond delay="0"/>
+                                          </p:stCondLst>
+                                        </p:cTn>
+                                        <p:tgtEl>
+                                          <p:spTgt spid="4"/>
+                                        </p:tgtEl>
+                                        <p:attrNameLst>
+                                          <p:attrName>style.visibility</p:attrName>
+                                        </p:attrNameLst>
+                                      </p:cBhvr>
+                                      <p:to>
+                                        <p:strVal val="visible"/>
+                                      </p:to>
+                                    </p:set>
+                                    <p:animEffect transition="in" filter="fade">
+                                      <p:cBhvr>
+                                        <p:cTn id="12" dur="500"/>
+                                        <p:tgtEl>
+                                          <p:spTgt spid="4"/>
+                                        </p:tgtEl>
+                                      </p:cBhvr>
+                                    </p:animEffect>
+                                  </p:childTnLst>
+                                </p:cTn>
+                              </p:par>
+                            </p:childTnLst>
+                          </p:cTn>
+                        </p:par>
+                      </p:childTnLst>
+                    </p:cTn>
+                  </p:par>
+                  <p:par>
+                    <p:cTn id="13" fill="hold">
+                      <p:stCondLst>
+                        <p:cond delay="indefinite"/>
+                      </p:stCondLst>
+                      <p:childTnLst>
+                        <p:par>
+                          <p:cTn id="14" fill="hold">
+                            <p:stCondLst>
+                              <p:cond delay="0"/>
+                            </p:stCondLst>
+                            <p:childTnLst>
+                              <p:par>
+                                <p:cTn id="15" presetID="10" presetClass="entr" presetSubtype="0" fill="hold" grpId="0" nodeType="clickEffect">
+                                  <p:stCondLst>
+                                    <p:cond delay="0"/>
+                                  </p:stCondLst>
+                                  <p:childTnLst>
+                                    <p:set>
+                                      <p:cBhvr>
+                                        <p:cTn id="16" dur="1" fill="hold">
+                                          <p:stCondLst>
+                                            <p:cond delay="0"/>
+                                          </p:stCondLst>
+                                        </p:cTn>
+                                        <p:tgtEl>
+                                          <p:spTgt spid="5"/>
+                                        </p:tgtEl>
+                                        <p:attrNameLst>
+                                          <p:attrName>style.visibility</p:attrName>
+                                        </p:attrNameLst>
+                                      </p:cBhvr>
+                                      <p:to>
+                                        <p:strVal val="visible"/>
+                                      </p:to>
+                                    </p:set>
+                                    <p:animEffect transition="in" filter="fade">
+                                      <p:cBhvr>
+                                        <p:cTn id="17" dur="500"/>
+                                        <p:tgtEl>
+                                          <p:spTgt spid="5"/>
+                                        </p:tgtEl>
+                                      </p:cBhvr>
+                                    </p:animEffect>
+                                  </p:childTnLst>
+                                </p:cTn>
+                              </p:par>
+                            </p:childTnLst>
+                          </p:cTn>
+                        </p:par>
+                      </p:childTnLst>
+                    </p:cTn>
+                  </p:par>
+                  <p:par>
+                    <p:cTn id="18" fill="hold">
+                      <p:stCondLst>
+                        <p:cond delay="indefinite"/>
+                      </p:stCondLst>
+                      <p:childTnLst>
+                        <p:par>
+                          <p:cTn id="19" fill="hold">
+                            <p:stCondLst>
+                              <p:cond delay="0"/>
+                            </p:stCondLst>
+                            <p:childTnLst>
+                              <p:par>
+                                <p:cTn id="20" presetID="10" presetClass="entr" presetSubtype="0" fill="hold" grpId="0" nodeType="clickEffect">
+                                  <p:stCondLst>
+                                    <p:cond delay="0"/>
+                                  </p:stCondLst>
+                                  <p:childTnLst>
+                                    <p:set>
+                                      <p:cBhvr>
+                                        <p:cTn id="21" dur="1" fill="hold">
+                                          <p:stCondLst>
+                                            <p:cond delay="0"/>
+                                          </p:stCondLst>
+                                        </p:cTn>
+                                        <p:tgtEl>
+                                          <p:spTgt spid="6"/>
+                                        </p:tgtEl>
+                                        <p:attrNameLst>
+                                          <p:attrName>style.visibility</p:attrName>
+                                        </p:attrNameLst>
+                                      </p:cBhvr>
+                                      <p:to>
+                                        <p:strVal val="visible"/>
+                                      </p:to>
+                                    </p:set>
+                                    <p:animEffect transition="in" filter="fade">
+                                      <p:cBhvr>
+                                        <p:cTn id="22" dur="500"/>
+                                        <p:tgtEl>
+                                          <p:spTgt spid="6"/>
+                                        </p:tgtEl>
+                                      </p:cBhvr>
+                                    </p:animEffect>
+                                  </p:childTnLst>
+                                </p:cTn>
+                              </p:par>
+                            </p:childTnLst>
+                          </p:cTn>
+                        </p:par>
+                      </p:childTnLst>
+                    </p:cTn>
+                  </p:par>
+                </p:childTnLst>
+              </p:cTn>
+              <p:prevCondLst>
+                <p:cond evt="onPrev" delay="0">
+                  <p:tgtEl>
+                    <p:sldTgt/>
+                  </p:tgtEl>
+                </p:cond>
+              </p:prevCondLst>
+              <p:nextCondLst>
+                <p:cond evt="onNext" delay="0">
+                  <p:tgtEl>
+                    <p:sldTgt/>
+                  </p:tgtEl>
+                </p:cond>
+              </p:nextCondLst>
+            </p:seq>
+          </p:childTnLst>
+        </p:cTn>
       </p:par>
     </p:tnLst>
+    <p:bldLst>
+      <p:bldP spid="3" grpId="0"/>
+      <p:bldP spid="4" grpId="0" animBg="1"/>
+      <p:bldP spid="5" grpId="0"/>
+      <p:bldP spid="6" grpId="0" animBg="1"/>
+    </p:bldLst>
   </p:timing>
 </p:sld>
 </file>
